--- a/imgs/MCMSEM_images.pptx
+++ b/imgs/MCMSEM_images.pptx
@@ -9,6 +9,9 @@
     <p:sldId id="257" r:id="rId3"/>
     <p:sldId id="258" r:id="rId4"/>
     <p:sldId id="260" r:id="rId5"/>
+    <p:sldId id="262" r:id="rId6"/>
+    <p:sldId id="263" r:id="rId7"/>
+    <p:sldId id="264" r:id="rId8"/>
   </p:sldIdLst>
   <p:sldSz cx="12192000" cy="6858000"/>
   <p:notesSz cx="6858000" cy="9144000"/>
@@ -107,6 +110,30 @@
       </a:defRPr>
     </a:lvl9pPr>
   </p:defaultTextStyle>
+  <p:extLst>
+    <p:ext uri="{521415D9-36F7-43E2-AB2F-B90AF26B5E84}">
+      <p14:sectionLst xmlns:p14="http://schemas.microsoft.com/office/powerpoint/2010/main">
+        <p14:section name="2.1 Creating an MCM model" id="{CDD52983-BE9F-49CA-A9D6-DA46AC8ECF36}">
+          <p14:sldIdLst>
+            <p14:sldId id="256"/>
+            <p14:sldId id="257"/>
+            <p14:sldId id="258"/>
+            <p14:sldId id="260"/>
+          </p14:sldIdLst>
+        </p14:section>
+        <p14:section name="2.2 Editing an MCM model" id="{53926AFE-359F-4A18-B2AF-3D372222F906}">
+          <p14:sldIdLst>
+            <p14:sldId id="262"/>
+            <p14:sldId id="263"/>
+            <p14:sldId id="264"/>
+          </p14:sldIdLst>
+        </p14:section>
+      </p14:sectionLst>
+    </p:ext>
+    <p:ext uri="{EFAFB233-063F-42B5-8137-9DF3F51BA10A}">
+      <p15:sldGuideLst xmlns:p15="http://schemas.microsoft.com/office/powerpoint/2012/main"/>
+    </p:ext>
+  </p:extLst>
 </p:presentation>
 </file>
 
@@ -11838,6 +11865,6926 @@
 </p:sld>
 </file>
 
+<file path=ppt/slides/slide5.xml><?xml version="1.0" encoding="utf-8"?>
+<p:sld xmlns:a="http://schemas.openxmlformats.org/drawingml/2006/main" xmlns:r="http://schemas.openxmlformats.org/officeDocument/2006/relationships" xmlns:p="http://schemas.openxmlformats.org/presentationml/2006/main">
+  <p:cSld>
+    <p:spTree>
+      <p:nvGrpSpPr>
+        <p:cNvPr id="1" name=""/>
+        <p:cNvGrpSpPr/>
+        <p:nvPr/>
+      </p:nvGrpSpPr>
+      <p:grpSpPr>
+        <a:xfrm>
+          <a:off x="0" y="0"/>
+          <a:ext cx="0" cy="0"/>
+          <a:chOff x="0" y="0"/>
+          <a:chExt cx="0" cy="0"/>
+        </a:xfrm>
+      </p:grpSpPr>
+      <p:grpSp>
+        <p:nvGrpSpPr>
+          <p:cNvPr id="116" name="Group 115">
+            <a:extLst>
+              <a:ext uri="{FF2B5EF4-FFF2-40B4-BE49-F238E27FC236}">
+                <a16:creationId xmlns:a16="http://schemas.microsoft.com/office/drawing/2014/main" id="{78142DAF-E1D5-4BF0-015E-D845D2C8FD1A}"/>
+              </a:ext>
+            </a:extLst>
+          </p:cNvPr>
+          <p:cNvGrpSpPr/>
+          <p:nvPr/>
+        </p:nvGrpSpPr>
+        <p:grpSpPr>
+          <a:xfrm>
+            <a:off x="1775288" y="3902854"/>
+            <a:ext cx="8641425" cy="1098212"/>
+            <a:chOff x="1775288" y="2750329"/>
+            <a:chExt cx="8641425" cy="1098212"/>
+          </a:xfrm>
+        </p:grpSpPr>
+        <p:sp>
+          <p:nvSpPr>
+            <p:cNvPr id="10" name="Oval 9">
+              <a:extLst>
+                <a:ext uri="{FF2B5EF4-FFF2-40B4-BE49-F238E27FC236}">
+                  <a16:creationId xmlns:a16="http://schemas.microsoft.com/office/drawing/2014/main" id="{BF4011EB-C4AF-1B3E-775F-9EE5E034DA96}"/>
+                </a:ext>
+              </a:extLst>
+            </p:cNvPr>
+            <p:cNvSpPr/>
+            <p:nvPr/>
+          </p:nvSpPr>
+          <p:spPr>
+            <a:xfrm>
+              <a:off x="3662484" y="2755900"/>
+              <a:ext cx="1092641" cy="1092641"/>
+            </a:xfrm>
+            <a:prstGeom prst="ellipse">
+              <a:avLst/>
+            </a:prstGeom>
+            <a:noFill/>
+            <a:ln>
+              <a:noFill/>
+            </a:ln>
+          </p:spPr>
+          <p:style>
+            <a:lnRef idx="2">
+              <a:schemeClr val="accent1">
+                <a:shade val="50000"/>
+              </a:schemeClr>
+            </a:lnRef>
+            <a:fillRef idx="1">
+              <a:schemeClr val="accent1"/>
+            </a:fillRef>
+            <a:effectRef idx="0">
+              <a:schemeClr val="accent1"/>
+            </a:effectRef>
+            <a:fontRef idx="minor">
+              <a:schemeClr val="lt1"/>
+            </a:fontRef>
+          </p:style>
+          <p:txBody>
+            <a:bodyPr rtlCol="0" anchor="ctr"/>
+            <a:lstStyle/>
+            <a:p>
+              <a:pPr algn="ctr"/>
+              <a:endParaRPr lang="en-US"/>
+            </a:p>
+          </p:txBody>
+        </p:sp>
+        <p:sp>
+          <p:nvSpPr>
+            <p:cNvPr id="28" name="Oval 27">
+              <a:extLst>
+                <a:ext uri="{FF2B5EF4-FFF2-40B4-BE49-F238E27FC236}">
+                  <a16:creationId xmlns:a16="http://schemas.microsoft.com/office/drawing/2014/main" id="{9AB9075A-1E37-CD09-1E56-2650E83E5707}"/>
+                </a:ext>
+              </a:extLst>
+            </p:cNvPr>
+            <p:cNvSpPr/>
+            <p:nvPr/>
+          </p:nvSpPr>
+          <p:spPr>
+            <a:xfrm>
+              <a:off x="5549680" y="2750331"/>
+              <a:ext cx="1092641" cy="1092641"/>
+            </a:xfrm>
+            <a:prstGeom prst="ellipse">
+              <a:avLst/>
+            </a:prstGeom>
+            <a:noFill/>
+            <a:ln>
+              <a:noFill/>
+            </a:ln>
+          </p:spPr>
+          <p:style>
+            <a:lnRef idx="2">
+              <a:schemeClr val="accent1">
+                <a:shade val="50000"/>
+              </a:schemeClr>
+            </a:lnRef>
+            <a:fillRef idx="1">
+              <a:schemeClr val="accent1"/>
+            </a:fillRef>
+            <a:effectRef idx="0">
+              <a:schemeClr val="accent1"/>
+            </a:effectRef>
+            <a:fontRef idx="minor">
+              <a:schemeClr val="lt1"/>
+            </a:fontRef>
+          </p:style>
+          <p:txBody>
+            <a:bodyPr rtlCol="0" anchor="ctr"/>
+            <a:lstStyle/>
+            <a:p>
+              <a:pPr algn="ctr"/>
+              <a:endParaRPr lang="en-US"/>
+            </a:p>
+          </p:txBody>
+        </p:sp>
+        <p:sp>
+          <p:nvSpPr>
+            <p:cNvPr id="29" name="Oval 28">
+              <a:extLst>
+                <a:ext uri="{FF2B5EF4-FFF2-40B4-BE49-F238E27FC236}">
+                  <a16:creationId xmlns:a16="http://schemas.microsoft.com/office/drawing/2014/main" id="{8C288974-13A7-5664-F068-CB2A1B62012D}"/>
+                </a:ext>
+              </a:extLst>
+            </p:cNvPr>
+            <p:cNvSpPr/>
+            <p:nvPr/>
+          </p:nvSpPr>
+          <p:spPr>
+            <a:xfrm>
+              <a:off x="7436876" y="2750331"/>
+              <a:ext cx="1092641" cy="1092641"/>
+            </a:xfrm>
+            <a:prstGeom prst="ellipse">
+              <a:avLst/>
+            </a:prstGeom>
+            <a:noFill/>
+            <a:ln>
+              <a:noFill/>
+            </a:ln>
+          </p:spPr>
+          <p:style>
+            <a:lnRef idx="2">
+              <a:schemeClr val="accent1">
+                <a:shade val="50000"/>
+              </a:schemeClr>
+            </a:lnRef>
+            <a:fillRef idx="1">
+              <a:schemeClr val="accent1"/>
+            </a:fillRef>
+            <a:effectRef idx="0">
+              <a:schemeClr val="accent1"/>
+            </a:effectRef>
+            <a:fontRef idx="minor">
+              <a:schemeClr val="lt1"/>
+            </a:fontRef>
+          </p:style>
+          <p:txBody>
+            <a:bodyPr rtlCol="0" anchor="ctr"/>
+            <a:lstStyle/>
+            <a:p>
+              <a:pPr algn="ctr"/>
+              <a:endParaRPr lang="en-US"/>
+            </a:p>
+          </p:txBody>
+        </p:sp>
+        <p:sp>
+          <p:nvSpPr>
+            <p:cNvPr id="30" name="Oval 29">
+              <a:extLst>
+                <a:ext uri="{FF2B5EF4-FFF2-40B4-BE49-F238E27FC236}">
+                  <a16:creationId xmlns:a16="http://schemas.microsoft.com/office/drawing/2014/main" id="{DEDA2729-7DE1-E4A7-5B28-9CAC17162275}"/>
+                </a:ext>
+              </a:extLst>
+            </p:cNvPr>
+            <p:cNvSpPr/>
+            <p:nvPr/>
+          </p:nvSpPr>
+          <p:spPr>
+            <a:xfrm>
+              <a:off x="9324072" y="2750330"/>
+              <a:ext cx="1092641" cy="1092641"/>
+            </a:xfrm>
+            <a:prstGeom prst="ellipse">
+              <a:avLst/>
+            </a:prstGeom>
+            <a:noFill/>
+            <a:ln>
+              <a:noFill/>
+            </a:ln>
+          </p:spPr>
+          <p:style>
+            <a:lnRef idx="2">
+              <a:schemeClr val="accent1">
+                <a:shade val="50000"/>
+              </a:schemeClr>
+            </a:lnRef>
+            <a:fillRef idx="1">
+              <a:schemeClr val="accent1"/>
+            </a:fillRef>
+            <a:effectRef idx="0">
+              <a:schemeClr val="accent1"/>
+            </a:effectRef>
+            <a:fontRef idx="minor">
+              <a:schemeClr val="lt1"/>
+            </a:fontRef>
+          </p:style>
+          <p:txBody>
+            <a:bodyPr rtlCol="0" anchor="ctr"/>
+            <a:lstStyle/>
+            <a:p>
+              <a:pPr algn="ctr"/>
+              <a:endParaRPr lang="en-US"/>
+            </a:p>
+          </p:txBody>
+        </p:sp>
+        <p:sp>
+          <p:nvSpPr>
+            <p:cNvPr id="31" name="Oval 30">
+              <a:extLst>
+                <a:ext uri="{FF2B5EF4-FFF2-40B4-BE49-F238E27FC236}">
+                  <a16:creationId xmlns:a16="http://schemas.microsoft.com/office/drawing/2014/main" id="{D68BED49-0540-0AEE-078E-DEFB0A1F6ABD}"/>
+                </a:ext>
+              </a:extLst>
+            </p:cNvPr>
+            <p:cNvSpPr/>
+            <p:nvPr/>
+          </p:nvSpPr>
+          <p:spPr>
+            <a:xfrm>
+              <a:off x="1775288" y="2750329"/>
+              <a:ext cx="1092641" cy="1092641"/>
+            </a:xfrm>
+            <a:prstGeom prst="ellipse">
+              <a:avLst/>
+            </a:prstGeom>
+            <a:noFill/>
+            <a:ln>
+              <a:noFill/>
+            </a:ln>
+          </p:spPr>
+          <p:style>
+            <a:lnRef idx="2">
+              <a:schemeClr val="accent1">
+                <a:shade val="50000"/>
+              </a:schemeClr>
+            </a:lnRef>
+            <a:fillRef idx="1">
+              <a:schemeClr val="accent1"/>
+            </a:fillRef>
+            <a:effectRef idx="0">
+              <a:schemeClr val="accent1"/>
+            </a:effectRef>
+            <a:fontRef idx="minor">
+              <a:schemeClr val="lt1"/>
+            </a:fontRef>
+          </p:style>
+          <p:txBody>
+            <a:bodyPr rtlCol="0" anchor="ctr"/>
+            <a:lstStyle/>
+            <a:p>
+              <a:pPr algn="ctr"/>
+              <a:endParaRPr lang="en-US"/>
+            </a:p>
+          </p:txBody>
+        </p:sp>
+        <p:sp>
+          <p:nvSpPr>
+            <p:cNvPr id="4" name="Rectangle 3">
+              <a:extLst>
+                <a:ext uri="{FF2B5EF4-FFF2-40B4-BE49-F238E27FC236}">
+                  <a16:creationId xmlns:a16="http://schemas.microsoft.com/office/drawing/2014/main" id="{34C38060-D897-056A-37F4-92FEF15BEF12}"/>
+                </a:ext>
+              </a:extLst>
+            </p:cNvPr>
+            <p:cNvSpPr/>
+            <p:nvPr/>
+          </p:nvSpPr>
+          <p:spPr>
+            <a:xfrm>
+              <a:off x="1960661" y="2935705"/>
+              <a:ext cx="721895" cy="721895"/>
+            </a:xfrm>
+            <a:prstGeom prst="rect">
+              <a:avLst/>
+            </a:prstGeom>
+            <a:solidFill>
+              <a:schemeClr val="bg1"/>
+            </a:solidFill>
+            <a:ln w="38100">
+              <a:solidFill>
+                <a:schemeClr val="tx1"/>
+              </a:solidFill>
+            </a:ln>
+          </p:spPr>
+          <p:style>
+            <a:lnRef idx="2">
+              <a:schemeClr val="accent1">
+                <a:shade val="50000"/>
+              </a:schemeClr>
+            </a:lnRef>
+            <a:fillRef idx="1">
+              <a:schemeClr val="accent1"/>
+            </a:fillRef>
+            <a:effectRef idx="0">
+              <a:schemeClr val="accent1"/>
+            </a:effectRef>
+            <a:fontRef idx="minor">
+              <a:schemeClr val="lt1"/>
+            </a:fontRef>
+          </p:style>
+          <p:txBody>
+            <a:bodyPr rtlCol="0" anchor="ctr"/>
+            <a:lstStyle/>
+            <a:p>
+              <a:pPr algn="ctr"/>
+              <a:r>
+                <a:rPr lang="en-US" sz="2800" dirty="0">
+                  <a:solidFill>
+                    <a:sysClr val="windowText" lastClr="000000"/>
+                  </a:solidFill>
+                </a:rPr>
+                <a:t>x1</a:t>
+              </a:r>
+            </a:p>
+          </p:txBody>
+        </p:sp>
+        <p:sp>
+          <p:nvSpPr>
+            <p:cNvPr id="5" name="Rectangle 4">
+              <a:extLst>
+                <a:ext uri="{FF2B5EF4-FFF2-40B4-BE49-F238E27FC236}">
+                  <a16:creationId xmlns:a16="http://schemas.microsoft.com/office/drawing/2014/main" id="{E74C353B-173E-76F7-D850-8B61EBF5AA1A}"/>
+                </a:ext>
+              </a:extLst>
+            </p:cNvPr>
+            <p:cNvSpPr/>
+            <p:nvPr/>
+          </p:nvSpPr>
+          <p:spPr>
+            <a:xfrm>
+              <a:off x="3847857" y="2935705"/>
+              <a:ext cx="721895" cy="721895"/>
+            </a:xfrm>
+            <a:prstGeom prst="rect">
+              <a:avLst/>
+            </a:prstGeom>
+            <a:solidFill>
+              <a:schemeClr val="bg1"/>
+            </a:solidFill>
+            <a:ln w="38100">
+              <a:solidFill>
+                <a:schemeClr val="tx1"/>
+              </a:solidFill>
+            </a:ln>
+          </p:spPr>
+          <p:style>
+            <a:lnRef idx="2">
+              <a:schemeClr val="accent1">
+                <a:shade val="50000"/>
+              </a:schemeClr>
+            </a:lnRef>
+            <a:fillRef idx="1">
+              <a:schemeClr val="accent1"/>
+            </a:fillRef>
+            <a:effectRef idx="0">
+              <a:schemeClr val="accent1"/>
+            </a:effectRef>
+            <a:fontRef idx="minor">
+              <a:schemeClr val="lt1"/>
+            </a:fontRef>
+          </p:style>
+          <p:txBody>
+            <a:bodyPr rtlCol="0" anchor="ctr"/>
+            <a:lstStyle/>
+            <a:p>
+              <a:pPr algn="ctr"/>
+              <a:r>
+                <a:rPr lang="en-US" sz="2800" dirty="0">
+                  <a:solidFill>
+                    <a:sysClr val="windowText" lastClr="000000"/>
+                  </a:solidFill>
+                </a:rPr>
+                <a:t>x2</a:t>
+              </a:r>
+            </a:p>
+          </p:txBody>
+        </p:sp>
+        <p:sp>
+          <p:nvSpPr>
+            <p:cNvPr id="6" name="Rectangle 5">
+              <a:extLst>
+                <a:ext uri="{FF2B5EF4-FFF2-40B4-BE49-F238E27FC236}">
+                  <a16:creationId xmlns:a16="http://schemas.microsoft.com/office/drawing/2014/main" id="{2637EFCF-F81B-C1E2-03D9-FADDC15501C1}"/>
+                </a:ext>
+              </a:extLst>
+            </p:cNvPr>
+            <p:cNvSpPr/>
+            <p:nvPr/>
+          </p:nvSpPr>
+          <p:spPr>
+            <a:xfrm>
+              <a:off x="5735053" y="2940203"/>
+              <a:ext cx="721895" cy="721895"/>
+            </a:xfrm>
+            <a:prstGeom prst="rect">
+              <a:avLst/>
+            </a:prstGeom>
+            <a:solidFill>
+              <a:schemeClr val="bg1"/>
+            </a:solidFill>
+            <a:ln w="38100">
+              <a:solidFill>
+                <a:schemeClr val="tx1"/>
+              </a:solidFill>
+            </a:ln>
+          </p:spPr>
+          <p:style>
+            <a:lnRef idx="2">
+              <a:schemeClr val="accent1">
+                <a:shade val="50000"/>
+              </a:schemeClr>
+            </a:lnRef>
+            <a:fillRef idx="1">
+              <a:schemeClr val="accent1"/>
+            </a:fillRef>
+            <a:effectRef idx="0">
+              <a:schemeClr val="accent1"/>
+            </a:effectRef>
+            <a:fontRef idx="minor">
+              <a:schemeClr val="lt1"/>
+            </a:fontRef>
+          </p:style>
+          <p:txBody>
+            <a:bodyPr rtlCol="0" anchor="ctr"/>
+            <a:lstStyle/>
+            <a:p>
+              <a:pPr algn="ctr"/>
+              <a:r>
+                <a:rPr lang="en-US" sz="2800" dirty="0">
+                  <a:solidFill>
+                    <a:sysClr val="windowText" lastClr="000000"/>
+                  </a:solidFill>
+                </a:rPr>
+                <a:t>x3</a:t>
+              </a:r>
+            </a:p>
+          </p:txBody>
+        </p:sp>
+        <p:sp>
+          <p:nvSpPr>
+            <p:cNvPr id="7" name="Rectangle 6">
+              <a:extLst>
+                <a:ext uri="{FF2B5EF4-FFF2-40B4-BE49-F238E27FC236}">
+                  <a16:creationId xmlns:a16="http://schemas.microsoft.com/office/drawing/2014/main" id="{B50A1607-1C9A-E123-A5B5-24EB3B8DE911}"/>
+                </a:ext>
+              </a:extLst>
+            </p:cNvPr>
+            <p:cNvSpPr/>
+            <p:nvPr/>
+          </p:nvSpPr>
+          <p:spPr>
+            <a:xfrm>
+              <a:off x="7622249" y="2935705"/>
+              <a:ext cx="721895" cy="721895"/>
+            </a:xfrm>
+            <a:prstGeom prst="rect">
+              <a:avLst/>
+            </a:prstGeom>
+            <a:solidFill>
+              <a:schemeClr val="bg1"/>
+            </a:solidFill>
+            <a:ln w="38100">
+              <a:solidFill>
+                <a:schemeClr val="tx1"/>
+              </a:solidFill>
+            </a:ln>
+          </p:spPr>
+          <p:style>
+            <a:lnRef idx="2">
+              <a:schemeClr val="accent1">
+                <a:shade val="50000"/>
+              </a:schemeClr>
+            </a:lnRef>
+            <a:fillRef idx="1">
+              <a:schemeClr val="accent1"/>
+            </a:fillRef>
+            <a:effectRef idx="0">
+              <a:schemeClr val="accent1"/>
+            </a:effectRef>
+            <a:fontRef idx="minor">
+              <a:schemeClr val="lt1"/>
+            </a:fontRef>
+          </p:style>
+          <p:txBody>
+            <a:bodyPr rtlCol="0" anchor="ctr"/>
+            <a:lstStyle/>
+            <a:p>
+              <a:pPr algn="ctr"/>
+              <a:r>
+                <a:rPr lang="en-US" sz="2800" dirty="0">
+                  <a:solidFill>
+                    <a:sysClr val="windowText" lastClr="000000"/>
+                  </a:solidFill>
+                </a:rPr>
+                <a:t>x4</a:t>
+              </a:r>
+            </a:p>
+          </p:txBody>
+        </p:sp>
+        <p:sp>
+          <p:nvSpPr>
+            <p:cNvPr id="8" name="Rectangle 7">
+              <a:extLst>
+                <a:ext uri="{FF2B5EF4-FFF2-40B4-BE49-F238E27FC236}">
+                  <a16:creationId xmlns:a16="http://schemas.microsoft.com/office/drawing/2014/main" id="{7905FBFD-6164-641F-FAFE-FD5DD5269403}"/>
+                </a:ext>
+              </a:extLst>
+            </p:cNvPr>
+            <p:cNvSpPr/>
+            <p:nvPr/>
+          </p:nvSpPr>
+          <p:spPr>
+            <a:xfrm>
+              <a:off x="9509445" y="2935705"/>
+              <a:ext cx="721895" cy="721895"/>
+            </a:xfrm>
+            <a:prstGeom prst="rect">
+              <a:avLst/>
+            </a:prstGeom>
+            <a:solidFill>
+              <a:schemeClr val="bg1"/>
+            </a:solidFill>
+            <a:ln w="38100">
+              <a:solidFill>
+                <a:schemeClr val="tx1"/>
+              </a:solidFill>
+            </a:ln>
+          </p:spPr>
+          <p:style>
+            <a:lnRef idx="2">
+              <a:schemeClr val="accent1">
+                <a:shade val="50000"/>
+              </a:schemeClr>
+            </a:lnRef>
+            <a:fillRef idx="1">
+              <a:schemeClr val="accent1"/>
+            </a:fillRef>
+            <a:effectRef idx="0">
+              <a:schemeClr val="accent1"/>
+            </a:effectRef>
+            <a:fontRef idx="minor">
+              <a:schemeClr val="lt1"/>
+            </a:fontRef>
+          </p:style>
+          <p:txBody>
+            <a:bodyPr rtlCol="0" anchor="ctr"/>
+            <a:lstStyle/>
+            <a:p>
+              <a:pPr algn="ctr"/>
+              <a:r>
+                <a:rPr lang="en-US" sz="2800" dirty="0">
+                  <a:solidFill>
+                    <a:sysClr val="windowText" lastClr="000000"/>
+                  </a:solidFill>
+                </a:rPr>
+                <a:t>x5</a:t>
+              </a:r>
+            </a:p>
+          </p:txBody>
+        </p:sp>
+        <p:cxnSp>
+          <p:nvCxnSpPr>
+            <p:cNvPr id="33" name="Connector: Curved 32">
+              <a:extLst>
+                <a:ext uri="{FF2B5EF4-FFF2-40B4-BE49-F238E27FC236}">
+                  <a16:creationId xmlns:a16="http://schemas.microsoft.com/office/drawing/2014/main" id="{DF809413-675F-0FBB-9173-50AF5B68429D}"/>
+                </a:ext>
+              </a:extLst>
+            </p:cNvPr>
+            <p:cNvCxnSpPr>
+              <a:cxnSpLocks/>
+              <a:stCxn id="31" idx="7"/>
+              <a:endCxn id="10" idx="1"/>
+            </p:cNvCxnSpPr>
+            <p:nvPr/>
+          </p:nvCxnSpPr>
+          <p:spPr>
+            <a:xfrm rot="16200000" flipH="1">
+              <a:off x="3262420" y="2355837"/>
+              <a:ext cx="5571" cy="1114583"/>
+            </a:xfrm>
+            <a:prstGeom prst="curvedConnector3">
+              <a:avLst>
+                <a:gd name="adj1" fmla="val -6975660"/>
+              </a:avLst>
+            </a:prstGeom>
+            <a:ln w="38100">
+              <a:solidFill>
+                <a:schemeClr val="tx1"/>
+              </a:solidFill>
+              <a:tailEnd type="triangle"/>
+            </a:ln>
+          </p:spPr>
+          <p:style>
+            <a:lnRef idx="1">
+              <a:schemeClr val="accent1"/>
+            </a:lnRef>
+            <a:fillRef idx="0">
+              <a:schemeClr val="accent1"/>
+            </a:fillRef>
+            <a:effectRef idx="0">
+              <a:schemeClr val="accent1"/>
+            </a:effectRef>
+            <a:fontRef idx="minor">
+              <a:schemeClr val="tx1"/>
+            </a:fontRef>
+          </p:style>
+        </p:cxnSp>
+        <p:cxnSp>
+          <p:nvCxnSpPr>
+            <p:cNvPr id="35" name="Connector: Curved 34">
+              <a:extLst>
+                <a:ext uri="{FF2B5EF4-FFF2-40B4-BE49-F238E27FC236}">
+                  <a16:creationId xmlns:a16="http://schemas.microsoft.com/office/drawing/2014/main" id="{CA7D87EA-D967-D629-E85F-BDFCCB29617D}"/>
+                </a:ext>
+              </a:extLst>
+            </p:cNvPr>
+            <p:cNvCxnSpPr>
+              <a:cxnSpLocks/>
+              <a:stCxn id="10" idx="3"/>
+              <a:endCxn id="31" idx="5"/>
+            </p:cNvCxnSpPr>
+            <p:nvPr/>
+          </p:nvCxnSpPr>
+          <p:spPr>
+            <a:xfrm rot="5400000" flipH="1">
+              <a:off x="3262421" y="3128451"/>
+              <a:ext cx="5571" cy="1114583"/>
+            </a:xfrm>
+            <a:prstGeom prst="curvedConnector3">
+              <a:avLst>
+                <a:gd name="adj1" fmla="val -6975660"/>
+              </a:avLst>
+            </a:prstGeom>
+            <a:ln w="38100">
+              <a:solidFill>
+                <a:schemeClr val="tx1"/>
+              </a:solidFill>
+              <a:tailEnd type="triangle"/>
+            </a:ln>
+          </p:spPr>
+          <p:style>
+            <a:lnRef idx="1">
+              <a:schemeClr val="accent1"/>
+            </a:lnRef>
+            <a:fillRef idx="0">
+              <a:schemeClr val="accent1"/>
+            </a:fillRef>
+            <a:effectRef idx="0">
+              <a:schemeClr val="accent1"/>
+            </a:effectRef>
+            <a:fontRef idx="minor">
+              <a:schemeClr val="tx1"/>
+            </a:fontRef>
+          </p:style>
+        </p:cxnSp>
+        <p:cxnSp>
+          <p:nvCxnSpPr>
+            <p:cNvPr id="38" name="Connector: Curved 37">
+              <a:extLst>
+                <a:ext uri="{FF2B5EF4-FFF2-40B4-BE49-F238E27FC236}">
+                  <a16:creationId xmlns:a16="http://schemas.microsoft.com/office/drawing/2014/main" id="{458DF521-E5A9-DD09-F6FC-2D3237794648}"/>
+                </a:ext>
+              </a:extLst>
+            </p:cNvPr>
+            <p:cNvCxnSpPr>
+              <a:cxnSpLocks/>
+              <a:stCxn id="10" idx="7"/>
+              <a:endCxn id="28" idx="1"/>
+            </p:cNvCxnSpPr>
+            <p:nvPr/>
+          </p:nvCxnSpPr>
+          <p:spPr>
+            <a:xfrm rot="5400000" flipH="1" flipV="1">
+              <a:off x="5149618" y="2355839"/>
+              <a:ext cx="5569" cy="1114583"/>
+            </a:xfrm>
+            <a:prstGeom prst="curvedConnector3">
+              <a:avLst>
+                <a:gd name="adj1" fmla="val 7078165"/>
+              </a:avLst>
+            </a:prstGeom>
+            <a:ln w="38100">
+              <a:solidFill>
+                <a:schemeClr val="tx1"/>
+              </a:solidFill>
+              <a:tailEnd type="triangle"/>
+            </a:ln>
+          </p:spPr>
+          <p:style>
+            <a:lnRef idx="1">
+              <a:schemeClr val="accent1"/>
+            </a:lnRef>
+            <a:fillRef idx="0">
+              <a:schemeClr val="accent1"/>
+            </a:fillRef>
+            <a:effectRef idx="0">
+              <a:schemeClr val="accent1"/>
+            </a:effectRef>
+            <a:fontRef idx="minor">
+              <a:schemeClr val="tx1"/>
+            </a:fontRef>
+          </p:style>
+        </p:cxnSp>
+        <p:cxnSp>
+          <p:nvCxnSpPr>
+            <p:cNvPr id="41" name="Connector: Curved 40">
+              <a:extLst>
+                <a:ext uri="{FF2B5EF4-FFF2-40B4-BE49-F238E27FC236}">
+                  <a16:creationId xmlns:a16="http://schemas.microsoft.com/office/drawing/2014/main" id="{F16A2469-23A1-2F85-B685-C1C46036224E}"/>
+                </a:ext>
+              </a:extLst>
+            </p:cNvPr>
+            <p:cNvCxnSpPr>
+              <a:cxnSpLocks/>
+              <a:stCxn id="28" idx="7"/>
+              <a:endCxn id="29" idx="1"/>
+            </p:cNvCxnSpPr>
+            <p:nvPr/>
+          </p:nvCxnSpPr>
+          <p:spPr>
+            <a:xfrm rot="5400000" flipH="1" flipV="1">
+              <a:off x="7039598" y="2353054"/>
+              <a:ext cx="12700" cy="1114583"/>
+            </a:xfrm>
+            <a:prstGeom prst="curvedConnector3">
+              <a:avLst>
+                <a:gd name="adj1" fmla="val 3059953"/>
+              </a:avLst>
+            </a:prstGeom>
+            <a:ln w="38100">
+              <a:solidFill>
+                <a:schemeClr val="tx1"/>
+              </a:solidFill>
+              <a:tailEnd type="triangle"/>
+            </a:ln>
+          </p:spPr>
+          <p:style>
+            <a:lnRef idx="1">
+              <a:schemeClr val="accent1"/>
+            </a:lnRef>
+            <a:fillRef idx="0">
+              <a:schemeClr val="accent1"/>
+            </a:fillRef>
+            <a:effectRef idx="0">
+              <a:schemeClr val="accent1"/>
+            </a:effectRef>
+            <a:fontRef idx="minor">
+              <a:schemeClr val="tx1"/>
+            </a:fontRef>
+          </p:style>
+        </p:cxnSp>
+        <p:cxnSp>
+          <p:nvCxnSpPr>
+            <p:cNvPr id="44" name="Connector: Curved 43">
+              <a:extLst>
+                <a:ext uri="{FF2B5EF4-FFF2-40B4-BE49-F238E27FC236}">
+                  <a16:creationId xmlns:a16="http://schemas.microsoft.com/office/drawing/2014/main" id="{9B8417D0-31B0-36F8-FDAD-BBDF8B8310EE}"/>
+                </a:ext>
+              </a:extLst>
+            </p:cNvPr>
+            <p:cNvCxnSpPr>
+              <a:cxnSpLocks/>
+              <a:stCxn id="29" idx="7"/>
+              <a:endCxn id="30" idx="1"/>
+            </p:cNvCxnSpPr>
+            <p:nvPr/>
+          </p:nvCxnSpPr>
+          <p:spPr>
+            <a:xfrm rot="5400000" flipH="1" flipV="1">
+              <a:off x="8926794" y="2353054"/>
+              <a:ext cx="1" cy="1114583"/>
+            </a:xfrm>
+            <a:prstGeom prst="curvedConnector3">
+              <a:avLst>
+                <a:gd name="adj1" fmla="val 38861500000"/>
+              </a:avLst>
+            </a:prstGeom>
+            <a:ln w="38100">
+              <a:solidFill>
+                <a:schemeClr val="tx1"/>
+              </a:solidFill>
+              <a:tailEnd type="triangle"/>
+            </a:ln>
+          </p:spPr>
+          <p:style>
+            <a:lnRef idx="1">
+              <a:schemeClr val="accent1"/>
+            </a:lnRef>
+            <a:fillRef idx="0">
+              <a:schemeClr val="accent1"/>
+            </a:fillRef>
+            <a:effectRef idx="0">
+              <a:schemeClr val="accent1"/>
+            </a:effectRef>
+            <a:fontRef idx="minor">
+              <a:schemeClr val="tx1"/>
+            </a:fontRef>
+          </p:style>
+        </p:cxnSp>
+        <p:cxnSp>
+          <p:nvCxnSpPr>
+            <p:cNvPr id="47" name="Connector: Curved 46">
+              <a:extLst>
+                <a:ext uri="{FF2B5EF4-FFF2-40B4-BE49-F238E27FC236}">
+                  <a16:creationId xmlns:a16="http://schemas.microsoft.com/office/drawing/2014/main" id="{8D588909-3357-633D-E626-E6F444F1AD55}"/>
+                </a:ext>
+              </a:extLst>
+            </p:cNvPr>
+            <p:cNvCxnSpPr>
+              <a:cxnSpLocks/>
+              <a:stCxn id="30" idx="3"/>
+              <a:endCxn id="29" idx="5"/>
+            </p:cNvCxnSpPr>
+            <p:nvPr/>
+          </p:nvCxnSpPr>
+          <p:spPr>
+            <a:xfrm rot="5400000">
+              <a:off x="8926795" y="3125666"/>
+              <a:ext cx="1" cy="1114583"/>
+            </a:xfrm>
+            <a:prstGeom prst="curvedConnector3">
+              <a:avLst>
+                <a:gd name="adj1" fmla="val 38861500000"/>
+              </a:avLst>
+            </a:prstGeom>
+            <a:ln w="38100">
+              <a:solidFill>
+                <a:schemeClr val="tx1"/>
+              </a:solidFill>
+              <a:tailEnd type="triangle"/>
+            </a:ln>
+          </p:spPr>
+          <p:style>
+            <a:lnRef idx="1">
+              <a:schemeClr val="accent1"/>
+            </a:lnRef>
+            <a:fillRef idx="0">
+              <a:schemeClr val="accent1"/>
+            </a:fillRef>
+            <a:effectRef idx="0">
+              <a:schemeClr val="accent1"/>
+            </a:effectRef>
+            <a:fontRef idx="minor">
+              <a:schemeClr val="tx1"/>
+            </a:fontRef>
+          </p:style>
+        </p:cxnSp>
+        <p:cxnSp>
+          <p:nvCxnSpPr>
+            <p:cNvPr id="50" name="Connector: Curved 49">
+              <a:extLst>
+                <a:ext uri="{FF2B5EF4-FFF2-40B4-BE49-F238E27FC236}">
+                  <a16:creationId xmlns:a16="http://schemas.microsoft.com/office/drawing/2014/main" id="{B00969E8-B9F6-ABF8-109F-51B0AAF4CC83}"/>
+                </a:ext>
+              </a:extLst>
+            </p:cNvPr>
+            <p:cNvCxnSpPr>
+              <a:cxnSpLocks/>
+              <a:stCxn id="29" idx="3"/>
+              <a:endCxn id="28" idx="5"/>
+            </p:cNvCxnSpPr>
+            <p:nvPr/>
+          </p:nvCxnSpPr>
+          <p:spPr>
+            <a:xfrm rot="5400000">
+              <a:off x="7039599" y="3125667"/>
+              <a:ext cx="12700" cy="1114583"/>
+            </a:xfrm>
+            <a:prstGeom prst="curvedConnector3">
+              <a:avLst>
+                <a:gd name="adj1" fmla="val 3059953"/>
+              </a:avLst>
+            </a:prstGeom>
+            <a:ln w="38100">
+              <a:solidFill>
+                <a:schemeClr val="tx1"/>
+              </a:solidFill>
+              <a:tailEnd type="triangle"/>
+            </a:ln>
+          </p:spPr>
+          <p:style>
+            <a:lnRef idx="1">
+              <a:schemeClr val="accent1"/>
+            </a:lnRef>
+            <a:fillRef idx="0">
+              <a:schemeClr val="accent1"/>
+            </a:fillRef>
+            <a:effectRef idx="0">
+              <a:schemeClr val="accent1"/>
+            </a:effectRef>
+            <a:fontRef idx="minor">
+              <a:schemeClr val="tx1"/>
+            </a:fontRef>
+          </p:style>
+        </p:cxnSp>
+        <p:cxnSp>
+          <p:nvCxnSpPr>
+            <p:cNvPr id="53" name="Connector: Curved 52">
+              <a:extLst>
+                <a:ext uri="{FF2B5EF4-FFF2-40B4-BE49-F238E27FC236}">
+                  <a16:creationId xmlns:a16="http://schemas.microsoft.com/office/drawing/2014/main" id="{6D28D961-561F-F03D-1189-3289B90EE1F9}"/>
+                </a:ext>
+              </a:extLst>
+            </p:cNvPr>
+            <p:cNvCxnSpPr>
+              <a:cxnSpLocks/>
+              <a:stCxn id="28" idx="3"/>
+              <a:endCxn id="10" idx="5"/>
+            </p:cNvCxnSpPr>
+            <p:nvPr/>
+          </p:nvCxnSpPr>
+          <p:spPr>
+            <a:xfrm rot="5400000">
+              <a:off x="5149619" y="3128451"/>
+              <a:ext cx="5569" cy="1114583"/>
+            </a:xfrm>
+            <a:prstGeom prst="curvedConnector3">
+              <a:avLst>
+                <a:gd name="adj1" fmla="val 7078165"/>
+              </a:avLst>
+            </a:prstGeom>
+            <a:ln w="38100">
+              <a:solidFill>
+                <a:schemeClr val="tx1"/>
+              </a:solidFill>
+              <a:tailEnd type="triangle"/>
+            </a:ln>
+          </p:spPr>
+          <p:style>
+            <a:lnRef idx="1">
+              <a:schemeClr val="accent1"/>
+            </a:lnRef>
+            <a:fillRef idx="0">
+              <a:schemeClr val="accent1"/>
+            </a:fillRef>
+            <a:effectRef idx="0">
+              <a:schemeClr val="accent1"/>
+            </a:effectRef>
+            <a:fontRef idx="minor">
+              <a:schemeClr val="tx1"/>
+            </a:fontRef>
+          </p:style>
+        </p:cxnSp>
+        <p:cxnSp>
+          <p:nvCxnSpPr>
+            <p:cNvPr id="56" name="Connector: Curved 55">
+              <a:extLst>
+                <a:ext uri="{FF2B5EF4-FFF2-40B4-BE49-F238E27FC236}">
+                  <a16:creationId xmlns:a16="http://schemas.microsoft.com/office/drawing/2014/main" id="{86F07D54-A651-47E6-4914-8091183E1A75}"/>
+                </a:ext>
+              </a:extLst>
+            </p:cNvPr>
+            <p:cNvCxnSpPr>
+              <a:cxnSpLocks/>
+              <a:stCxn id="31" idx="7"/>
+              <a:endCxn id="6" idx="0"/>
+            </p:cNvCxnSpPr>
+            <p:nvPr/>
+          </p:nvCxnSpPr>
+          <p:spPr>
+            <a:xfrm rot="16200000" flipH="1">
+              <a:off x="4387028" y="1231230"/>
+              <a:ext cx="29860" cy="3388086"/>
+            </a:xfrm>
+            <a:prstGeom prst="curvedConnector3">
+              <a:avLst>
+                <a:gd name="adj1" fmla="val -2705003"/>
+              </a:avLst>
+            </a:prstGeom>
+            <a:ln w="38100">
+              <a:solidFill>
+                <a:schemeClr val="tx1"/>
+              </a:solidFill>
+              <a:tailEnd type="triangle"/>
+            </a:ln>
+          </p:spPr>
+          <p:style>
+            <a:lnRef idx="1">
+              <a:schemeClr val="accent1"/>
+            </a:lnRef>
+            <a:fillRef idx="0">
+              <a:schemeClr val="accent1"/>
+            </a:fillRef>
+            <a:effectRef idx="0">
+              <a:schemeClr val="accent1"/>
+            </a:effectRef>
+            <a:fontRef idx="minor">
+              <a:schemeClr val="tx1"/>
+            </a:fontRef>
+          </p:style>
+        </p:cxnSp>
+        <p:cxnSp>
+          <p:nvCxnSpPr>
+            <p:cNvPr id="66" name="Connector: Curved 65">
+              <a:extLst>
+                <a:ext uri="{FF2B5EF4-FFF2-40B4-BE49-F238E27FC236}">
+                  <a16:creationId xmlns:a16="http://schemas.microsoft.com/office/drawing/2014/main" id="{46099630-CCA9-F8DB-9091-14C15B895742}"/>
+                </a:ext>
+              </a:extLst>
+            </p:cNvPr>
+            <p:cNvCxnSpPr>
+              <a:cxnSpLocks/>
+              <a:stCxn id="31" idx="7"/>
+              <a:endCxn id="7" idx="0"/>
+            </p:cNvCxnSpPr>
+            <p:nvPr/>
+          </p:nvCxnSpPr>
+          <p:spPr>
+            <a:xfrm rot="16200000" flipH="1">
+              <a:off x="5332875" y="285383"/>
+              <a:ext cx="25362" cy="5275282"/>
+            </a:xfrm>
+            <a:prstGeom prst="curvedConnector3">
+              <a:avLst>
+                <a:gd name="adj1" fmla="val -3985940"/>
+              </a:avLst>
+            </a:prstGeom>
+            <a:ln w="38100">
+              <a:solidFill>
+                <a:schemeClr val="tx1"/>
+              </a:solidFill>
+              <a:tailEnd type="triangle"/>
+            </a:ln>
+          </p:spPr>
+          <p:style>
+            <a:lnRef idx="1">
+              <a:schemeClr val="accent1"/>
+            </a:lnRef>
+            <a:fillRef idx="0">
+              <a:schemeClr val="accent1"/>
+            </a:fillRef>
+            <a:effectRef idx="0">
+              <a:schemeClr val="accent1"/>
+            </a:effectRef>
+            <a:fontRef idx="minor">
+              <a:schemeClr val="tx1"/>
+            </a:fontRef>
+          </p:style>
+        </p:cxnSp>
+        <p:cxnSp>
+          <p:nvCxnSpPr>
+            <p:cNvPr id="70" name="Connector: Curved 69">
+              <a:extLst>
+                <a:ext uri="{FF2B5EF4-FFF2-40B4-BE49-F238E27FC236}">
+                  <a16:creationId xmlns:a16="http://schemas.microsoft.com/office/drawing/2014/main" id="{D10233FD-76CA-67E5-4E5D-1B0BD307F497}"/>
+                </a:ext>
+              </a:extLst>
+            </p:cNvPr>
+            <p:cNvCxnSpPr>
+              <a:cxnSpLocks/>
+              <a:stCxn id="31" idx="7"/>
+              <a:endCxn id="8" idx="0"/>
+            </p:cNvCxnSpPr>
+            <p:nvPr/>
+          </p:nvCxnSpPr>
+          <p:spPr>
+            <a:xfrm rot="16200000" flipH="1">
+              <a:off x="6276473" y="-658215"/>
+              <a:ext cx="25362" cy="7162478"/>
+            </a:xfrm>
+            <a:prstGeom prst="curvedConnector3">
+              <a:avLst>
+                <a:gd name="adj1" fmla="val -4747078"/>
+              </a:avLst>
+            </a:prstGeom>
+            <a:ln w="38100">
+              <a:solidFill>
+                <a:schemeClr val="tx1"/>
+              </a:solidFill>
+              <a:tailEnd type="triangle"/>
+            </a:ln>
+          </p:spPr>
+          <p:style>
+            <a:lnRef idx="1">
+              <a:schemeClr val="accent1"/>
+            </a:lnRef>
+            <a:fillRef idx="0">
+              <a:schemeClr val="accent1"/>
+            </a:fillRef>
+            <a:effectRef idx="0">
+              <a:schemeClr val="accent1"/>
+            </a:effectRef>
+            <a:fontRef idx="minor">
+              <a:schemeClr val="tx1"/>
+            </a:fontRef>
+          </p:style>
+        </p:cxnSp>
+        <p:cxnSp>
+          <p:nvCxnSpPr>
+            <p:cNvPr id="74" name="Connector: Curved 73">
+              <a:extLst>
+                <a:ext uri="{FF2B5EF4-FFF2-40B4-BE49-F238E27FC236}">
+                  <a16:creationId xmlns:a16="http://schemas.microsoft.com/office/drawing/2014/main" id="{4B7B3436-9C17-F098-2866-62574D6C73CA}"/>
+                </a:ext>
+              </a:extLst>
+            </p:cNvPr>
+            <p:cNvCxnSpPr>
+              <a:cxnSpLocks/>
+              <a:stCxn id="10" idx="7"/>
+              <a:endCxn id="7" idx="0"/>
+            </p:cNvCxnSpPr>
+            <p:nvPr/>
+          </p:nvCxnSpPr>
+          <p:spPr>
+            <a:xfrm rot="16200000" flipH="1">
+              <a:off x="6279258" y="1231766"/>
+              <a:ext cx="19791" cy="3388086"/>
+            </a:xfrm>
+            <a:prstGeom prst="curvedConnector3">
+              <a:avLst>
+                <a:gd name="adj1" fmla="val -3542186"/>
+              </a:avLst>
+            </a:prstGeom>
+            <a:ln w="38100">
+              <a:solidFill>
+                <a:schemeClr val="tx1"/>
+              </a:solidFill>
+              <a:tailEnd type="triangle"/>
+            </a:ln>
+          </p:spPr>
+          <p:style>
+            <a:lnRef idx="1">
+              <a:schemeClr val="accent1"/>
+            </a:lnRef>
+            <a:fillRef idx="0">
+              <a:schemeClr val="accent1"/>
+            </a:fillRef>
+            <a:effectRef idx="0">
+              <a:schemeClr val="accent1"/>
+            </a:effectRef>
+            <a:fontRef idx="minor">
+              <a:schemeClr val="tx1"/>
+            </a:fontRef>
+          </p:style>
+        </p:cxnSp>
+        <p:cxnSp>
+          <p:nvCxnSpPr>
+            <p:cNvPr id="78" name="Connector: Curved 77">
+              <a:extLst>
+                <a:ext uri="{FF2B5EF4-FFF2-40B4-BE49-F238E27FC236}">
+                  <a16:creationId xmlns:a16="http://schemas.microsoft.com/office/drawing/2014/main" id="{5C1E1C04-7AE9-0729-524E-2D9799C02300}"/>
+                </a:ext>
+              </a:extLst>
+            </p:cNvPr>
+            <p:cNvCxnSpPr>
+              <a:cxnSpLocks/>
+              <a:stCxn id="10" idx="7"/>
+              <a:endCxn id="8" idx="0"/>
+            </p:cNvCxnSpPr>
+            <p:nvPr/>
+          </p:nvCxnSpPr>
+          <p:spPr>
+            <a:xfrm rot="16200000" flipH="1">
+              <a:off x="7222856" y="288168"/>
+              <a:ext cx="19791" cy="5275282"/>
+            </a:xfrm>
+            <a:prstGeom prst="curvedConnector3">
+              <a:avLst>
+                <a:gd name="adj1" fmla="val -4196736"/>
+              </a:avLst>
+            </a:prstGeom>
+            <a:ln w="38100">
+              <a:solidFill>
+                <a:schemeClr val="tx1"/>
+              </a:solidFill>
+              <a:tailEnd type="triangle"/>
+            </a:ln>
+          </p:spPr>
+          <p:style>
+            <a:lnRef idx="1">
+              <a:schemeClr val="accent1"/>
+            </a:lnRef>
+            <a:fillRef idx="0">
+              <a:schemeClr val="accent1"/>
+            </a:fillRef>
+            <a:effectRef idx="0">
+              <a:schemeClr val="accent1"/>
+            </a:effectRef>
+            <a:fontRef idx="minor">
+              <a:schemeClr val="tx1"/>
+            </a:fontRef>
+          </p:style>
+        </p:cxnSp>
+        <p:cxnSp>
+          <p:nvCxnSpPr>
+            <p:cNvPr id="82" name="Connector: Curved 81">
+              <a:extLst>
+                <a:ext uri="{FF2B5EF4-FFF2-40B4-BE49-F238E27FC236}">
+                  <a16:creationId xmlns:a16="http://schemas.microsoft.com/office/drawing/2014/main" id="{25A56C61-E883-6EB7-B02E-CF932F70C544}"/>
+                </a:ext>
+              </a:extLst>
+            </p:cNvPr>
+            <p:cNvCxnSpPr>
+              <a:cxnSpLocks/>
+              <a:stCxn id="28" idx="7"/>
+              <a:endCxn id="8" idx="0"/>
+            </p:cNvCxnSpPr>
+            <p:nvPr/>
+          </p:nvCxnSpPr>
+          <p:spPr>
+            <a:xfrm rot="16200000" flipH="1">
+              <a:off x="8163670" y="1228982"/>
+              <a:ext cx="25360" cy="3388086"/>
+            </a:xfrm>
+            <a:prstGeom prst="curvedConnector3">
+              <a:avLst>
+                <a:gd name="adj1" fmla="val -2674188"/>
+              </a:avLst>
+            </a:prstGeom>
+            <a:ln w="38100">
+              <a:solidFill>
+                <a:schemeClr val="tx1"/>
+              </a:solidFill>
+              <a:tailEnd type="triangle"/>
+            </a:ln>
+          </p:spPr>
+          <p:style>
+            <a:lnRef idx="1">
+              <a:schemeClr val="accent1"/>
+            </a:lnRef>
+            <a:fillRef idx="0">
+              <a:schemeClr val="accent1"/>
+            </a:fillRef>
+            <a:effectRef idx="0">
+              <a:schemeClr val="accent1"/>
+            </a:effectRef>
+            <a:fontRef idx="minor">
+              <a:schemeClr val="tx1"/>
+            </a:fontRef>
+          </p:style>
+        </p:cxnSp>
+        <p:cxnSp>
+          <p:nvCxnSpPr>
+            <p:cNvPr id="86" name="Connector: Curved 85">
+              <a:extLst>
+                <a:ext uri="{FF2B5EF4-FFF2-40B4-BE49-F238E27FC236}">
+                  <a16:creationId xmlns:a16="http://schemas.microsoft.com/office/drawing/2014/main" id="{17CE72DD-2E93-B895-FB03-D3CD3F5876BD}"/>
+                </a:ext>
+              </a:extLst>
+            </p:cNvPr>
+            <p:cNvCxnSpPr>
+              <a:cxnSpLocks/>
+              <a:stCxn id="30" idx="3"/>
+              <a:endCxn id="6" idx="2"/>
+            </p:cNvCxnSpPr>
+            <p:nvPr/>
+          </p:nvCxnSpPr>
+          <p:spPr>
+            <a:xfrm rot="5400000" flipH="1">
+              <a:off x="7779614" y="1978486"/>
+              <a:ext cx="20859" cy="3388085"/>
+            </a:xfrm>
+            <a:prstGeom prst="curvedConnector3">
+              <a:avLst>
+                <a:gd name="adj1" fmla="val -3726133"/>
+              </a:avLst>
+            </a:prstGeom>
+            <a:ln w="38100">
+              <a:solidFill>
+                <a:schemeClr val="tx1"/>
+              </a:solidFill>
+              <a:tailEnd type="triangle"/>
+            </a:ln>
+          </p:spPr>
+          <p:style>
+            <a:lnRef idx="1">
+              <a:schemeClr val="accent1"/>
+            </a:lnRef>
+            <a:fillRef idx="0">
+              <a:schemeClr val="accent1"/>
+            </a:fillRef>
+            <a:effectRef idx="0">
+              <a:schemeClr val="accent1"/>
+            </a:effectRef>
+            <a:fontRef idx="minor">
+              <a:schemeClr val="tx1"/>
+            </a:fontRef>
+          </p:style>
+        </p:cxnSp>
+        <p:cxnSp>
+          <p:nvCxnSpPr>
+            <p:cNvPr id="90" name="Connector: Curved 89">
+              <a:extLst>
+                <a:ext uri="{FF2B5EF4-FFF2-40B4-BE49-F238E27FC236}">
+                  <a16:creationId xmlns:a16="http://schemas.microsoft.com/office/drawing/2014/main" id="{1418982F-B164-4B77-0692-3AF945B7E1C8}"/>
+                </a:ext>
+              </a:extLst>
+            </p:cNvPr>
+            <p:cNvCxnSpPr>
+              <a:cxnSpLocks/>
+              <a:stCxn id="30" idx="3"/>
+              <a:endCxn id="5" idx="2"/>
+            </p:cNvCxnSpPr>
+            <p:nvPr/>
+          </p:nvCxnSpPr>
+          <p:spPr>
+            <a:xfrm rot="5400000" flipH="1">
+              <a:off x="6833767" y="1032639"/>
+              <a:ext cx="25357" cy="5275281"/>
+            </a:xfrm>
+            <a:prstGeom prst="curvedConnector3">
+              <a:avLst>
+                <a:gd name="adj1" fmla="val -3906590"/>
+              </a:avLst>
+            </a:prstGeom>
+            <a:ln w="38100">
+              <a:solidFill>
+                <a:schemeClr val="tx1"/>
+              </a:solidFill>
+              <a:tailEnd type="triangle"/>
+            </a:ln>
+          </p:spPr>
+          <p:style>
+            <a:lnRef idx="1">
+              <a:schemeClr val="accent1"/>
+            </a:lnRef>
+            <a:fillRef idx="0">
+              <a:schemeClr val="accent1"/>
+            </a:fillRef>
+            <a:effectRef idx="0">
+              <a:schemeClr val="accent1"/>
+            </a:effectRef>
+            <a:fontRef idx="minor">
+              <a:schemeClr val="tx1"/>
+            </a:fontRef>
+          </p:style>
+        </p:cxnSp>
+        <p:cxnSp>
+          <p:nvCxnSpPr>
+            <p:cNvPr id="94" name="Connector: Curved 93">
+              <a:extLst>
+                <a:ext uri="{FF2B5EF4-FFF2-40B4-BE49-F238E27FC236}">
+                  <a16:creationId xmlns:a16="http://schemas.microsoft.com/office/drawing/2014/main" id="{209EBAAA-4F50-75CB-0B4F-EF48D365C111}"/>
+                </a:ext>
+              </a:extLst>
+            </p:cNvPr>
+            <p:cNvCxnSpPr>
+              <a:cxnSpLocks/>
+              <a:stCxn id="30" idx="3"/>
+              <a:endCxn id="4" idx="2"/>
+            </p:cNvCxnSpPr>
+            <p:nvPr/>
+          </p:nvCxnSpPr>
+          <p:spPr>
+            <a:xfrm rot="5400000" flipH="1">
+              <a:off x="5890169" y="89041"/>
+              <a:ext cx="25357" cy="7162477"/>
+            </a:xfrm>
+            <a:prstGeom prst="curvedConnector3">
+              <a:avLst>
+                <a:gd name="adj1" fmla="val -4597760"/>
+              </a:avLst>
+            </a:prstGeom>
+            <a:ln w="38100">
+              <a:solidFill>
+                <a:schemeClr val="tx1"/>
+              </a:solidFill>
+              <a:tailEnd type="triangle"/>
+            </a:ln>
+          </p:spPr>
+          <p:style>
+            <a:lnRef idx="1">
+              <a:schemeClr val="accent1"/>
+            </a:lnRef>
+            <a:fillRef idx="0">
+              <a:schemeClr val="accent1"/>
+            </a:fillRef>
+            <a:effectRef idx="0">
+              <a:schemeClr val="accent1"/>
+            </a:effectRef>
+            <a:fontRef idx="minor">
+              <a:schemeClr val="tx1"/>
+            </a:fontRef>
+          </p:style>
+        </p:cxnSp>
+        <p:cxnSp>
+          <p:nvCxnSpPr>
+            <p:cNvPr id="98" name="Connector: Curved 97">
+              <a:extLst>
+                <a:ext uri="{FF2B5EF4-FFF2-40B4-BE49-F238E27FC236}">
+                  <a16:creationId xmlns:a16="http://schemas.microsoft.com/office/drawing/2014/main" id="{B80EE89D-B949-0994-899A-1C69861E1E06}"/>
+                </a:ext>
+              </a:extLst>
+            </p:cNvPr>
+            <p:cNvCxnSpPr>
+              <a:cxnSpLocks/>
+              <a:stCxn id="29" idx="3"/>
+              <a:endCxn id="5" idx="2"/>
+            </p:cNvCxnSpPr>
+            <p:nvPr/>
+          </p:nvCxnSpPr>
+          <p:spPr>
+            <a:xfrm rot="5400000" flipH="1">
+              <a:off x="5890169" y="1976237"/>
+              <a:ext cx="25358" cy="3388085"/>
+            </a:xfrm>
+            <a:prstGeom prst="curvedConnector3">
+              <a:avLst>
+                <a:gd name="adj1" fmla="val -2824655"/>
+              </a:avLst>
+            </a:prstGeom>
+            <a:ln w="38100">
+              <a:solidFill>
+                <a:schemeClr val="tx1"/>
+              </a:solidFill>
+              <a:tailEnd type="triangle"/>
+            </a:ln>
+          </p:spPr>
+          <p:style>
+            <a:lnRef idx="1">
+              <a:schemeClr val="accent1"/>
+            </a:lnRef>
+            <a:fillRef idx="0">
+              <a:schemeClr val="accent1"/>
+            </a:fillRef>
+            <a:effectRef idx="0">
+              <a:schemeClr val="accent1"/>
+            </a:effectRef>
+            <a:fontRef idx="minor">
+              <a:schemeClr val="tx1"/>
+            </a:fontRef>
+          </p:style>
+        </p:cxnSp>
+        <p:cxnSp>
+          <p:nvCxnSpPr>
+            <p:cNvPr id="102" name="Connector: Curved 101">
+              <a:extLst>
+                <a:ext uri="{FF2B5EF4-FFF2-40B4-BE49-F238E27FC236}">
+                  <a16:creationId xmlns:a16="http://schemas.microsoft.com/office/drawing/2014/main" id="{0D581EB6-73CB-D74E-8B9D-3C2952EEDDC4}"/>
+                </a:ext>
+              </a:extLst>
+            </p:cNvPr>
+            <p:cNvCxnSpPr>
+              <a:cxnSpLocks/>
+              <a:stCxn id="29" idx="3"/>
+              <a:endCxn id="4" idx="2"/>
+            </p:cNvCxnSpPr>
+            <p:nvPr/>
+          </p:nvCxnSpPr>
+          <p:spPr>
+            <a:xfrm rot="5400000" flipH="1">
+              <a:off x="4946571" y="1032639"/>
+              <a:ext cx="25358" cy="5275281"/>
+            </a:xfrm>
+            <a:prstGeom prst="curvedConnector3">
+              <a:avLst>
+                <a:gd name="adj1" fmla="val -3515798"/>
+              </a:avLst>
+            </a:prstGeom>
+            <a:ln w="38100">
+              <a:solidFill>
+                <a:schemeClr val="tx1"/>
+              </a:solidFill>
+              <a:tailEnd type="triangle"/>
+            </a:ln>
+          </p:spPr>
+          <p:style>
+            <a:lnRef idx="1">
+              <a:schemeClr val="accent1"/>
+            </a:lnRef>
+            <a:fillRef idx="0">
+              <a:schemeClr val="accent1"/>
+            </a:fillRef>
+            <a:effectRef idx="0">
+              <a:schemeClr val="accent1"/>
+            </a:effectRef>
+            <a:fontRef idx="minor">
+              <a:schemeClr val="tx1"/>
+            </a:fontRef>
+          </p:style>
+        </p:cxnSp>
+        <p:cxnSp>
+          <p:nvCxnSpPr>
+            <p:cNvPr id="106" name="Connector: Curved 105">
+              <a:extLst>
+                <a:ext uri="{FF2B5EF4-FFF2-40B4-BE49-F238E27FC236}">
+                  <a16:creationId xmlns:a16="http://schemas.microsoft.com/office/drawing/2014/main" id="{E6425842-BBD6-4082-F0C8-2A88DC14BF7A}"/>
+                </a:ext>
+              </a:extLst>
+            </p:cNvPr>
+            <p:cNvCxnSpPr>
+              <a:cxnSpLocks/>
+              <a:stCxn id="28" idx="3"/>
+              <a:endCxn id="4" idx="2"/>
+            </p:cNvCxnSpPr>
+            <p:nvPr/>
+          </p:nvCxnSpPr>
+          <p:spPr>
+            <a:xfrm rot="5400000" flipH="1">
+              <a:off x="4002973" y="1976237"/>
+              <a:ext cx="25358" cy="3388085"/>
+            </a:xfrm>
+            <a:prstGeom prst="curvedConnector3">
+              <a:avLst>
+                <a:gd name="adj1" fmla="val -2764548"/>
+              </a:avLst>
+            </a:prstGeom>
+            <a:ln w="38100">
+              <a:solidFill>
+                <a:schemeClr val="tx1"/>
+              </a:solidFill>
+              <a:tailEnd type="triangle"/>
+            </a:ln>
+          </p:spPr>
+          <p:style>
+            <a:lnRef idx="1">
+              <a:schemeClr val="accent1"/>
+            </a:lnRef>
+            <a:fillRef idx="0">
+              <a:schemeClr val="accent1"/>
+            </a:fillRef>
+            <a:effectRef idx="0">
+              <a:schemeClr val="accent1"/>
+            </a:effectRef>
+            <a:fontRef idx="minor">
+              <a:schemeClr val="tx1"/>
+            </a:fontRef>
+          </p:style>
+        </p:cxnSp>
+      </p:grpSp>
+      <p:sp>
+        <p:nvSpPr>
+          <p:cNvPr id="114" name="Oval 113">
+            <a:extLst>
+              <a:ext uri="{FF2B5EF4-FFF2-40B4-BE49-F238E27FC236}">
+                <a16:creationId xmlns:a16="http://schemas.microsoft.com/office/drawing/2014/main" id="{664DE38F-926B-089D-346D-3B662918B59A}"/>
+              </a:ext>
+            </a:extLst>
+          </p:cNvPr>
+          <p:cNvSpPr/>
+          <p:nvPr/>
+        </p:nvSpPr>
+        <p:spPr>
+          <a:xfrm>
+            <a:off x="3771936" y="202070"/>
+            <a:ext cx="873735" cy="873735"/>
+          </a:xfrm>
+          <a:prstGeom prst="ellipse">
+            <a:avLst/>
+          </a:prstGeom>
+          <a:noFill/>
+          <a:ln w="38100">
+            <a:solidFill>
+              <a:schemeClr val="tx1"/>
+            </a:solidFill>
+          </a:ln>
+        </p:spPr>
+        <p:style>
+          <a:lnRef idx="2">
+            <a:schemeClr val="accent1">
+              <a:shade val="50000"/>
+            </a:schemeClr>
+          </a:lnRef>
+          <a:fillRef idx="1">
+            <a:schemeClr val="accent1"/>
+          </a:fillRef>
+          <a:effectRef idx="0">
+            <a:schemeClr val="accent1"/>
+          </a:effectRef>
+          <a:fontRef idx="minor">
+            <a:schemeClr val="lt1"/>
+          </a:fontRef>
+        </p:style>
+        <p:txBody>
+          <a:bodyPr rtlCol="0" anchor="ctr"/>
+          <a:lstStyle/>
+          <a:p>
+            <a:pPr algn="ctr"/>
+            <a:r>
+              <a:rPr lang="en-US" sz="2800" dirty="0">
+                <a:solidFill>
+                  <a:sysClr val="windowText" lastClr="000000"/>
+                </a:solidFill>
+              </a:rPr>
+              <a:t>f1</a:t>
+            </a:r>
+            <a:endParaRPr lang="en-US" sz="2400" dirty="0">
+              <a:solidFill>
+                <a:sysClr val="windowText" lastClr="000000"/>
+              </a:solidFill>
+            </a:endParaRPr>
+          </a:p>
+        </p:txBody>
+      </p:sp>
+      <p:cxnSp>
+        <p:nvCxnSpPr>
+          <p:cNvPr id="118" name="Straight Arrow Connector 117">
+            <a:extLst>
+              <a:ext uri="{FF2B5EF4-FFF2-40B4-BE49-F238E27FC236}">
+                <a16:creationId xmlns:a16="http://schemas.microsoft.com/office/drawing/2014/main" id="{5A8DC04C-A8E1-05A4-1B94-B245BBA55AE1}"/>
+              </a:ext>
+            </a:extLst>
+          </p:cNvPr>
+          <p:cNvCxnSpPr>
+            <a:stCxn id="114" idx="4"/>
+            <a:endCxn id="4" idx="0"/>
+          </p:cNvCxnSpPr>
+          <p:nvPr/>
+        </p:nvCxnSpPr>
+        <p:spPr>
+          <a:xfrm flipH="1">
+            <a:off x="2321609" y="1075805"/>
+            <a:ext cx="1887195" cy="3012425"/>
+          </a:xfrm>
+          <a:prstGeom prst="straightConnector1">
+            <a:avLst/>
+          </a:prstGeom>
+          <a:ln w="38100">
+            <a:tailEnd type="triangle"/>
+          </a:ln>
+        </p:spPr>
+        <p:style>
+          <a:lnRef idx="1">
+            <a:schemeClr val="accent1"/>
+          </a:lnRef>
+          <a:fillRef idx="0">
+            <a:schemeClr val="accent1"/>
+          </a:fillRef>
+          <a:effectRef idx="0">
+            <a:schemeClr val="accent1"/>
+          </a:effectRef>
+          <a:fontRef idx="minor">
+            <a:schemeClr val="tx1"/>
+          </a:fontRef>
+        </p:style>
+      </p:cxnSp>
+      <p:cxnSp>
+        <p:nvCxnSpPr>
+          <p:cNvPr id="119" name="Straight Arrow Connector 118">
+            <a:extLst>
+              <a:ext uri="{FF2B5EF4-FFF2-40B4-BE49-F238E27FC236}">
+                <a16:creationId xmlns:a16="http://schemas.microsoft.com/office/drawing/2014/main" id="{FB94C517-6071-B4E6-00CB-62D5A2A2D906}"/>
+              </a:ext>
+            </a:extLst>
+          </p:cNvPr>
+          <p:cNvCxnSpPr>
+            <a:cxnSpLocks/>
+            <a:stCxn id="114" idx="4"/>
+            <a:endCxn id="5" idx="0"/>
+          </p:cNvCxnSpPr>
+          <p:nvPr/>
+        </p:nvCxnSpPr>
+        <p:spPr>
+          <a:xfrm>
+            <a:off x="4208804" y="1075805"/>
+            <a:ext cx="1" cy="3012425"/>
+          </a:xfrm>
+          <a:prstGeom prst="straightConnector1">
+            <a:avLst/>
+          </a:prstGeom>
+          <a:ln w="38100">
+            <a:tailEnd type="triangle"/>
+          </a:ln>
+        </p:spPr>
+        <p:style>
+          <a:lnRef idx="1">
+            <a:schemeClr val="accent1"/>
+          </a:lnRef>
+          <a:fillRef idx="0">
+            <a:schemeClr val="accent1"/>
+          </a:fillRef>
+          <a:effectRef idx="0">
+            <a:schemeClr val="accent1"/>
+          </a:effectRef>
+          <a:fontRef idx="minor">
+            <a:schemeClr val="tx1"/>
+          </a:fontRef>
+        </p:style>
+      </p:cxnSp>
+      <p:cxnSp>
+        <p:nvCxnSpPr>
+          <p:cNvPr id="122" name="Straight Arrow Connector 121">
+            <a:extLst>
+              <a:ext uri="{FF2B5EF4-FFF2-40B4-BE49-F238E27FC236}">
+                <a16:creationId xmlns:a16="http://schemas.microsoft.com/office/drawing/2014/main" id="{5BDE53B5-9159-919C-E364-6FF03BFA6D1C}"/>
+              </a:ext>
+            </a:extLst>
+          </p:cNvPr>
+          <p:cNvCxnSpPr>
+            <a:cxnSpLocks/>
+            <a:stCxn id="114" idx="4"/>
+            <a:endCxn id="6" idx="0"/>
+          </p:cNvCxnSpPr>
+          <p:nvPr/>
+        </p:nvCxnSpPr>
+        <p:spPr>
+          <a:xfrm>
+            <a:off x="4208804" y="1075805"/>
+            <a:ext cx="1887197" cy="3016923"/>
+          </a:xfrm>
+          <a:prstGeom prst="straightConnector1">
+            <a:avLst/>
+          </a:prstGeom>
+          <a:ln w="38100">
+            <a:tailEnd type="triangle"/>
+          </a:ln>
+        </p:spPr>
+        <p:style>
+          <a:lnRef idx="1">
+            <a:schemeClr val="accent1"/>
+          </a:lnRef>
+          <a:fillRef idx="0">
+            <a:schemeClr val="accent1"/>
+          </a:fillRef>
+          <a:effectRef idx="0">
+            <a:schemeClr val="accent1"/>
+          </a:effectRef>
+          <a:fontRef idx="minor">
+            <a:schemeClr val="tx1"/>
+          </a:fontRef>
+        </p:style>
+      </p:cxnSp>
+      <p:cxnSp>
+        <p:nvCxnSpPr>
+          <p:cNvPr id="125" name="Straight Arrow Connector 124">
+            <a:extLst>
+              <a:ext uri="{FF2B5EF4-FFF2-40B4-BE49-F238E27FC236}">
+                <a16:creationId xmlns:a16="http://schemas.microsoft.com/office/drawing/2014/main" id="{D535923F-2DA6-66B7-33DF-67B4E24D504B}"/>
+              </a:ext>
+            </a:extLst>
+          </p:cNvPr>
+          <p:cNvCxnSpPr>
+            <a:cxnSpLocks/>
+            <a:stCxn id="114" idx="4"/>
+            <a:endCxn id="7" idx="0"/>
+          </p:cNvCxnSpPr>
+          <p:nvPr/>
+        </p:nvCxnSpPr>
+        <p:spPr>
+          <a:xfrm>
+            <a:off x="4208804" y="1075805"/>
+            <a:ext cx="3774393" cy="3012425"/>
+          </a:xfrm>
+          <a:prstGeom prst="straightConnector1">
+            <a:avLst/>
+          </a:prstGeom>
+          <a:ln w="38100">
+            <a:tailEnd type="triangle"/>
+          </a:ln>
+        </p:spPr>
+        <p:style>
+          <a:lnRef idx="1">
+            <a:schemeClr val="accent1"/>
+          </a:lnRef>
+          <a:fillRef idx="0">
+            <a:schemeClr val="accent1"/>
+          </a:fillRef>
+          <a:effectRef idx="0">
+            <a:schemeClr val="accent1"/>
+          </a:effectRef>
+          <a:fontRef idx="minor">
+            <a:schemeClr val="tx1"/>
+          </a:fontRef>
+        </p:style>
+      </p:cxnSp>
+      <p:cxnSp>
+        <p:nvCxnSpPr>
+          <p:cNvPr id="128" name="Straight Arrow Connector 127">
+            <a:extLst>
+              <a:ext uri="{FF2B5EF4-FFF2-40B4-BE49-F238E27FC236}">
+                <a16:creationId xmlns:a16="http://schemas.microsoft.com/office/drawing/2014/main" id="{DE955C3C-3DBF-EFB1-6A29-E9311A9213CC}"/>
+              </a:ext>
+            </a:extLst>
+          </p:cNvPr>
+          <p:cNvCxnSpPr>
+            <a:cxnSpLocks/>
+            <a:stCxn id="114" idx="4"/>
+            <a:endCxn id="8" idx="0"/>
+          </p:cNvCxnSpPr>
+          <p:nvPr/>
+        </p:nvCxnSpPr>
+        <p:spPr>
+          <a:xfrm>
+            <a:off x="4208804" y="1075805"/>
+            <a:ext cx="5661589" cy="3012425"/>
+          </a:xfrm>
+          <a:prstGeom prst="straightConnector1">
+            <a:avLst/>
+          </a:prstGeom>
+          <a:ln w="38100">
+            <a:tailEnd type="triangle"/>
+          </a:ln>
+        </p:spPr>
+        <p:style>
+          <a:lnRef idx="1">
+            <a:schemeClr val="accent1"/>
+          </a:lnRef>
+          <a:fillRef idx="0">
+            <a:schemeClr val="accent1"/>
+          </a:fillRef>
+          <a:effectRef idx="0">
+            <a:schemeClr val="accent1"/>
+          </a:effectRef>
+          <a:fontRef idx="minor">
+            <a:schemeClr val="tx1"/>
+          </a:fontRef>
+        </p:style>
+      </p:cxnSp>
+      <p:sp>
+        <p:nvSpPr>
+          <p:cNvPr id="131" name="TextBox 130">
+            <a:extLst>
+              <a:ext uri="{FF2B5EF4-FFF2-40B4-BE49-F238E27FC236}">
+                <a16:creationId xmlns:a16="http://schemas.microsoft.com/office/drawing/2014/main" id="{F24D1587-440B-5F45-F74C-67B4EE1369CB}"/>
+              </a:ext>
+            </a:extLst>
+          </p:cNvPr>
+          <p:cNvSpPr txBox="1"/>
+          <p:nvPr/>
+        </p:nvSpPr>
+        <p:spPr>
+          <a:xfrm>
+            <a:off x="3662484" y="1034393"/>
+            <a:ext cx="873735" cy="400110"/>
+          </a:xfrm>
+          <a:prstGeom prst="rect">
+            <a:avLst/>
+          </a:prstGeom>
+          <a:noFill/>
+        </p:spPr>
+        <p:txBody>
+          <a:bodyPr wrap="square" rtlCol="0">
+            <a:spAutoFit/>
+          </a:bodyPr>
+          <a:lstStyle/>
+          <a:p>
+            <a:r>
+              <a:rPr lang="en-US" sz="2000" dirty="0">
+                <a:solidFill>
+                  <a:schemeClr val="accent1"/>
+                </a:solidFill>
+              </a:rPr>
+              <a:t>a1</a:t>
+            </a:r>
+          </a:p>
+        </p:txBody>
+      </p:sp>
+      <p:sp>
+        <p:nvSpPr>
+          <p:cNvPr id="137" name="TextBox 136">
+            <a:extLst>
+              <a:ext uri="{FF2B5EF4-FFF2-40B4-BE49-F238E27FC236}">
+                <a16:creationId xmlns:a16="http://schemas.microsoft.com/office/drawing/2014/main" id="{BF972997-02B8-9908-D9D1-8F3E66C11CBC}"/>
+              </a:ext>
+            </a:extLst>
+          </p:cNvPr>
+          <p:cNvSpPr txBox="1"/>
+          <p:nvPr/>
+        </p:nvSpPr>
+        <p:spPr>
+          <a:xfrm>
+            <a:off x="2825903" y="3713476"/>
+            <a:ext cx="873735" cy="400110"/>
+          </a:xfrm>
+          <a:prstGeom prst="rect">
+            <a:avLst/>
+          </a:prstGeom>
+          <a:noFill/>
+        </p:spPr>
+        <p:txBody>
+          <a:bodyPr wrap="square" rtlCol="0">
+            <a:spAutoFit/>
+          </a:bodyPr>
+          <a:lstStyle/>
+          <a:p>
+            <a:pPr algn="ctr"/>
+            <a:r>
+              <a:rPr lang="en-US" sz="2000" dirty="0"/>
+              <a:t>b1_2</a:t>
+            </a:r>
+          </a:p>
+        </p:txBody>
+      </p:sp>
+      <p:sp>
+        <p:nvSpPr>
+          <p:cNvPr id="138" name="TextBox 137">
+            <a:extLst>
+              <a:ext uri="{FF2B5EF4-FFF2-40B4-BE49-F238E27FC236}">
+                <a16:creationId xmlns:a16="http://schemas.microsoft.com/office/drawing/2014/main" id="{88812DE4-B333-D358-507F-B507F7ABEAE7}"/>
+              </a:ext>
+            </a:extLst>
+          </p:cNvPr>
+          <p:cNvSpPr txBox="1"/>
+          <p:nvPr/>
+        </p:nvSpPr>
+        <p:spPr>
+          <a:xfrm>
+            <a:off x="2806195" y="4790334"/>
+            <a:ext cx="873735" cy="400110"/>
+          </a:xfrm>
+          <a:prstGeom prst="rect">
+            <a:avLst/>
+          </a:prstGeom>
+          <a:noFill/>
+        </p:spPr>
+        <p:txBody>
+          <a:bodyPr wrap="square" rtlCol="0">
+            <a:spAutoFit/>
+          </a:bodyPr>
+          <a:lstStyle/>
+          <a:p>
+            <a:pPr algn="ctr"/>
+            <a:r>
+              <a:rPr lang="en-US" sz="2000" dirty="0"/>
+              <a:t>b2_1</a:t>
+            </a:r>
+          </a:p>
+        </p:txBody>
+      </p:sp>
+      <p:sp>
+        <p:nvSpPr>
+          <p:cNvPr id="142" name="TextBox 141">
+            <a:extLst>
+              <a:ext uri="{FF2B5EF4-FFF2-40B4-BE49-F238E27FC236}">
+                <a16:creationId xmlns:a16="http://schemas.microsoft.com/office/drawing/2014/main" id="{87520C67-4D91-4105-C20A-A756D0D22953}"/>
+              </a:ext>
+            </a:extLst>
+          </p:cNvPr>
+          <p:cNvSpPr txBox="1"/>
+          <p:nvPr/>
+        </p:nvSpPr>
+        <p:spPr>
+          <a:xfrm>
+            <a:off x="4721017" y="3713476"/>
+            <a:ext cx="873735" cy="400110"/>
+          </a:xfrm>
+          <a:prstGeom prst="rect">
+            <a:avLst/>
+          </a:prstGeom>
+          <a:noFill/>
+        </p:spPr>
+        <p:txBody>
+          <a:bodyPr wrap="square" rtlCol="0">
+            <a:spAutoFit/>
+          </a:bodyPr>
+          <a:lstStyle/>
+          <a:p>
+            <a:pPr algn="ctr"/>
+            <a:r>
+              <a:rPr lang="en-US" sz="2000" dirty="0"/>
+              <a:t>b2_3</a:t>
+            </a:r>
+          </a:p>
+        </p:txBody>
+      </p:sp>
+      <p:sp>
+        <p:nvSpPr>
+          <p:cNvPr id="143" name="TextBox 142">
+            <a:extLst>
+              <a:ext uri="{FF2B5EF4-FFF2-40B4-BE49-F238E27FC236}">
+                <a16:creationId xmlns:a16="http://schemas.microsoft.com/office/drawing/2014/main" id="{BB72B346-2FDE-2624-683F-57FE53E3A330}"/>
+              </a:ext>
+            </a:extLst>
+          </p:cNvPr>
+          <p:cNvSpPr txBox="1"/>
+          <p:nvPr/>
+        </p:nvSpPr>
+        <p:spPr>
+          <a:xfrm>
+            <a:off x="4701309" y="4790334"/>
+            <a:ext cx="873735" cy="400110"/>
+          </a:xfrm>
+          <a:prstGeom prst="rect">
+            <a:avLst/>
+          </a:prstGeom>
+          <a:noFill/>
+        </p:spPr>
+        <p:txBody>
+          <a:bodyPr wrap="square" rtlCol="0">
+            <a:spAutoFit/>
+          </a:bodyPr>
+          <a:lstStyle/>
+          <a:p>
+            <a:pPr algn="ctr"/>
+            <a:r>
+              <a:rPr lang="en-US" sz="2000" dirty="0"/>
+              <a:t>b3_2</a:t>
+            </a:r>
+          </a:p>
+        </p:txBody>
+      </p:sp>
+      <p:sp>
+        <p:nvSpPr>
+          <p:cNvPr id="144" name="TextBox 143">
+            <a:extLst>
+              <a:ext uri="{FF2B5EF4-FFF2-40B4-BE49-F238E27FC236}">
+                <a16:creationId xmlns:a16="http://schemas.microsoft.com/office/drawing/2014/main" id="{BCD37C0B-580B-2417-FEFD-B01F5F143336}"/>
+              </a:ext>
+            </a:extLst>
+          </p:cNvPr>
+          <p:cNvSpPr txBox="1"/>
+          <p:nvPr/>
+        </p:nvSpPr>
+        <p:spPr>
+          <a:xfrm>
+            <a:off x="6616443" y="3714299"/>
+            <a:ext cx="873735" cy="400110"/>
+          </a:xfrm>
+          <a:prstGeom prst="rect">
+            <a:avLst/>
+          </a:prstGeom>
+          <a:noFill/>
+        </p:spPr>
+        <p:txBody>
+          <a:bodyPr wrap="square" rtlCol="0">
+            <a:spAutoFit/>
+          </a:bodyPr>
+          <a:lstStyle/>
+          <a:p>
+            <a:pPr algn="ctr"/>
+            <a:r>
+              <a:rPr lang="en-US" sz="2000" dirty="0"/>
+              <a:t>b3_4</a:t>
+            </a:r>
+          </a:p>
+        </p:txBody>
+      </p:sp>
+      <p:sp>
+        <p:nvSpPr>
+          <p:cNvPr id="145" name="TextBox 144">
+            <a:extLst>
+              <a:ext uri="{FF2B5EF4-FFF2-40B4-BE49-F238E27FC236}">
+                <a16:creationId xmlns:a16="http://schemas.microsoft.com/office/drawing/2014/main" id="{003D3898-DFF3-5838-1BBD-ACF1BF00263B}"/>
+              </a:ext>
+            </a:extLst>
+          </p:cNvPr>
+          <p:cNvSpPr txBox="1"/>
+          <p:nvPr/>
+        </p:nvSpPr>
+        <p:spPr>
+          <a:xfrm>
+            <a:off x="6596735" y="4791157"/>
+            <a:ext cx="873735" cy="400110"/>
+          </a:xfrm>
+          <a:prstGeom prst="rect">
+            <a:avLst/>
+          </a:prstGeom>
+          <a:noFill/>
+        </p:spPr>
+        <p:txBody>
+          <a:bodyPr wrap="square" rtlCol="0">
+            <a:spAutoFit/>
+          </a:bodyPr>
+          <a:lstStyle/>
+          <a:p>
+            <a:pPr algn="ctr"/>
+            <a:r>
+              <a:rPr lang="en-US" sz="2000" dirty="0"/>
+              <a:t>b4_3</a:t>
+            </a:r>
+          </a:p>
+        </p:txBody>
+      </p:sp>
+      <p:sp>
+        <p:nvSpPr>
+          <p:cNvPr id="146" name="TextBox 145">
+            <a:extLst>
+              <a:ext uri="{FF2B5EF4-FFF2-40B4-BE49-F238E27FC236}">
+                <a16:creationId xmlns:a16="http://schemas.microsoft.com/office/drawing/2014/main" id="{96B2076E-551B-1F8C-C4F4-5094E7B9CECE}"/>
+              </a:ext>
+            </a:extLst>
+          </p:cNvPr>
+          <p:cNvSpPr txBox="1"/>
+          <p:nvPr/>
+        </p:nvSpPr>
+        <p:spPr>
+          <a:xfrm>
+            <a:off x="8483931" y="3711232"/>
+            <a:ext cx="873735" cy="400110"/>
+          </a:xfrm>
+          <a:prstGeom prst="rect">
+            <a:avLst/>
+          </a:prstGeom>
+          <a:noFill/>
+        </p:spPr>
+        <p:txBody>
+          <a:bodyPr wrap="square" rtlCol="0">
+            <a:spAutoFit/>
+          </a:bodyPr>
+          <a:lstStyle/>
+          <a:p>
+            <a:pPr algn="ctr"/>
+            <a:r>
+              <a:rPr lang="en-US" sz="2000" dirty="0"/>
+              <a:t>b3_4</a:t>
+            </a:r>
+          </a:p>
+        </p:txBody>
+      </p:sp>
+      <p:sp>
+        <p:nvSpPr>
+          <p:cNvPr id="147" name="TextBox 146">
+            <a:extLst>
+              <a:ext uri="{FF2B5EF4-FFF2-40B4-BE49-F238E27FC236}">
+                <a16:creationId xmlns:a16="http://schemas.microsoft.com/office/drawing/2014/main" id="{E61D4950-ECB0-D60F-2819-FDA51D76C7EC}"/>
+              </a:ext>
+            </a:extLst>
+          </p:cNvPr>
+          <p:cNvSpPr txBox="1"/>
+          <p:nvPr/>
+        </p:nvSpPr>
+        <p:spPr>
+          <a:xfrm>
+            <a:off x="8464223" y="4788090"/>
+            <a:ext cx="873735" cy="400110"/>
+          </a:xfrm>
+          <a:prstGeom prst="rect">
+            <a:avLst/>
+          </a:prstGeom>
+          <a:noFill/>
+        </p:spPr>
+        <p:txBody>
+          <a:bodyPr wrap="square" rtlCol="0">
+            <a:spAutoFit/>
+          </a:bodyPr>
+          <a:lstStyle/>
+          <a:p>
+            <a:pPr algn="ctr"/>
+            <a:r>
+              <a:rPr lang="en-US" sz="2000" dirty="0"/>
+              <a:t>b4_3</a:t>
+            </a:r>
+          </a:p>
+        </p:txBody>
+      </p:sp>
+      <p:sp>
+        <p:nvSpPr>
+          <p:cNvPr id="13" name="Oval 12">
+            <a:extLst>
+              <a:ext uri="{FF2B5EF4-FFF2-40B4-BE49-F238E27FC236}">
+                <a16:creationId xmlns:a16="http://schemas.microsoft.com/office/drawing/2014/main" id="{C0F8CB51-9680-54DD-D79B-5F5AE4FDD154}"/>
+              </a:ext>
+            </a:extLst>
+          </p:cNvPr>
+          <p:cNvSpPr/>
+          <p:nvPr/>
+        </p:nvSpPr>
+        <p:spPr>
+          <a:xfrm>
+            <a:off x="7546328" y="202070"/>
+            <a:ext cx="873735" cy="873735"/>
+          </a:xfrm>
+          <a:prstGeom prst="ellipse">
+            <a:avLst/>
+          </a:prstGeom>
+          <a:noFill/>
+          <a:ln w="38100">
+            <a:solidFill>
+              <a:schemeClr val="tx1"/>
+            </a:solidFill>
+          </a:ln>
+        </p:spPr>
+        <p:style>
+          <a:lnRef idx="2">
+            <a:schemeClr val="accent1">
+              <a:shade val="50000"/>
+            </a:schemeClr>
+          </a:lnRef>
+          <a:fillRef idx="1">
+            <a:schemeClr val="accent1"/>
+          </a:fillRef>
+          <a:effectRef idx="0">
+            <a:schemeClr val="accent1"/>
+          </a:effectRef>
+          <a:fontRef idx="minor">
+            <a:schemeClr val="lt1"/>
+          </a:fontRef>
+        </p:style>
+        <p:txBody>
+          <a:bodyPr rtlCol="0" anchor="ctr"/>
+          <a:lstStyle/>
+          <a:p>
+            <a:pPr algn="ctr"/>
+            <a:r>
+              <a:rPr lang="en-US" sz="2800" dirty="0">
+                <a:solidFill>
+                  <a:sysClr val="windowText" lastClr="000000"/>
+                </a:solidFill>
+              </a:rPr>
+              <a:t>f2</a:t>
+            </a:r>
+            <a:endParaRPr lang="en-US" sz="2400" dirty="0">
+              <a:solidFill>
+                <a:sysClr val="windowText" lastClr="000000"/>
+              </a:solidFill>
+            </a:endParaRPr>
+          </a:p>
+        </p:txBody>
+      </p:sp>
+      <p:cxnSp>
+        <p:nvCxnSpPr>
+          <p:cNvPr id="14" name="Straight Arrow Connector 13">
+            <a:extLst>
+              <a:ext uri="{FF2B5EF4-FFF2-40B4-BE49-F238E27FC236}">
+                <a16:creationId xmlns:a16="http://schemas.microsoft.com/office/drawing/2014/main" id="{C505F906-70B5-F7EF-C981-87C2993765E4}"/>
+              </a:ext>
+            </a:extLst>
+          </p:cNvPr>
+          <p:cNvCxnSpPr>
+            <a:cxnSpLocks/>
+            <a:stCxn id="13" idx="4"/>
+            <a:endCxn id="4" idx="0"/>
+          </p:cNvCxnSpPr>
+          <p:nvPr/>
+        </p:nvCxnSpPr>
+        <p:spPr>
+          <a:xfrm flipH="1">
+            <a:off x="2321609" y="1075805"/>
+            <a:ext cx="5661587" cy="3012425"/>
+          </a:xfrm>
+          <a:prstGeom prst="straightConnector1">
+            <a:avLst/>
+          </a:prstGeom>
+          <a:ln w="38100">
+            <a:tailEnd type="triangle"/>
+          </a:ln>
+        </p:spPr>
+        <p:style>
+          <a:lnRef idx="1">
+            <a:schemeClr val="accent1"/>
+          </a:lnRef>
+          <a:fillRef idx="0">
+            <a:schemeClr val="accent1"/>
+          </a:fillRef>
+          <a:effectRef idx="0">
+            <a:schemeClr val="accent1"/>
+          </a:effectRef>
+          <a:fontRef idx="minor">
+            <a:schemeClr val="tx1"/>
+          </a:fontRef>
+        </p:style>
+      </p:cxnSp>
+      <p:cxnSp>
+        <p:nvCxnSpPr>
+          <p:cNvPr id="17" name="Straight Arrow Connector 16">
+            <a:extLst>
+              <a:ext uri="{FF2B5EF4-FFF2-40B4-BE49-F238E27FC236}">
+                <a16:creationId xmlns:a16="http://schemas.microsoft.com/office/drawing/2014/main" id="{744C97EE-9C37-F1E7-52A6-7A43C1CD5F66}"/>
+              </a:ext>
+            </a:extLst>
+          </p:cNvPr>
+          <p:cNvCxnSpPr>
+            <a:cxnSpLocks/>
+            <a:stCxn id="13" idx="4"/>
+            <a:endCxn id="5" idx="0"/>
+          </p:cNvCxnSpPr>
+          <p:nvPr/>
+        </p:nvCxnSpPr>
+        <p:spPr>
+          <a:xfrm flipH="1">
+            <a:off x="4208805" y="1075805"/>
+            <a:ext cx="3774391" cy="3012425"/>
+          </a:xfrm>
+          <a:prstGeom prst="straightConnector1">
+            <a:avLst/>
+          </a:prstGeom>
+          <a:ln w="38100">
+            <a:tailEnd type="triangle"/>
+          </a:ln>
+        </p:spPr>
+        <p:style>
+          <a:lnRef idx="1">
+            <a:schemeClr val="accent1"/>
+          </a:lnRef>
+          <a:fillRef idx="0">
+            <a:schemeClr val="accent1"/>
+          </a:fillRef>
+          <a:effectRef idx="0">
+            <a:schemeClr val="accent1"/>
+          </a:effectRef>
+          <a:fontRef idx="minor">
+            <a:schemeClr val="tx1"/>
+          </a:fontRef>
+        </p:style>
+      </p:cxnSp>
+      <p:cxnSp>
+        <p:nvCxnSpPr>
+          <p:cNvPr id="20" name="Straight Arrow Connector 19">
+            <a:extLst>
+              <a:ext uri="{FF2B5EF4-FFF2-40B4-BE49-F238E27FC236}">
+                <a16:creationId xmlns:a16="http://schemas.microsoft.com/office/drawing/2014/main" id="{9FC7C718-7E26-9837-13E0-10CFB784D5AA}"/>
+              </a:ext>
+            </a:extLst>
+          </p:cNvPr>
+          <p:cNvCxnSpPr>
+            <a:cxnSpLocks/>
+            <a:stCxn id="13" idx="4"/>
+            <a:endCxn id="6" idx="0"/>
+          </p:cNvCxnSpPr>
+          <p:nvPr/>
+        </p:nvCxnSpPr>
+        <p:spPr>
+          <a:xfrm flipH="1">
+            <a:off x="6096001" y="1075805"/>
+            <a:ext cx="1887195" cy="3016923"/>
+          </a:xfrm>
+          <a:prstGeom prst="straightConnector1">
+            <a:avLst/>
+          </a:prstGeom>
+          <a:ln w="38100">
+            <a:tailEnd type="triangle"/>
+          </a:ln>
+        </p:spPr>
+        <p:style>
+          <a:lnRef idx="1">
+            <a:schemeClr val="accent1"/>
+          </a:lnRef>
+          <a:fillRef idx="0">
+            <a:schemeClr val="accent1"/>
+          </a:fillRef>
+          <a:effectRef idx="0">
+            <a:schemeClr val="accent1"/>
+          </a:effectRef>
+          <a:fontRef idx="minor">
+            <a:schemeClr val="tx1"/>
+          </a:fontRef>
+        </p:style>
+      </p:cxnSp>
+      <p:cxnSp>
+        <p:nvCxnSpPr>
+          <p:cNvPr id="23" name="Straight Arrow Connector 22">
+            <a:extLst>
+              <a:ext uri="{FF2B5EF4-FFF2-40B4-BE49-F238E27FC236}">
+                <a16:creationId xmlns:a16="http://schemas.microsoft.com/office/drawing/2014/main" id="{DBE09BA1-9A16-8381-92F0-01B5FE5EF1FF}"/>
+              </a:ext>
+            </a:extLst>
+          </p:cNvPr>
+          <p:cNvCxnSpPr>
+            <a:cxnSpLocks/>
+            <a:stCxn id="13" idx="4"/>
+            <a:endCxn id="7" idx="0"/>
+          </p:cNvCxnSpPr>
+          <p:nvPr/>
+        </p:nvCxnSpPr>
+        <p:spPr>
+          <a:xfrm>
+            <a:off x="7983196" y="1075805"/>
+            <a:ext cx="1" cy="3012425"/>
+          </a:xfrm>
+          <a:prstGeom prst="straightConnector1">
+            <a:avLst/>
+          </a:prstGeom>
+          <a:ln w="38100">
+            <a:tailEnd type="triangle"/>
+          </a:ln>
+        </p:spPr>
+        <p:style>
+          <a:lnRef idx="1">
+            <a:schemeClr val="accent1"/>
+          </a:lnRef>
+          <a:fillRef idx="0">
+            <a:schemeClr val="accent1"/>
+          </a:fillRef>
+          <a:effectRef idx="0">
+            <a:schemeClr val="accent1"/>
+          </a:effectRef>
+          <a:fontRef idx="minor">
+            <a:schemeClr val="tx1"/>
+          </a:fontRef>
+        </p:style>
+      </p:cxnSp>
+      <p:cxnSp>
+        <p:nvCxnSpPr>
+          <p:cNvPr id="26" name="Straight Arrow Connector 25">
+            <a:extLst>
+              <a:ext uri="{FF2B5EF4-FFF2-40B4-BE49-F238E27FC236}">
+                <a16:creationId xmlns:a16="http://schemas.microsoft.com/office/drawing/2014/main" id="{1462F74C-1908-BAA6-265C-5AEA1F80DD80}"/>
+              </a:ext>
+            </a:extLst>
+          </p:cNvPr>
+          <p:cNvCxnSpPr>
+            <a:cxnSpLocks/>
+            <a:stCxn id="13" idx="4"/>
+            <a:endCxn id="8" idx="0"/>
+          </p:cNvCxnSpPr>
+          <p:nvPr/>
+        </p:nvCxnSpPr>
+        <p:spPr>
+          <a:xfrm>
+            <a:off x="7983196" y="1075805"/>
+            <a:ext cx="1887197" cy="3012425"/>
+          </a:xfrm>
+          <a:prstGeom prst="straightConnector1">
+            <a:avLst/>
+          </a:prstGeom>
+          <a:ln w="38100">
+            <a:tailEnd type="triangle"/>
+          </a:ln>
+        </p:spPr>
+        <p:style>
+          <a:lnRef idx="1">
+            <a:schemeClr val="accent1"/>
+          </a:lnRef>
+          <a:fillRef idx="0">
+            <a:schemeClr val="accent1"/>
+          </a:fillRef>
+          <a:effectRef idx="0">
+            <a:schemeClr val="accent1"/>
+          </a:effectRef>
+          <a:fontRef idx="minor">
+            <a:schemeClr val="tx1"/>
+          </a:fontRef>
+        </p:style>
+      </p:cxnSp>
+      <p:sp>
+        <p:nvSpPr>
+          <p:cNvPr id="34" name="TextBox 33">
+            <a:extLst>
+              <a:ext uri="{FF2B5EF4-FFF2-40B4-BE49-F238E27FC236}">
+                <a16:creationId xmlns:a16="http://schemas.microsoft.com/office/drawing/2014/main" id="{A3559D3C-674D-DDB0-1502-35858D517065}"/>
+              </a:ext>
+            </a:extLst>
+          </p:cNvPr>
+          <p:cNvSpPr txBox="1"/>
+          <p:nvPr/>
+        </p:nvSpPr>
+        <p:spPr>
+          <a:xfrm>
+            <a:off x="8092648" y="972102"/>
+            <a:ext cx="873735" cy="400110"/>
+          </a:xfrm>
+          <a:prstGeom prst="rect">
+            <a:avLst/>
+          </a:prstGeom>
+          <a:noFill/>
+        </p:spPr>
+        <p:txBody>
+          <a:bodyPr wrap="square" rtlCol="0">
+            <a:spAutoFit/>
+          </a:bodyPr>
+          <a:lstStyle/>
+          <a:p>
+            <a:r>
+              <a:rPr lang="en-US" sz="2000" dirty="0">
+                <a:solidFill>
+                  <a:schemeClr val="accent1"/>
+                </a:solidFill>
+              </a:rPr>
+              <a:t>a2</a:t>
+            </a:r>
+          </a:p>
+        </p:txBody>
+      </p:sp>
+    </p:spTree>
+    <p:extLst>
+      <p:ext uri="{BB962C8B-B14F-4D97-AF65-F5344CB8AC3E}">
+        <p14:creationId xmlns:p14="http://schemas.microsoft.com/office/powerpoint/2010/main" val="1483960548"/>
+      </p:ext>
+    </p:extLst>
+  </p:cSld>
+  <p:clrMapOvr>
+    <a:masterClrMapping/>
+  </p:clrMapOvr>
+</p:sld>
+</file>
+
+<file path=ppt/slides/slide6.xml><?xml version="1.0" encoding="utf-8"?>
+<p:sld xmlns:a="http://schemas.openxmlformats.org/drawingml/2006/main" xmlns:r="http://schemas.openxmlformats.org/officeDocument/2006/relationships" xmlns:p="http://schemas.openxmlformats.org/presentationml/2006/main">
+  <p:cSld>
+    <p:spTree>
+      <p:nvGrpSpPr>
+        <p:cNvPr id="1" name=""/>
+        <p:cNvGrpSpPr/>
+        <p:nvPr/>
+      </p:nvGrpSpPr>
+      <p:grpSpPr>
+        <a:xfrm>
+          <a:off x="0" y="0"/>
+          <a:ext cx="0" cy="0"/>
+          <a:chOff x="0" y="0"/>
+          <a:chExt cx="0" cy="0"/>
+        </a:xfrm>
+      </p:grpSpPr>
+      <p:sp>
+        <p:nvSpPr>
+          <p:cNvPr id="10" name="Oval 9">
+            <a:extLst>
+              <a:ext uri="{FF2B5EF4-FFF2-40B4-BE49-F238E27FC236}">
+                <a16:creationId xmlns:a16="http://schemas.microsoft.com/office/drawing/2014/main" id="{BF4011EB-C4AF-1B3E-775F-9EE5E034DA96}"/>
+              </a:ext>
+            </a:extLst>
+          </p:cNvPr>
+          <p:cNvSpPr/>
+          <p:nvPr/>
+        </p:nvSpPr>
+        <p:spPr>
+          <a:xfrm>
+            <a:off x="3662484" y="3908425"/>
+            <a:ext cx="1092641" cy="1092641"/>
+          </a:xfrm>
+          <a:prstGeom prst="ellipse">
+            <a:avLst/>
+          </a:prstGeom>
+          <a:noFill/>
+          <a:ln>
+            <a:noFill/>
+          </a:ln>
+        </p:spPr>
+        <p:style>
+          <a:lnRef idx="2">
+            <a:schemeClr val="accent1">
+              <a:shade val="50000"/>
+            </a:schemeClr>
+          </a:lnRef>
+          <a:fillRef idx="1">
+            <a:schemeClr val="accent1"/>
+          </a:fillRef>
+          <a:effectRef idx="0">
+            <a:schemeClr val="accent1"/>
+          </a:effectRef>
+          <a:fontRef idx="minor">
+            <a:schemeClr val="lt1"/>
+          </a:fontRef>
+        </p:style>
+        <p:txBody>
+          <a:bodyPr rtlCol="0" anchor="ctr"/>
+          <a:lstStyle/>
+          <a:p>
+            <a:pPr algn="ctr"/>
+            <a:endParaRPr lang="en-US"/>
+          </a:p>
+        </p:txBody>
+      </p:sp>
+      <p:sp>
+        <p:nvSpPr>
+          <p:cNvPr id="28" name="Oval 27">
+            <a:extLst>
+              <a:ext uri="{FF2B5EF4-FFF2-40B4-BE49-F238E27FC236}">
+                <a16:creationId xmlns:a16="http://schemas.microsoft.com/office/drawing/2014/main" id="{9AB9075A-1E37-CD09-1E56-2650E83E5707}"/>
+              </a:ext>
+            </a:extLst>
+          </p:cNvPr>
+          <p:cNvSpPr/>
+          <p:nvPr/>
+        </p:nvSpPr>
+        <p:spPr>
+          <a:xfrm>
+            <a:off x="5549680" y="3902856"/>
+            <a:ext cx="1092641" cy="1092641"/>
+          </a:xfrm>
+          <a:prstGeom prst="ellipse">
+            <a:avLst/>
+          </a:prstGeom>
+          <a:noFill/>
+          <a:ln>
+            <a:noFill/>
+          </a:ln>
+        </p:spPr>
+        <p:style>
+          <a:lnRef idx="2">
+            <a:schemeClr val="accent1">
+              <a:shade val="50000"/>
+            </a:schemeClr>
+          </a:lnRef>
+          <a:fillRef idx="1">
+            <a:schemeClr val="accent1"/>
+          </a:fillRef>
+          <a:effectRef idx="0">
+            <a:schemeClr val="accent1"/>
+          </a:effectRef>
+          <a:fontRef idx="minor">
+            <a:schemeClr val="lt1"/>
+          </a:fontRef>
+        </p:style>
+        <p:txBody>
+          <a:bodyPr rtlCol="0" anchor="ctr"/>
+          <a:lstStyle/>
+          <a:p>
+            <a:pPr algn="ctr"/>
+            <a:endParaRPr lang="en-US"/>
+          </a:p>
+        </p:txBody>
+      </p:sp>
+      <p:sp>
+        <p:nvSpPr>
+          <p:cNvPr id="29" name="Oval 28">
+            <a:extLst>
+              <a:ext uri="{FF2B5EF4-FFF2-40B4-BE49-F238E27FC236}">
+                <a16:creationId xmlns:a16="http://schemas.microsoft.com/office/drawing/2014/main" id="{8C288974-13A7-5664-F068-CB2A1B62012D}"/>
+              </a:ext>
+            </a:extLst>
+          </p:cNvPr>
+          <p:cNvSpPr/>
+          <p:nvPr/>
+        </p:nvSpPr>
+        <p:spPr>
+          <a:xfrm>
+            <a:off x="7436876" y="3902856"/>
+            <a:ext cx="1092641" cy="1092641"/>
+          </a:xfrm>
+          <a:prstGeom prst="ellipse">
+            <a:avLst/>
+          </a:prstGeom>
+          <a:noFill/>
+          <a:ln>
+            <a:noFill/>
+          </a:ln>
+        </p:spPr>
+        <p:style>
+          <a:lnRef idx="2">
+            <a:schemeClr val="accent1">
+              <a:shade val="50000"/>
+            </a:schemeClr>
+          </a:lnRef>
+          <a:fillRef idx="1">
+            <a:schemeClr val="accent1"/>
+          </a:fillRef>
+          <a:effectRef idx="0">
+            <a:schemeClr val="accent1"/>
+          </a:effectRef>
+          <a:fontRef idx="minor">
+            <a:schemeClr val="lt1"/>
+          </a:fontRef>
+        </p:style>
+        <p:txBody>
+          <a:bodyPr rtlCol="0" anchor="ctr"/>
+          <a:lstStyle/>
+          <a:p>
+            <a:pPr algn="ctr"/>
+            <a:endParaRPr lang="en-US"/>
+          </a:p>
+        </p:txBody>
+      </p:sp>
+      <p:sp>
+        <p:nvSpPr>
+          <p:cNvPr id="30" name="Oval 29">
+            <a:extLst>
+              <a:ext uri="{FF2B5EF4-FFF2-40B4-BE49-F238E27FC236}">
+                <a16:creationId xmlns:a16="http://schemas.microsoft.com/office/drawing/2014/main" id="{DEDA2729-7DE1-E4A7-5B28-9CAC17162275}"/>
+              </a:ext>
+            </a:extLst>
+          </p:cNvPr>
+          <p:cNvSpPr/>
+          <p:nvPr/>
+        </p:nvSpPr>
+        <p:spPr>
+          <a:xfrm>
+            <a:off x="9324072" y="3902855"/>
+            <a:ext cx="1092641" cy="1092641"/>
+          </a:xfrm>
+          <a:prstGeom prst="ellipse">
+            <a:avLst/>
+          </a:prstGeom>
+          <a:noFill/>
+          <a:ln>
+            <a:noFill/>
+          </a:ln>
+        </p:spPr>
+        <p:style>
+          <a:lnRef idx="2">
+            <a:schemeClr val="accent1">
+              <a:shade val="50000"/>
+            </a:schemeClr>
+          </a:lnRef>
+          <a:fillRef idx="1">
+            <a:schemeClr val="accent1"/>
+          </a:fillRef>
+          <a:effectRef idx="0">
+            <a:schemeClr val="accent1"/>
+          </a:effectRef>
+          <a:fontRef idx="minor">
+            <a:schemeClr val="lt1"/>
+          </a:fontRef>
+        </p:style>
+        <p:txBody>
+          <a:bodyPr rtlCol="0" anchor="ctr"/>
+          <a:lstStyle/>
+          <a:p>
+            <a:pPr algn="ctr"/>
+            <a:endParaRPr lang="en-US"/>
+          </a:p>
+        </p:txBody>
+      </p:sp>
+      <p:sp>
+        <p:nvSpPr>
+          <p:cNvPr id="31" name="Oval 30">
+            <a:extLst>
+              <a:ext uri="{FF2B5EF4-FFF2-40B4-BE49-F238E27FC236}">
+                <a16:creationId xmlns:a16="http://schemas.microsoft.com/office/drawing/2014/main" id="{D68BED49-0540-0AEE-078E-DEFB0A1F6ABD}"/>
+              </a:ext>
+            </a:extLst>
+          </p:cNvPr>
+          <p:cNvSpPr/>
+          <p:nvPr/>
+        </p:nvSpPr>
+        <p:spPr>
+          <a:xfrm>
+            <a:off x="1775288" y="3902854"/>
+            <a:ext cx="1092641" cy="1092641"/>
+          </a:xfrm>
+          <a:prstGeom prst="ellipse">
+            <a:avLst/>
+          </a:prstGeom>
+          <a:noFill/>
+          <a:ln>
+            <a:noFill/>
+          </a:ln>
+        </p:spPr>
+        <p:style>
+          <a:lnRef idx="2">
+            <a:schemeClr val="accent1">
+              <a:shade val="50000"/>
+            </a:schemeClr>
+          </a:lnRef>
+          <a:fillRef idx="1">
+            <a:schemeClr val="accent1"/>
+          </a:fillRef>
+          <a:effectRef idx="0">
+            <a:schemeClr val="accent1"/>
+          </a:effectRef>
+          <a:fontRef idx="minor">
+            <a:schemeClr val="lt1"/>
+          </a:fontRef>
+        </p:style>
+        <p:txBody>
+          <a:bodyPr rtlCol="0" anchor="ctr"/>
+          <a:lstStyle/>
+          <a:p>
+            <a:pPr algn="ctr"/>
+            <a:endParaRPr lang="en-US"/>
+          </a:p>
+        </p:txBody>
+      </p:sp>
+      <p:sp>
+        <p:nvSpPr>
+          <p:cNvPr id="4" name="Rectangle 3">
+            <a:extLst>
+              <a:ext uri="{FF2B5EF4-FFF2-40B4-BE49-F238E27FC236}">
+                <a16:creationId xmlns:a16="http://schemas.microsoft.com/office/drawing/2014/main" id="{34C38060-D897-056A-37F4-92FEF15BEF12}"/>
+              </a:ext>
+            </a:extLst>
+          </p:cNvPr>
+          <p:cNvSpPr/>
+          <p:nvPr/>
+        </p:nvSpPr>
+        <p:spPr>
+          <a:xfrm>
+            <a:off x="1960661" y="4088230"/>
+            <a:ext cx="721895" cy="721895"/>
+          </a:xfrm>
+          <a:prstGeom prst="rect">
+            <a:avLst/>
+          </a:prstGeom>
+          <a:solidFill>
+            <a:schemeClr val="bg1"/>
+          </a:solidFill>
+          <a:ln w="38100">
+            <a:solidFill>
+              <a:schemeClr val="tx1"/>
+            </a:solidFill>
+          </a:ln>
+        </p:spPr>
+        <p:style>
+          <a:lnRef idx="2">
+            <a:schemeClr val="accent1">
+              <a:shade val="50000"/>
+            </a:schemeClr>
+          </a:lnRef>
+          <a:fillRef idx="1">
+            <a:schemeClr val="accent1"/>
+          </a:fillRef>
+          <a:effectRef idx="0">
+            <a:schemeClr val="accent1"/>
+          </a:effectRef>
+          <a:fontRef idx="minor">
+            <a:schemeClr val="lt1"/>
+          </a:fontRef>
+        </p:style>
+        <p:txBody>
+          <a:bodyPr rtlCol="0" anchor="ctr"/>
+          <a:lstStyle/>
+          <a:p>
+            <a:pPr algn="ctr"/>
+            <a:r>
+              <a:rPr lang="en-US" sz="2800" dirty="0">
+                <a:solidFill>
+                  <a:sysClr val="windowText" lastClr="000000"/>
+                </a:solidFill>
+              </a:rPr>
+              <a:t>x1</a:t>
+            </a:r>
+          </a:p>
+        </p:txBody>
+      </p:sp>
+      <p:sp>
+        <p:nvSpPr>
+          <p:cNvPr id="5" name="Rectangle 4">
+            <a:extLst>
+              <a:ext uri="{FF2B5EF4-FFF2-40B4-BE49-F238E27FC236}">
+                <a16:creationId xmlns:a16="http://schemas.microsoft.com/office/drawing/2014/main" id="{E74C353B-173E-76F7-D850-8B61EBF5AA1A}"/>
+              </a:ext>
+            </a:extLst>
+          </p:cNvPr>
+          <p:cNvSpPr/>
+          <p:nvPr/>
+        </p:nvSpPr>
+        <p:spPr>
+          <a:xfrm>
+            <a:off x="3847857" y="4088230"/>
+            <a:ext cx="721895" cy="721895"/>
+          </a:xfrm>
+          <a:prstGeom prst="rect">
+            <a:avLst/>
+          </a:prstGeom>
+          <a:solidFill>
+            <a:schemeClr val="bg1"/>
+          </a:solidFill>
+          <a:ln w="38100">
+            <a:solidFill>
+              <a:schemeClr val="tx1"/>
+            </a:solidFill>
+          </a:ln>
+        </p:spPr>
+        <p:style>
+          <a:lnRef idx="2">
+            <a:schemeClr val="accent1">
+              <a:shade val="50000"/>
+            </a:schemeClr>
+          </a:lnRef>
+          <a:fillRef idx="1">
+            <a:schemeClr val="accent1"/>
+          </a:fillRef>
+          <a:effectRef idx="0">
+            <a:schemeClr val="accent1"/>
+          </a:effectRef>
+          <a:fontRef idx="minor">
+            <a:schemeClr val="lt1"/>
+          </a:fontRef>
+        </p:style>
+        <p:txBody>
+          <a:bodyPr rtlCol="0" anchor="ctr"/>
+          <a:lstStyle/>
+          <a:p>
+            <a:pPr algn="ctr"/>
+            <a:r>
+              <a:rPr lang="en-US" sz="2800" dirty="0">
+                <a:solidFill>
+                  <a:sysClr val="windowText" lastClr="000000"/>
+                </a:solidFill>
+              </a:rPr>
+              <a:t>x2</a:t>
+            </a:r>
+          </a:p>
+        </p:txBody>
+      </p:sp>
+      <p:sp>
+        <p:nvSpPr>
+          <p:cNvPr id="6" name="Rectangle 5">
+            <a:extLst>
+              <a:ext uri="{FF2B5EF4-FFF2-40B4-BE49-F238E27FC236}">
+                <a16:creationId xmlns:a16="http://schemas.microsoft.com/office/drawing/2014/main" id="{2637EFCF-F81B-C1E2-03D9-FADDC15501C1}"/>
+              </a:ext>
+            </a:extLst>
+          </p:cNvPr>
+          <p:cNvSpPr/>
+          <p:nvPr/>
+        </p:nvSpPr>
+        <p:spPr>
+          <a:xfrm>
+            <a:off x="5735053" y="4092728"/>
+            <a:ext cx="721895" cy="721895"/>
+          </a:xfrm>
+          <a:prstGeom prst="rect">
+            <a:avLst/>
+          </a:prstGeom>
+          <a:solidFill>
+            <a:schemeClr val="bg1"/>
+          </a:solidFill>
+          <a:ln w="38100">
+            <a:solidFill>
+              <a:schemeClr val="tx1"/>
+            </a:solidFill>
+          </a:ln>
+        </p:spPr>
+        <p:style>
+          <a:lnRef idx="2">
+            <a:schemeClr val="accent1">
+              <a:shade val="50000"/>
+            </a:schemeClr>
+          </a:lnRef>
+          <a:fillRef idx="1">
+            <a:schemeClr val="accent1"/>
+          </a:fillRef>
+          <a:effectRef idx="0">
+            <a:schemeClr val="accent1"/>
+          </a:effectRef>
+          <a:fontRef idx="minor">
+            <a:schemeClr val="lt1"/>
+          </a:fontRef>
+        </p:style>
+        <p:txBody>
+          <a:bodyPr rtlCol="0" anchor="ctr"/>
+          <a:lstStyle/>
+          <a:p>
+            <a:pPr algn="ctr"/>
+            <a:r>
+              <a:rPr lang="en-US" sz="2800" dirty="0">
+                <a:solidFill>
+                  <a:sysClr val="windowText" lastClr="000000"/>
+                </a:solidFill>
+              </a:rPr>
+              <a:t>x3</a:t>
+            </a:r>
+          </a:p>
+        </p:txBody>
+      </p:sp>
+      <p:sp>
+        <p:nvSpPr>
+          <p:cNvPr id="7" name="Rectangle 6">
+            <a:extLst>
+              <a:ext uri="{FF2B5EF4-FFF2-40B4-BE49-F238E27FC236}">
+                <a16:creationId xmlns:a16="http://schemas.microsoft.com/office/drawing/2014/main" id="{B50A1607-1C9A-E123-A5B5-24EB3B8DE911}"/>
+              </a:ext>
+            </a:extLst>
+          </p:cNvPr>
+          <p:cNvSpPr/>
+          <p:nvPr/>
+        </p:nvSpPr>
+        <p:spPr>
+          <a:xfrm>
+            <a:off x="7622249" y="4088230"/>
+            <a:ext cx="721895" cy="721895"/>
+          </a:xfrm>
+          <a:prstGeom prst="rect">
+            <a:avLst/>
+          </a:prstGeom>
+          <a:solidFill>
+            <a:schemeClr val="bg1"/>
+          </a:solidFill>
+          <a:ln w="38100">
+            <a:solidFill>
+              <a:schemeClr val="tx1"/>
+            </a:solidFill>
+          </a:ln>
+        </p:spPr>
+        <p:style>
+          <a:lnRef idx="2">
+            <a:schemeClr val="accent1">
+              <a:shade val="50000"/>
+            </a:schemeClr>
+          </a:lnRef>
+          <a:fillRef idx="1">
+            <a:schemeClr val="accent1"/>
+          </a:fillRef>
+          <a:effectRef idx="0">
+            <a:schemeClr val="accent1"/>
+          </a:effectRef>
+          <a:fontRef idx="minor">
+            <a:schemeClr val="lt1"/>
+          </a:fontRef>
+        </p:style>
+        <p:txBody>
+          <a:bodyPr rtlCol="0" anchor="ctr"/>
+          <a:lstStyle/>
+          <a:p>
+            <a:pPr algn="ctr"/>
+            <a:r>
+              <a:rPr lang="en-US" sz="2800" dirty="0">
+                <a:solidFill>
+                  <a:sysClr val="windowText" lastClr="000000"/>
+                </a:solidFill>
+              </a:rPr>
+              <a:t>x4</a:t>
+            </a:r>
+          </a:p>
+        </p:txBody>
+      </p:sp>
+      <p:sp>
+        <p:nvSpPr>
+          <p:cNvPr id="8" name="Rectangle 7">
+            <a:extLst>
+              <a:ext uri="{FF2B5EF4-FFF2-40B4-BE49-F238E27FC236}">
+                <a16:creationId xmlns:a16="http://schemas.microsoft.com/office/drawing/2014/main" id="{7905FBFD-6164-641F-FAFE-FD5DD5269403}"/>
+              </a:ext>
+            </a:extLst>
+          </p:cNvPr>
+          <p:cNvSpPr/>
+          <p:nvPr/>
+        </p:nvSpPr>
+        <p:spPr>
+          <a:xfrm>
+            <a:off x="9509445" y="4088230"/>
+            <a:ext cx="721895" cy="721895"/>
+          </a:xfrm>
+          <a:prstGeom prst="rect">
+            <a:avLst/>
+          </a:prstGeom>
+          <a:solidFill>
+            <a:schemeClr val="bg1"/>
+          </a:solidFill>
+          <a:ln w="38100">
+            <a:solidFill>
+              <a:schemeClr val="tx1"/>
+            </a:solidFill>
+          </a:ln>
+        </p:spPr>
+        <p:style>
+          <a:lnRef idx="2">
+            <a:schemeClr val="accent1">
+              <a:shade val="50000"/>
+            </a:schemeClr>
+          </a:lnRef>
+          <a:fillRef idx="1">
+            <a:schemeClr val="accent1"/>
+          </a:fillRef>
+          <a:effectRef idx="0">
+            <a:schemeClr val="accent1"/>
+          </a:effectRef>
+          <a:fontRef idx="minor">
+            <a:schemeClr val="lt1"/>
+          </a:fontRef>
+        </p:style>
+        <p:txBody>
+          <a:bodyPr rtlCol="0" anchor="ctr"/>
+          <a:lstStyle/>
+          <a:p>
+            <a:pPr algn="ctr"/>
+            <a:r>
+              <a:rPr lang="en-US" sz="2800" dirty="0">
+                <a:solidFill>
+                  <a:sysClr val="windowText" lastClr="000000"/>
+                </a:solidFill>
+              </a:rPr>
+              <a:t>x5</a:t>
+            </a:r>
+          </a:p>
+        </p:txBody>
+      </p:sp>
+      <p:cxnSp>
+        <p:nvCxnSpPr>
+          <p:cNvPr id="33" name="Connector: Curved 32">
+            <a:extLst>
+              <a:ext uri="{FF2B5EF4-FFF2-40B4-BE49-F238E27FC236}">
+                <a16:creationId xmlns:a16="http://schemas.microsoft.com/office/drawing/2014/main" id="{DF809413-675F-0FBB-9173-50AF5B68429D}"/>
+              </a:ext>
+            </a:extLst>
+          </p:cNvPr>
+          <p:cNvCxnSpPr>
+            <a:cxnSpLocks/>
+            <a:stCxn id="31" idx="7"/>
+            <a:endCxn id="10" idx="1"/>
+          </p:cNvCxnSpPr>
+          <p:nvPr/>
+        </p:nvCxnSpPr>
+        <p:spPr>
+          <a:xfrm rot="16200000" flipH="1">
+            <a:off x="3262420" y="3508362"/>
+            <a:ext cx="5571" cy="1114583"/>
+          </a:xfrm>
+          <a:prstGeom prst="curvedConnector3">
+            <a:avLst>
+              <a:gd name="adj1" fmla="val -6975660"/>
+            </a:avLst>
+          </a:prstGeom>
+          <a:ln w="38100">
+            <a:solidFill>
+              <a:schemeClr val="tx1"/>
+            </a:solidFill>
+            <a:tailEnd type="triangle"/>
+          </a:ln>
+        </p:spPr>
+        <p:style>
+          <a:lnRef idx="1">
+            <a:schemeClr val="accent1"/>
+          </a:lnRef>
+          <a:fillRef idx="0">
+            <a:schemeClr val="accent1"/>
+          </a:fillRef>
+          <a:effectRef idx="0">
+            <a:schemeClr val="accent1"/>
+          </a:effectRef>
+          <a:fontRef idx="minor">
+            <a:schemeClr val="tx1"/>
+          </a:fontRef>
+        </p:style>
+      </p:cxnSp>
+      <p:cxnSp>
+        <p:nvCxnSpPr>
+          <p:cNvPr id="35" name="Connector: Curved 34">
+            <a:extLst>
+              <a:ext uri="{FF2B5EF4-FFF2-40B4-BE49-F238E27FC236}">
+                <a16:creationId xmlns:a16="http://schemas.microsoft.com/office/drawing/2014/main" id="{CA7D87EA-D967-D629-E85F-BDFCCB29617D}"/>
+              </a:ext>
+            </a:extLst>
+          </p:cNvPr>
+          <p:cNvCxnSpPr>
+            <a:cxnSpLocks/>
+            <a:stCxn id="10" idx="3"/>
+            <a:endCxn id="31" idx="5"/>
+          </p:cNvCxnSpPr>
+          <p:nvPr/>
+        </p:nvCxnSpPr>
+        <p:spPr>
+          <a:xfrm rot="5400000" flipH="1">
+            <a:off x="3262421" y="4280976"/>
+            <a:ext cx="5571" cy="1114583"/>
+          </a:xfrm>
+          <a:prstGeom prst="curvedConnector3">
+            <a:avLst>
+              <a:gd name="adj1" fmla="val -6975660"/>
+            </a:avLst>
+          </a:prstGeom>
+          <a:ln w="38100">
+            <a:solidFill>
+              <a:schemeClr val="tx1"/>
+            </a:solidFill>
+            <a:tailEnd type="triangle"/>
+          </a:ln>
+        </p:spPr>
+        <p:style>
+          <a:lnRef idx="1">
+            <a:schemeClr val="accent1"/>
+          </a:lnRef>
+          <a:fillRef idx="0">
+            <a:schemeClr val="accent1"/>
+          </a:fillRef>
+          <a:effectRef idx="0">
+            <a:schemeClr val="accent1"/>
+          </a:effectRef>
+          <a:fontRef idx="minor">
+            <a:schemeClr val="tx1"/>
+          </a:fontRef>
+        </p:style>
+      </p:cxnSp>
+      <p:cxnSp>
+        <p:nvCxnSpPr>
+          <p:cNvPr id="38" name="Connector: Curved 37">
+            <a:extLst>
+              <a:ext uri="{FF2B5EF4-FFF2-40B4-BE49-F238E27FC236}">
+                <a16:creationId xmlns:a16="http://schemas.microsoft.com/office/drawing/2014/main" id="{458DF521-E5A9-DD09-F6FC-2D3237794648}"/>
+              </a:ext>
+            </a:extLst>
+          </p:cNvPr>
+          <p:cNvCxnSpPr>
+            <a:cxnSpLocks/>
+            <a:stCxn id="10" idx="7"/>
+            <a:endCxn id="28" idx="1"/>
+          </p:cNvCxnSpPr>
+          <p:nvPr/>
+        </p:nvCxnSpPr>
+        <p:spPr>
+          <a:xfrm rot="5400000" flipH="1" flipV="1">
+            <a:off x="5149618" y="3508364"/>
+            <a:ext cx="5569" cy="1114583"/>
+          </a:xfrm>
+          <a:prstGeom prst="curvedConnector3">
+            <a:avLst>
+              <a:gd name="adj1" fmla="val 7078165"/>
+            </a:avLst>
+          </a:prstGeom>
+          <a:ln w="38100">
+            <a:solidFill>
+              <a:schemeClr val="tx1"/>
+            </a:solidFill>
+            <a:tailEnd type="triangle"/>
+          </a:ln>
+        </p:spPr>
+        <p:style>
+          <a:lnRef idx="1">
+            <a:schemeClr val="accent1"/>
+          </a:lnRef>
+          <a:fillRef idx="0">
+            <a:schemeClr val="accent1"/>
+          </a:fillRef>
+          <a:effectRef idx="0">
+            <a:schemeClr val="accent1"/>
+          </a:effectRef>
+          <a:fontRef idx="minor">
+            <a:schemeClr val="tx1"/>
+          </a:fontRef>
+        </p:style>
+      </p:cxnSp>
+      <p:cxnSp>
+        <p:nvCxnSpPr>
+          <p:cNvPr id="41" name="Connector: Curved 40">
+            <a:extLst>
+              <a:ext uri="{FF2B5EF4-FFF2-40B4-BE49-F238E27FC236}">
+                <a16:creationId xmlns:a16="http://schemas.microsoft.com/office/drawing/2014/main" id="{F16A2469-23A1-2F85-B685-C1C46036224E}"/>
+              </a:ext>
+            </a:extLst>
+          </p:cNvPr>
+          <p:cNvCxnSpPr>
+            <a:cxnSpLocks/>
+            <a:stCxn id="28" idx="7"/>
+            <a:endCxn id="29" idx="1"/>
+          </p:cNvCxnSpPr>
+          <p:nvPr/>
+        </p:nvCxnSpPr>
+        <p:spPr>
+          <a:xfrm rot="5400000" flipH="1" flipV="1">
+            <a:off x="7039598" y="3505579"/>
+            <a:ext cx="12700" cy="1114583"/>
+          </a:xfrm>
+          <a:prstGeom prst="curvedConnector3">
+            <a:avLst>
+              <a:gd name="adj1" fmla="val 3059953"/>
+            </a:avLst>
+          </a:prstGeom>
+          <a:ln w="38100">
+            <a:solidFill>
+              <a:schemeClr val="tx1"/>
+            </a:solidFill>
+            <a:tailEnd type="triangle"/>
+          </a:ln>
+        </p:spPr>
+        <p:style>
+          <a:lnRef idx="1">
+            <a:schemeClr val="accent1"/>
+          </a:lnRef>
+          <a:fillRef idx="0">
+            <a:schemeClr val="accent1"/>
+          </a:fillRef>
+          <a:effectRef idx="0">
+            <a:schemeClr val="accent1"/>
+          </a:effectRef>
+          <a:fontRef idx="minor">
+            <a:schemeClr val="tx1"/>
+          </a:fontRef>
+        </p:style>
+      </p:cxnSp>
+      <p:cxnSp>
+        <p:nvCxnSpPr>
+          <p:cNvPr id="44" name="Connector: Curved 43">
+            <a:extLst>
+              <a:ext uri="{FF2B5EF4-FFF2-40B4-BE49-F238E27FC236}">
+                <a16:creationId xmlns:a16="http://schemas.microsoft.com/office/drawing/2014/main" id="{9B8417D0-31B0-36F8-FDAD-BBDF8B8310EE}"/>
+              </a:ext>
+            </a:extLst>
+          </p:cNvPr>
+          <p:cNvCxnSpPr>
+            <a:cxnSpLocks/>
+            <a:stCxn id="29" idx="7"/>
+            <a:endCxn id="30" idx="1"/>
+          </p:cNvCxnSpPr>
+          <p:nvPr/>
+        </p:nvCxnSpPr>
+        <p:spPr>
+          <a:xfrm rot="5400000" flipH="1" flipV="1">
+            <a:off x="8926794" y="3505579"/>
+            <a:ext cx="1" cy="1114583"/>
+          </a:xfrm>
+          <a:prstGeom prst="curvedConnector3">
+            <a:avLst>
+              <a:gd name="adj1" fmla="val 38861500000"/>
+            </a:avLst>
+          </a:prstGeom>
+          <a:ln w="38100">
+            <a:solidFill>
+              <a:schemeClr val="tx1"/>
+            </a:solidFill>
+            <a:tailEnd type="triangle"/>
+          </a:ln>
+        </p:spPr>
+        <p:style>
+          <a:lnRef idx="1">
+            <a:schemeClr val="accent1"/>
+          </a:lnRef>
+          <a:fillRef idx="0">
+            <a:schemeClr val="accent1"/>
+          </a:fillRef>
+          <a:effectRef idx="0">
+            <a:schemeClr val="accent1"/>
+          </a:effectRef>
+          <a:fontRef idx="minor">
+            <a:schemeClr val="tx1"/>
+          </a:fontRef>
+        </p:style>
+      </p:cxnSp>
+      <p:cxnSp>
+        <p:nvCxnSpPr>
+          <p:cNvPr id="47" name="Connector: Curved 46">
+            <a:extLst>
+              <a:ext uri="{FF2B5EF4-FFF2-40B4-BE49-F238E27FC236}">
+                <a16:creationId xmlns:a16="http://schemas.microsoft.com/office/drawing/2014/main" id="{8D588909-3357-633D-E626-E6F444F1AD55}"/>
+              </a:ext>
+            </a:extLst>
+          </p:cNvPr>
+          <p:cNvCxnSpPr>
+            <a:cxnSpLocks/>
+            <a:stCxn id="30" idx="3"/>
+            <a:endCxn id="29" idx="5"/>
+          </p:cNvCxnSpPr>
+          <p:nvPr/>
+        </p:nvCxnSpPr>
+        <p:spPr>
+          <a:xfrm rot="5400000">
+            <a:off x="8926795" y="4278191"/>
+            <a:ext cx="1" cy="1114583"/>
+          </a:xfrm>
+          <a:prstGeom prst="curvedConnector3">
+            <a:avLst>
+              <a:gd name="adj1" fmla="val 38861500000"/>
+            </a:avLst>
+          </a:prstGeom>
+          <a:ln w="38100">
+            <a:solidFill>
+              <a:schemeClr val="tx1"/>
+            </a:solidFill>
+            <a:tailEnd type="triangle"/>
+          </a:ln>
+        </p:spPr>
+        <p:style>
+          <a:lnRef idx="1">
+            <a:schemeClr val="accent1"/>
+          </a:lnRef>
+          <a:fillRef idx="0">
+            <a:schemeClr val="accent1"/>
+          </a:fillRef>
+          <a:effectRef idx="0">
+            <a:schemeClr val="accent1"/>
+          </a:effectRef>
+          <a:fontRef idx="minor">
+            <a:schemeClr val="tx1"/>
+          </a:fontRef>
+        </p:style>
+      </p:cxnSp>
+      <p:cxnSp>
+        <p:nvCxnSpPr>
+          <p:cNvPr id="50" name="Connector: Curved 49">
+            <a:extLst>
+              <a:ext uri="{FF2B5EF4-FFF2-40B4-BE49-F238E27FC236}">
+                <a16:creationId xmlns:a16="http://schemas.microsoft.com/office/drawing/2014/main" id="{B00969E8-B9F6-ABF8-109F-51B0AAF4CC83}"/>
+              </a:ext>
+            </a:extLst>
+          </p:cNvPr>
+          <p:cNvCxnSpPr>
+            <a:cxnSpLocks/>
+            <a:stCxn id="29" idx="3"/>
+            <a:endCxn id="28" idx="5"/>
+          </p:cNvCxnSpPr>
+          <p:nvPr/>
+        </p:nvCxnSpPr>
+        <p:spPr>
+          <a:xfrm rot="5400000">
+            <a:off x="7039599" y="4278192"/>
+            <a:ext cx="12700" cy="1114583"/>
+          </a:xfrm>
+          <a:prstGeom prst="curvedConnector3">
+            <a:avLst>
+              <a:gd name="adj1" fmla="val 3059953"/>
+            </a:avLst>
+          </a:prstGeom>
+          <a:ln w="38100">
+            <a:solidFill>
+              <a:schemeClr val="tx1"/>
+            </a:solidFill>
+            <a:tailEnd type="triangle"/>
+          </a:ln>
+        </p:spPr>
+        <p:style>
+          <a:lnRef idx="1">
+            <a:schemeClr val="accent1"/>
+          </a:lnRef>
+          <a:fillRef idx="0">
+            <a:schemeClr val="accent1"/>
+          </a:fillRef>
+          <a:effectRef idx="0">
+            <a:schemeClr val="accent1"/>
+          </a:effectRef>
+          <a:fontRef idx="minor">
+            <a:schemeClr val="tx1"/>
+          </a:fontRef>
+        </p:style>
+      </p:cxnSp>
+      <p:cxnSp>
+        <p:nvCxnSpPr>
+          <p:cNvPr id="53" name="Connector: Curved 52">
+            <a:extLst>
+              <a:ext uri="{FF2B5EF4-FFF2-40B4-BE49-F238E27FC236}">
+                <a16:creationId xmlns:a16="http://schemas.microsoft.com/office/drawing/2014/main" id="{6D28D961-561F-F03D-1189-3289B90EE1F9}"/>
+              </a:ext>
+            </a:extLst>
+          </p:cNvPr>
+          <p:cNvCxnSpPr>
+            <a:cxnSpLocks/>
+            <a:stCxn id="28" idx="3"/>
+            <a:endCxn id="10" idx="5"/>
+          </p:cNvCxnSpPr>
+          <p:nvPr/>
+        </p:nvCxnSpPr>
+        <p:spPr>
+          <a:xfrm rot="5400000">
+            <a:off x="5149619" y="4280976"/>
+            <a:ext cx="5569" cy="1114583"/>
+          </a:xfrm>
+          <a:prstGeom prst="curvedConnector3">
+            <a:avLst>
+              <a:gd name="adj1" fmla="val 7078165"/>
+            </a:avLst>
+          </a:prstGeom>
+          <a:ln w="38100">
+            <a:solidFill>
+              <a:schemeClr val="tx1"/>
+            </a:solidFill>
+            <a:tailEnd type="triangle"/>
+          </a:ln>
+        </p:spPr>
+        <p:style>
+          <a:lnRef idx="1">
+            <a:schemeClr val="accent1"/>
+          </a:lnRef>
+          <a:fillRef idx="0">
+            <a:schemeClr val="accent1"/>
+          </a:fillRef>
+          <a:effectRef idx="0">
+            <a:schemeClr val="accent1"/>
+          </a:effectRef>
+          <a:fontRef idx="minor">
+            <a:schemeClr val="tx1"/>
+          </a:fontRef>
+        </p:style>
+      </p:cxnSp>
+      <p:cxnSp>
+        <p:nvCxnSpPr>
+          <p:cNvPr id="56" name="Connector: Curved 55">
+            <a:extLst>
+              <a:ext uri="{FF2B5EF4-FFF2-40B4-BE49-F238E27FC236}">
+                <a16:creationId xmlns:a16="http://schemas.microsoft.com/office/drawing/2014/main" id="{86F07D54-A651-47E6-4914-8091183E1A75}"/>
+              </a:ext>
+            </a:extLst>
+          </p:cNvPr>
+          <p:cNvCxnSpPr>
+            <a:cxnSpLocks/>
+            <a:stCxn id="31" idx="7"/>
+            <a:endCxn id="6" idx="0"/>
+          </p:cNvCxnSpPr>
+          <p:nvPr/>
+        </p:nvCxnSpPr>
+        <p:spPr>
+          <a:xfrm rot="16200000" flipH="1">
+            <a:off x="4387028" y="2383755"/>
+            <a:ext cx="29860" cy="3388086"/>
+          </a:xfrm>
+          <a:prstGeom prst="curvedConnector3">
+            <a:avLst>
+              <a:gd name="adj1" fmla="val -2705003"/>
+            </a:avLst>
+          </a:prstGeom>
+          <a:ln w="38100">
+            <a:solidFill>
+              <a:schemeClr val="tx1"/>
+            </a:solidFill>
+            <a:tailEnd type="triangle"/>
+          </a:ln>
+        </p:spPr>
+        <p:style>
+          <a:lnRef idx="1">
+            <a:schemeClr val="accent1"/>
+          </a:lnRef>
+          <a:fillRef idx="0">
+            <a:schemeClr val="accent1"/>
+          </a:fillRef>
+          <a:effectRef idx="0">
+            <a:schemeClr val="accent1"/>
+          </a:effectRef>
+          <a:fontRef idx="minor">
+            <a:schemeClr val="tx1"/>
+          </a:fontRef>
+        </p:style>
+      </p:cxnSp>
+      <p:cxnSp>
+        <p:nvCxnSpPr>
+          <p:cNvPr id="66" name="Connector: Curved 65">
+            <a:extLst>
+              <a:ext uri="{FF2B5EF4-FFF2-40B4-BE49-F238E27FC236}">
+                <a16:creationId xmlns:a16="http://schemas.microsoft.com/office/drawing/2014/main" id="{46099630-CCA9-F8DB-9091-14C15B895742}"/>
+              </a:ext>
+            </a:extLst>
+          </p:cNvPr>
+          <p:cNvCxnSpPr>
+            <a:cxnSpLocks/>
+            <a:stCxn id="31" idx="7"/>
+            <a:endCxn id="7" idx="0"/>
+          </p:cNvCxnSpPr>
+          <p:nvPr/>
+        </p:nvCxnSpPr>
+        <p:spPr>
+          <a:xfrm rot="16200000" flipH="1">
+            <a:off x="5332875" y="1437908"/>
+            <a:ext cx="25362" cy="5275282"/>
+          </a:xfrm>
+          <a:prstGeom prst="curvedConnector3">
+            <a:avLst>
+              <a:gd name="adj1" fmla="val -3985940"/>
+            </a:avLst>
+          </a:prstGeom>
+          <a:ln w="38100">
+            <a:solidFill>
+              <a:schemeClr val="tx1"/>
+            </a:solidFill>
+            <a:tailEnd type="triangle"/>
+          </a:ln>
+        </p:spPr>
+        <p:style>
+          <a:lnRef idx="1">
+            <a:schemeClr val="accent1"/>
+          </a:lnRef>
+          <a:fillRef idx="0">
+            <a:schemeClr val="accent1"/>
+          </a:fillRef>
+          <a:effectRef idx="0">
+            <a:schemeClr val="accent1"/>
+          </a:effectRef>
+          <a:fontRef idx="minor">
+            <a:schemeClr val="tx1"/>
+          </a:fontRef>
+        </p:style>
+      </p:cxnSp>
+      <p:cxnSp>
+        <p:nvCxnSpPr>
+          <p:cNvPr id="74" name="Connector: Curved 73">
+            <a:extLst>
+              <a:ext uri="{FF2B5EF4-FFF2-40B4-BE49-F238E27FC236}">
+                <a16:creationId xmlns:a16="http://schemas.microsoft.com/office/drawing/2014/main" id="{4B7B3436-9C17-F098-2866-62574D6C73CA}"/>
+              </a:ext>
+            </a:extLst>
+          </p:cNvPr>
+          <p:cNvCxnSpPr>
+            <a:cxnSpLocks/>
+            <a:stCxn id="10" idx="7"/>
+            <a:endCxn id="7" idx="0"/>
+          </p:cNvCxnSpPr>
+          <p:nvPr/>
+        </p:nvCxnSpPr>
+        <p:spPr>
+          <a:xfrm rot="16200000" flipH="1">
+            <a:off x="6279258" y="2384291"/>
+            <a:ext cx="19791" cy="3388086"/>
+          </a:xfrm>
+          <a:prstGeom prst="curvedConnector3">
+            <a:avLst>
+              <a:gd name="adj1" fmla="val -3542186"/>
+            </a:avLst>
+          </a:prstGeom>
+          <a:ln w="38100">
+            <a:solidFill>
+              <a:schemeClr val="tx1"/>
+            </a:solidFill>
+            <a:tailEnd type="triangle"/>
+          </a:ln>
+        </p:spPr>
+        <p:style>
+          <a:lnRef idx="1">
+            <a:schemeClr val="accent1"/>
+          </a:lnRef>
+          <a:fillRef idx="0">
+            <a:schemeClr val="accent1"/>
+          </a:fillRef>
+          <a:effectRef idx="0">
+            <a:schemeClr val="accent1"/>
+          </a:effectRef>
+          <a:fontRef idx="minor">
+            <a:schemeClr val="tx1"/>
+          </a:fontRef>
+        </p:style>
+      </p:cxnSp>
+      <p:cxnSp>
+        <p:nvCxnSpPr>
+          <p:cNvPr id="78" name="Connector: Curved 77">
+            <a:extLst>
+              <a:ext uri="{FF2B5EF4-FFF2-40B4-BE49-F238E27FC236}">
+                <a16:creationId xmlns:a16="http://schemas.microsoft.com/office/drawing/2014/main" id="{5C1E1C04-7AE9-0729-524E-2D9799C02300}"/>
+              </a:ext>
+            </a:extLst>
+          </p:cNvPr>
+          <p:cNvCxnSpPr>
+            <a:cxnSpLocks/>
+            <a:stCxn id="10" idx="7"/>
+            <a:endCxn id="8" idx="0"/>
+          </p:cNvCxnSpPr>
+          <p:nvPr/>
+        </p:nvCxnSpPr>
+        <p:spPr>
+          <a:xfrm rot="16200000" flipH="1">
+            <a:off x="7222856" y="1440693"/>
+            <a:ext cx="19791" cy="5275282"/>
+          </a:xfrm>
+          <a:prstGeom prst="curvedConnector3">
+            <a:avLst>
+              <a:gd name="adj1" fmla="val -4196736"/>
+            </a:avLst>
+          </a:prstGeom>
+          <a:ln w="38100">
+            <a:solidFill>
+              <a:schemeClr val="tx1"/>
+            </a:solidFill>
+            <a:tailEnd type="triangle"/>
+          </a:ln>
+        </p:spPr>
+        <p:style>
+          <a:lnRef idx="1">
+            <a:schemeClr val="accent1"/>
+          </a:lnRef>
+          <a:fillRef idx="0">
+            <a:schemeClr val="accent1"/>
+          </a:fillRef>
+          <a:effectRef idx="0">
+            <a:schemeClr val="accent1"/>
+          </a:effectRef>
+          <a:fontRef idx="minor">
+            <a:schemeClr val="tx1"/>
+          </a:fontRef>
+        </p:style>
+      </p:cxnSp>
+      <p:cxnSp>
+        <p:nvCxnSpPr>
+          <p:cNvPr id="82" name="Connector: Curved 81">
+            <a:extLst>
+              <a:ext uri="{FF2B5EF4-FFF2-40B4-BE49-F238E27FC236}">
+                <a16:creationId xmlns:a16="http://schemas.microsoft.com/office/drawing/2014/main" id="{25A56C61-E883-6EB7-B02E-CF932F70C544}"/>
+              </a:ext>
+            </a:extLst>
+          </p:cNvPr>
+          <p:cNvCxnSpPr>
+            <a:cxnSpLocks/>
+            <a:stCxn id="28" idx="7"/>
+            <a:endCxn id="8" idx="0"/>
+          </p:cNvCxnSpPr>
+          <p:nvPr/>
+        </p:nvCxnSpPr>
+        <p:spPr>
+          <a:xfrm rot="16200000" flipH="1">
+            <a:off x="8163670" y="2381507"/>
+            <a:ext cx="25360" cy="3388086"/>
+          </a:xfrm>
+          <a:prstGeom prst="curvedConnector3">
+            <a:avLst>
+              <a:gd name="adj1" fmla="val -2674188"/>
+            </a:avLst>
+          </a:prstGeom>
+          <a:ln w="38100">
+            <a:solidFill>
+              <a:schemeClr val="tx1"/>
+            </a:solidFill>
+            <a:tailEnd type="triangle"/>
+          </a:ln>
+        </p:spPr>
+        <p:style>
+          <a:lnRef idx="1">
+            <a:schemeClr val="accent1"/>
+          </a:lnRef>
+          <a:fillRef idx="0">
+            <a:schemeClr val="accent1"/>
+          </a:fillRef>
+          <a:effectRef idx="0">
+            <a:schemeClr val="accent1"/>
+          </a:effectRef>
+          <a:fontRef idx="minor">
+            <a:schemeClr val="tx1"/>
+          </a:fontRef>
+        </p:style>
+      </p:cxnSp>
+      <p:cxnSp>
+        <p:nvCxnSpPr>
+          <p:cNvPr id="86" name="Connector: Curved 85">
+            <a:extLst>
+              <a:ext uri="{FF2B5EF4-FFF2-40B4-BE49-F238E27FC236}">
+                <a16:creationId xmlns:a16="http://schemas.microsoft.com/office/drawing/2014/main" id="{17CE72DD-2E93-B895-FB03-D3CD3F5876BD}"/>
+              </a:ext>
+            </a:extLst>
+          </p:cNvPr>
+          <p:cNvCxnSpPr>
+            <a:cxnSpLocks/>
+            <a:stCxn id="30" idx="3"/>
+            <a:endCxn id="6" idx="2"/>
+          </p:cNvCxnSpPr>
+          <p:nvPr/>
+        </p:nvCxnSpPr>
+        <p:spPr>
+          <a:xfrm rot="5400000" flipH="1">
+            <a:off x="7779614" y="3131011"/>
+            <a:ext cx="20859" cy="3388085"/>
+          </a:xfrm>
+          <a:prstGeom prst="curvedConnector3">
+            <a:avLst>
+              <a:gd name="adj1" fmla="val -3726133"/>
+            </a:avLst>
+          </a:prstGeom>
+          <a:ln w="38100">
+            <a:solidFill>
+              <a:schemeClr val="tx1"/>
+            </a:solidFill>
+            <a:tailEnd type="triangle"/>
+          </a:ln>
+        </p:spPr>
+        <p:style>
+          <a:lnRef idx="1">
+            <a:schemeClr val="accent1"/>
+          </a:lnRef>
+          <a:fillRef idx="0">
+            <a:schemeClr val="accent1"/>
+          </a:fillRef>
+          <a:effectRef idx="0">
+            <a:schemeClr val="accent1"/>
+          </a:effectRef>
+          <a:fontRef idx="minor">
+            <a:schemeClr val="tx1"/>
+          </a:fontRef>
+        </p:style>
+      </p:cxnSp>
+      <p:cxnSp>
+        <p:nvCxnSpPr>
+          <p:cNvPr id="90" name="Connector: Curved 89">
+            <a:extLst>
+              <a:ext uri="{FF2B5EF4-FFF2-40B4-BE49-F238E27FC236}">
+                <a16:creationId xmlns:a16="http://schemas.microsoft.com/office/drawing/2014/main" id="{1418982F-B164-4B77-0692-3AF945B7E1C8}"/>
+              </a:ext>
+            </a:extLst>
+          </p:cNvPr>
+          <p:cNvCxnSpPr>
+            <a:cxnSpLocks/>
+            <a:stCxn id="30" idx="3"/>
+            <a:endCxn id="5" idx="2"/>
+          </p:cNvCxnSpPr>
+          <p:nvPr/>
+        </p:nvCxnSpPr>
+        <p:spPr>
+          <a:xfrm rot="5400000" flipH="1">
+            <a:off x="6833767" y="2185164"/>
+            <a:ext cx="25357" cy="5275281"/>
+          </a:xfrm>
+          <a:prstGeom prst="curvedConnector3">
+            <a:avLst>
+              <a:gd name="adj1" fmla="val -3906590"/>
+            </a:avLst>
+          </a:prstGeom>
+          <a:ln w="38100">
+            <a:solidFill>
+              <a:schemeClr val="tx1"/>
+            </a:solidFill>
+            <a:tailEnd type="triangle"/>
+          </a:ln>
+        </p:spPr>
+        <p:style>
+          <a:lnRef idx="1">
+            <a:schemeClr val="accent1"/>
+          </a:lnRef>
+          <a:fillRef idx="0">
+            <a:schemeClr val="accent1"/>
+          </a:fillRef>
+          <a:effectRef idx="0">
+            <a:schemeClr val="accent1"/>
+          </a:effectRef>
+          <a:fontRef idx="minor">
+            <a:schemeClr val="tx1"/>
+          </a:fontRef>
+        </p:style>
+      </p:cxnSp>
+      <p:cxnSp>
+        <p:nvCxnSpPr>
+          <p:cNvPr id="98" name="Connector: Curved 97">
+            <a:extLst>
+              <a:ext uri="{FF2B5EF4-FFF2-40B4-BE49-F238E27FC236}">
+                <a16:creationId xmlns:a16="http://schemas.microsoft.com/office/drawing/2014/main" id="{B80EE89D-B949-0994-899A-1C69861E1E06}"/>
+              </a:ext>
+            </a:extLst>
+          </p:cNvPr>
+          <p:cNvCxnSpPr>
+            <a:cxnSpLocks/>
+            <a:stCxn id="29" idx="3"/>
+            <a:endCxn id="5" idx="2"/>
+          </p:cNvCxnSpPr>
+          <p:nvPr/>
+        </p:nvCxnSpPr>
+        <p:spPr>
+          <a:xfrm rot="5400000" flipH="1">
+            <a:off x="5890169" y="3128762"/>
+            <a:ext cx="25358" cy="3388085"/>
+          </a:xfrm>
+          <a:prstGeom prst="curvedConnector3">
+            <a:avLst>
+              <a:gd name="adj1" fmla="val -2824655"/>
+            </a:avLst>
+          </a:prstGeom>
+          <a:ln w="38100">
+            <a:solidFill>
+              <a:schemeClr val="tx1"/>
+            </a:solidFill>
+            <a:tailEnd type="triangle"/>
+          </a:ln>
+        </p:spPr>
+        <p:style>
+          <a:lnRef idx="1">
+            <a:schemeClr val="accent1"/>
+          </a:lnRef>
+          <a:fillRef idx="0">
+            <a:schemeClr val="accent1"/>
+          </a:fillRef>
+          <a:effectRef idx="0">
+            <a:schemeClr val="accent1"/>
+          </a:effectRef>
+          <a:fontRef idx="minor">
+            <a:schemeClr val="tx1"/>
+          </a:fontRef>
+        </p:style>
+      </p:cxnSp>
+      <p:cxnSp>
+        <p:nvCxnSpPr>
+          <p:cNvPr id="102" name="Connector: Curved 101">
+            <a:extLst>
+              <a:ext uri="{FF2B5EF4-FFF2-40B4-BE49-F238E27FC236}">
+                <a16:creationId xmlns:a16="http://schemas.microsoft.com/office/drawing/2014/main" id="{0D581EB6-73CB-D74E-8B9D-3C2952EEDDC4}"/>
+              </a:ext>
+            </a:extLst>
+          </p:cNvPr>
+          <p:cNvCxnSpPr>
+            <a:cxnSpLocks/>
+            <a:stCxn id="29" idx="3"/>
+            <a:endCxn id="4" idx="2"/>
+          </p:cNvCxnSpPr>
+          <p:nvPr/>
+        </p:nvCxnSpPr>
+        <p:spPr>
+          <a:xfrm rot="5400000" flipH="1">
+            <a:off x="4946571" y="2185164"/>
+            <a:ext cx="25358" cy="5275281"/>
+          </a:xfrm>
+          <a:prstGeom prst="curvedConnector3">
+            <a:avLst>
+              <a:gd name="adj1" fmla="val -3515798"/>
+            </a:avLst>
+          </a:prstGeom>
+          <a:ln w="38100">
+            <a:solidFill>
+              <a:schemeClr val="tx1"/>
+            </a:solidFill>
+            <a:tailEnd type="triangle"/>
+          </a:ln>
+        </p:spPr>
+        <p:style>
+          <a:lnRef idx="1">
+            <a:schemeClr val="accent1"/>
+          </a:lnRef>
+          <a:fillRef idx="0">
+            <a:schemeClr val="accent1"/>
+          </a:fillRef>
+          <a:effectRef idx="0">
+            <a:schemeClr val="accent1"/>
+          </a:effectRef>
+          <a:fontRef idx="minor">
+            <a:schemeClr val="tx1"/>
+          </a:fontRef>
+        </p:style>
+      </p:cxnSp>
+      <p:cxnSp>
+        <p:nvCxnSpPr>
+          <p:cNvPr id="106" name="Connector: Curved 105">
+            <a:extLst>
+              <a:ext uri="{FF2B5EF4-FFF2-40B4-BE49-F238E27FC236}">
+                <a16:creationId xmlns:a16="http://schemas.microsoft.com/office/drawing/2014/main" id="{E6425842-BBD6-4082-F0C8-2A88DC14BF7A}"/>
+              </a:ext>
+            </a:extLst>
+          </p:cNvPr>
+          <p:cNvCxnSpPr>
+            <a:cxnSpLocks/>
+            <a:stCxn id="28" idx="3"/>
+            <a:endCxn id="4" idx="2"/>
+          </p:cNvCxnSpPr>
+          <p:nvPr/>
+        </p:nvCxnSpPr>
+        <p:spPr>
+          <a:xfrm rot="5400000" flipH="1">
+            <a:off x="4002973" y="3128762"/>
+            <a:ext cx="25358" cy="3388085"/>
+          </a:xfrm>
+          <a:prstGeom prst="curvedConnector3">
+            <a:avLst>
+              <a:gd name="adj1" fmla="val -2764548"/>
+            </a:avLst>
+          </a:prstGeom>
+          <a:ln w="38100">
+            <a:solidFill>
+              <a:schemeClr val="tx1"/>
+            </a:solidFill>
+            <a:tailEnd type="triangle"/>
+          </a:ln>
+        </p:spPr>
+        <p:style>
+          <a:lnRef idx="1">
+            <a:schemeClr val="accent1"/>
+          </a:lnRef>
+          <a:fillRef idx="0">
+            <a:schemeClr val="accent1"/>
+          </a:fillRef>
+          <a:effectRef idx="0">
+            <a:schemeClr val="accent1"/>
+          </a:effectRef>
+          <a:fontRef idx="minor">
+            <a:schemeClr val="tx1"/>
+          </a:fontRef>
+        </p:style>
+      </p:cxnSp>
+      <p:sp>
+        <p:nvSpPr>
+          <p:cNvPr id="114" name="Oval 113">
+            <a:extLst>
+              <a:ext uri="{FF2B5EF4-FFF2-40B4-BE49-F238E27FC236}">
+                <a16:creationId xmlns:a16="http://schemas.microsoft.com/office/drawing/2014/main" id="{664DE38F-926B-089D-346D-3B662918B59A}"/>
+              </a:ext>
+            </a:extLst>
+          </p:cNvPr>
+          <p:cNvSpPr/>
+          <p:nvPr/>
+        </p:nvSpPr>
+        <p:spPr>
+          <a:xfrm>
+            <a:off x="3771936" y="202070"/>
+            <a:ext cx="873735" cy="873735"/>
+          </a:xfrm>
+          <a:prstGeom prst="ellipse">
+            <a:avLst/>
+          </a:prstGeom>
+          <a:noFill/>
+          <a:ln w="38100">
+            <a:solidFill>
+              <a:schemeClr val="tx1"/>
+            </a:solidFill>
+          </a:ln>
+        </p:spPr>
+        <p:style>
+          <a:lnRef idx="2">
+            <a:schemeClr val="accent1">
+              <a:shade val="50000"/>
+            </a:schemeClr>
+          </a:lnRef>
+          <a:fillRef idx="1">
+            <a:schemeClr val="accent1"/>
+          </a:fillRef>
+          <a:effectRef idx="0">
+            <a:schemeClr val="accent1"/>
+          </a:effectRef>
+          <a:fontRef idx="minor">
+            <a:schemeClr val="lt1"/>
+          </a:fontRef>
+        </p:style>
+        <p:txBody>
+          <a:bodyPr rtlCol="0" anchor="ctr"/>
+          <a:lstStyle/>
+          <a:p>
+            <a:pPr algn="ctr"/>
+            <a:r>
+              <a:rPr lang="en-US" sz="2800" dirty="0">
+                <a:solidFill>
+                  <a:sysClr val="windowText" lastClr="000000"/>
+                </a:solidFill>
+              </a:rPr>
+              <a:t>f1</a:t>
+            </a:r>
+            <a:endParaRPr lang="en-US" sz="2400" dirty="0">
+              <a:solidFill>
+                <a:sysClr val="windowText" lastClr="000000"/>
+              </a:solidFill>
+            </a:endParaRPr>
+          </a:p>
+        </p:txBody>
+      </p:sp>
+      <p:cxnSp>
+        <p:nvCxnSpPr>
+          <p:cNvPr id="118" name="Straight Arrow Connector 117">
+            <a:extLst>
+              <a:ext uri="{FF2B5EF4-FFF2-40B4-BE49-F238E27FC236}">
+                <a16:creationId xmlns:a16="http://schemas.microsoft.com/office/drawing/2014/main" id="{5A8DC04C-A8E1-05A4-1B94-B245BBA55AE1}"/>
+              </a:ext>
+            </a:extLst>
+          </p:cNvPr>
+          <p:cNvCxnSpPr>
+            <a:stCxn id="114" idx="4"/>
+            <a:endCxn id="4" idx="0"/>
+          </p:cNvCxnSpPr>
+          <p:nvPr/>
+        </p:nvCxnSpPr>
+        <p:spPr>
+          <a:xfrm flipH="1">
+            <a:off x="2321609" y="1075805"/>
+            <a:ext cx="1887195" cy="3012425"/>
+          </a:xfrm>
+          <a:prstGeom prst="straightConnector1">
+            <a:avLst/>
+          </a:prstGeom>
+          <a:ln w="38100">
+            <a:tailEnd type="triangle"/>
+          </a:ln>
+        </p:spPr>
+        <p:style>
+          <a:lnRef idx="1">
+            <a:schemeClr val="accent1"/>
+          </a:lnRef>
+          <a:fillRef idx="0">
+            <a:schemeClr val="accent1"/>
+          </a:fillRef>
+          <a:effectRef idx="0">
+            <a:schemeClr val="accent1"/>
+          </a:effectRef>
+          <a:fontRef idx="minor">
+            <a:schemeClr val="tx1"/>
+          </a:fontRef>
+        </p:style>
+      </p:cxnSp>
+      <p:cxnSp>
+        <p:nvCxnSpPr>
+          <p:cNvPr id="119" name="Straight Arrow Connector 118">
+            <a:extLst>
+              <a:ext uri="{FF2B5EF4-FFF2-40B4-BE49-F238E27FC236}">
+                <a16:creationId xmlns:a16="http://schemas.microsoft.com/office/drawing/2014/main" id="{FB94C517-6071-B4E6-00CB-62D5A2A2D906}"/>
+              </a:ext>
+            </a:extLst>
+          </p:cNvPr>
+          <p:cNvCxnSpPr>
+            <a:cxnSpLocks/>
+            <a:stCxn id="114" idx="4"/>
+            <a:endCxn id="5" idx="0"/>
+          </p:cNvCxnSpPr>
+          <p:nvPr/>
+        </p:nvCxnSpPr>
+        <p:spPr>
+          <a:xfrm>
+            <a:off x="4208804" y="1075805"/>
+            <a:ext cx="1" cy="3012425"/>
+          </a:xfrm>
+          <a:prstGeom prst="straightConnector1">
+            <a:avLst/>
+          </a:prstGeom>
+          <a:ln w="38100">
+            <a:tailEnd type="triangle"/>
+          </a:ln>
+        </p:spPr>
+        <p:style>
+          <a:lnRef idx="1">
+            <a:schemeClr val="accent1"/>
+          </a:lnRef>
+          <a:fillRef idx="0">
+            <a:schemeClr val="accent1"/>
+          </a:fillRef>
+          <a:effectRef idx="0">
+            <a:schemeClr val="accent1"/>
+          </a:effectRef>
+          <a:fontRef idx="minor">
+            <a:schemeClr val="tx1"/>
+          </a:fontRef>
+        </p:style>
+      </p:cxnSp>
+      <p:cxnSp>
+        <p:nvCxnSpPr>
+          <p:cNvPr id="122" name="Straight Arrow Connector 121">
+            <a:extLst>
+              <a:ext uri="{FF2B5EF4-FFF2-40B4-BE49-F238E27FC236}">
+                <a16:creationId xmlns:a16="http://schemas.microsoft.com/office/drawing/2014/main" id="{5BDE53B5-9159-919C-E364-6FF03BFA6D1C}"/>
+              </a:ext>
+            </a:extLst>
+          </p:cNvPr>
+          <p:cNvCxnSpPr>
+            <a:cxnSpLocks/>
+            <a:stCxn id="114" idx="4"/>
+            <a:endCxn id="6" idx="0"/>
+          </p:cNvCxnSpPr>
+          <p:nvPr/>
+        </p:nvCxnSpPr>
+        <p:spPr>
+          <a:xfrm>
+            <a:off x="4208804" y="1075805"/>
+            <a:ext cx="1887197" cy="3016923"/>
+          </a:xfrm>
+          <a:prstGeom prst="straightConnector1">
+            <a:avLst/>
+          </a:prstGeom>
+          <a:ln w="38100">
+            <a:tailEnd type="triangle"/>
+          </a:ln>
+        </p:spPr>
+        <p:style>
+          <a:lnRef idx="1">
+            <a:schemeClr val="accent1"/>
+          </a:lnRef>
+          <a:fillRef idx="0">
+            <a:schemeClr val="accent1"/>
+          </a:fillRef>
+          <a:effectRef idx="0">
+            <a:schemeClr val="accent1"/>
+          </a:effectRef>
+          <a:fontRef idx="minor">
+            <a:schemeClr val="tx1"/>
+          </a:fontRef>
+        </p:style>
+      </p:cxnSp>
+      <p:sp>
+        <p:nvSpPr>
+          <p:cNvPr id="131" name="TextBox 130">
+            <a:extLst>
+              <a:ext uri="{FF2B5EF4-FFF2-40B4-BE49-F238E27FC236}">
+                <a16:creationId xmlns:a16="http://schemas.microsoft.com/office/drawing/2014/main" id="{F24D1587-440B-5F45-F74C-67B4EE1369CB}"/>
+              </a:ext>
+            </a:extLst>
+          </p:cNvPr>
+          <p:cNvSpPr txBox="1"/>
+          <p:nvPr/>
+        </p:nvSpPr>
+        <p:spPr>
+          <a:xfrm>
+            <a:off x="3662484" y="1034393"/>
+            <a:ext cx="873735" cy="400110"/>
+          </a:xfrm>
+          <a:prstGeom prst="rect">
+            <a:avLst/>
+          </a:prstGeom>
+          <a:noFill/>
+        </p:spPr>
+        <p:txBody>
+          <a:bodyPr wrap="square" rtlCol="0">
+            <a:spAutoFit/>
+          </a:bodyPr>
+          <a:lstStyle/>
+          <a:p>
+            <a:r>
+              <a:rPr lang="en-US" sz="2000" dirty="0">
+                <a:solidFill>
+                  <a:schemeClr val="accent1"/>
+                </a:solidFill>
+              </a:rPr>
+              <a:t>a1</a:t>
+            </a:r>
+          </a:p>
+        </p:txBody>
+      </p:sp>
+      <p:sp>
+        <p:nvSpPr>
+          <p:cNvPr id="137" name="TextBox 136">
+            <a:extLst>
+              <a:ext uri="{FF2B5EF4-FFF2-40B4-BE49-F238E27FC236}">
+                <a16:creationId xmlns:a16="http://schemas.microsoft.com/office/drawing/2014/main" id="{BF972997-02B8-9908-D9D1-8F3E66C11CBC}"/>
+              </a:ext>
+            </a:extLst>
+          </p:cNvPr>
+          <p:cNvSpPr txBox="1"/>
+          <p:nvPr/>
+        </p:nvSpPr>
+        <p:spPr>
+          <a:xfrm>
+            <a:off x="2825903" y="3713476"/>
+            <a:ext cx="873735" cy="400110"/>
+          </a:xfrm>
+          <a:prstGeom prst="rect">
+            <a:avLst/>
+          </a:prstGeom>
+          <a:noFill/>
+        </p:spPr>
+        <p:txBody>
+          <a:bodyPr wrap="square" rtlCol="0">
+            <a:spAutoFit/>
+          </a:bodyPr>
+          <a:lstStyle/>
+          <a:p>
+            <a:pPr algn="ctr"/>
+            <a:r>
+              <a:rPr lang="en-US" sz="2000" dirty="0"/>
+              <a:t>b1_2</a:t>
+            </a:r>
+          </a:p>
+        </p:txBody>
+      </p:sp>
+      <p:sp>
+        <p:nvSpPr>
+          <p:cNvPr id="138" name="TextBox 137">
+            <a:extLst>
+              <a:ext uri="{FF2B5EF4-FFF2-40B4-BE49-F238E27FC236}">
+                <a16:creationId xmlns:a16="http://schemas.microsoft.com/office/drawing/2014/main" id="{88812DE4-B333-D358-507F-B507F7ABEAE7}"/>
+              </a:ext>
+            </a:extLst>
+          </p:cNvPr>
+          <p:cNvSpPr txBox="1"/>
+          <p:nvPr/>
+        </p:nvSpPr>
+        <p:spPr>
+          <a:xfrm>
+            <a:off x="2806195" y="4790334"/>
+            <a:ext cx="873735" cy="400110"/>
+          </a:xfrm>
+          <a:prstGeom prst="rect">
+            <a:avLst/>
+          </a:prstGeom>
+          <a:noFill/>
+        </p:spPr>
+        <p:txBody>
+          <a:bodyPr wrap="square" rtlCol="0">
+            <a:spAutoFit/>
+          </a:bodyPr>
+          <a:lstStyle/>
+          <a:p>
+            <a:pPr algn="ctr"/>
+            <a:r>
+              <a:rPr lang="en-US" sz="2000" dirty="0"/>
+              <a:t>b2_1</a:t>
+            </a:r>
+          </a:p>
+        </p:txBody>
+      </p:sp>
+      <p:sp>
+        <p:nvSpPr>
+          <p:cNvPr id="142" name="TextBox 141">
+            <a:extLst>
+              <a:ext uri="{FF2B5EF4-FFF2-40B4-BE49-F238E27FC236}">
+                <a16:creationId xmlns:a16="http://schemas.microsoft.com/office/drawing/2014/main" id="{87520C67-4D91-4105-C20A-A756D0D22953}"/>
+              </a:ext>
+            </a:extLst>
+          </p:cNvPr>
+          <p:cNvSpPr txBox="1"/>
+          <p:nvPr/>
+        </p:nvSpPr>
+        <p:spPr>
+          <a:xfrm>
+            <a:off x="4721017" y="3713476"/>
+            <a:ext cx="873735" cy="400110"/>
+          </a:xfrm>
+          <a:prstGeom prst="rect">
+            <a:avLst/>
+          </a:prstGeom>
+          <a:noFill/>
+        </p:spPr>
+        <p:txBody>
+          <a:bodyPr wrap="square" rtlCol="0">
+            <a:spAutoFit/>
+          </a:bodyPr>
+          <a:lstStyle/>
+          <a:p>
+            <a:pPr algn="ctr"/>
+            <a:r>
+              <a:rPr lang="en-US" sz="2000" dirty="0"/>
+              <a:t>b2_3</a:t>
+            </a:r>
+          </a:p>
+        </p:txBody>
+      </p:sp>
+      <p:sp>
+        <p:nvSpPr>
+          <p:cNvPr id="143" name="TextBox 142">
+            <a:extLst>
+              <a:ext uri="{FF2B5EF4-FFF2-40B4-BE49-F238E27FC236}">
+                <a16:creationId xmlns:a16="http://schemas.microsoft.com/office/drawing/2014/main" id="{BB72B346-2FDE-2624-683F-57FE53E3A330}"/>
+              </a:ext>
+            </a:extLst>
+          </p:cNvPr>
+          <p:cNvSpPr txBox="1"/>
+          <p:nvPr/>
+        </p:nvSpPr>
+        <p:spPr>
+          <a:xfrm>
+            <a:off x="4701309" y="4790334"/>
+            <a:ext cx="873735" cy="400110"/>
+          </a:xfrm>
+          <a:prstGeom prst="rect">
+            <a:avLst/>
+          </a:prstGeom>
+          <a:noFill/>
+        </p:spPr>
+        <p:txBody>
+          <a:bodyPr wrap="square" rtlCol="0">
+            <a:spAutoFit/>
+          </a:bodyPr>
+          <a:lstStyle/>
+          <a:p>
+            <a:pPr algn="ctr"/>
+            <a:r>
+              <a:rPr lang="en-US" sz="2000" dirty="0"/>
+              <a:t>b3_2</a:t>
+            </a:r>
+          </a:p>
+        </p:txBody>
+      </p:sp>
+      <p:sp>
+        <p:nvSpPr>
+          <p:cNvPr id="144" name="TextBox 143">
+            <a:extLst>
+              <a:ext uri="{FF2B5EF4-FFF2-40B4-BE49-F238E27FC236}">
+                <a16:creationId xmlns:a16="http://schemas.microsoft.com/office/drawing/2014/main" id="{BCD37C0B-580B-2417-FEFD-B01F5F143336}"/>
+              </a:ext>
+            </a:extLst>
+          </p:cNvPr>
+          <p:cNvSpPr txBox="1"/>
+          <p:nvPr/>
+        </p:nvSpPr>
+        <p:spPr>
+          <a:xfrm>
+            <a:off x="6616443" y="3714299"/>
+            <a:ext cx="873735" cy="400110"/>
+          </a:xfrm>
+          <a:prstGeom prst="rect">
+            <a:avLst/>
+          </a:prstGeom>
+          <a:noFill/>
+        </p:spPr>
+        <p:txBody>
+          <a:bodyPr wrap="square" rtlCol="0">
+            <a:spAutoFit/>
+          </a:bodyPr>
+          <a:lstStyle/>
+          <a:p>
+            <a:pPr algn="ctr"/>
+            <a:r>
+              <a:rPr lang="en-US" sz="2000" dirty="0"/>
+              <a:t>b3_4</a:t>
+            </a:r>
+          </a:p>
+        </p:txBody>
+      </p:sp>
+      <p:sp>
+        <p:nvSpPr>
+          <p:cNvPr id="145" name="TextBox 144">
+            <a:extLst>
+              <a:ext uri="{FF2B5EF4-FFF2-40B4-BE49-F238E27FC236}">
+                <a16:creationId xmlns:a16="http://schemas.microsoft.com/office/drawing/2014/main" id="{003D3898-DFF3-5838-1BBD-ACF1BF00263B}"/>
+              </a:ext>
+            </a:extLst>
+          </p:cNvPr>
+          <p:cNvSpPr txBox="1"/>
+          <p:nvPr/>
+        </p:nvSpPr>
+        <p:spPr>
+          <a:xfrm>
+            <a:off x="6596735" y="4791157"/>
+            <a:ext cx="873735" cy="400110"/>
+          </a:xfrm>
+          <a:prstGeom prst="rect">
+            <a:avLst/>
+          </a:prstGeom>
+          <a:noFill/>
+        </p:spPr>
+        <p:txBody>
+          <a:bodyPr wrap="square" rtlCol="0">
+            <a:spAutoFit/>
+          </a:bodyPr>
+          <a:lstStyle/>
+          <a:p>
+            <a:pPr algn="ctr"/>
+            <a:r>
+              <a:rPr lang="en-US" sz="2000" dirty="0"/>
+              <a:t>b4_3</a:t>
+            </a:r>
+          </a:p>
+        </p:txBody>
+      </p:sp>
+      <p:sp>
+        <p:nvSpPr>
+          <p:cNvPr id="146" name="TextBox 145">
+            <a:extLst>
+              <a:ext uri="{FF2B5EF4-FFF2-40B4-BE49-F238E27FC236}">
+                <a16:creationId xmlns:a16="http://schemas.microsoft.com/office/drawing/2014/main" id="{96B2076E-551B-1F8C-C4F4-5094E7B9CECE}"/>
+              </a:ext>
+            </a:extLst>
+          </p:cNvPr>
+          <p:cNvSpPr txBox="1"/>
+          <p:nvPr/>
+        </p:nvSpPr>
+        <p:spPr>
+          <a:xfrm>
+            <a:off x="8483931" y="3711232"/>
+            <a:ext cx="873735" cy="400110"/>
+          </a:xfrm>
+          <a:prstGeom prst="rect">
+            <a:avLst/>
+          </a:prstGeom>
+          <a:noFill/>
+        </p:spPr>
+        <p:txBody>
+          <a:bodyPr wrap="square" rtlCol="0">
+            <a:spAutoFit/>
+          </a:bodyPr>
+          <a:lstStyle/>
+          <a:p>
+            <a:pPr algn="ctr"/>
+            <a:r>
+              <a:rPr lang="en-US" sz="2000" dirty="0"/>
+              <a:t>b3_4</a:t>
+            </a:r>
+          </a:p>
+        </p:txBody>
+      </p:sp>
+      <p:sp>
+        <p:nvSpPr>
+          <p:cNvPr id="147" name="TextBox 146">
+            <a:extLst>
+              <a:ext uri="{FF2B5EF4-FFF2-40B4-BE49-F238E27FC236}">
+                <a16:creationId xmlns:a16="http://schemas.microsoft.com/office/drawing/2014/main" id="{E61D4950-ECB0-D60F-2819-FDA51D76C7EC}"/>
+              </a:ext>
+            </a:extLst>
+          </p:cNvPr>
+          <p:cNvSpPr txBox="1"/>
+          <p:nvPr/>
+        </p:nvSpPr>
+        <p:spPr>
+          <a:xfrm>
+            <a:off x="8464223" y="4788090"/>
+            <a:ext cx="873735" cy="400110"/>
+          </a:xfrm>
+          <a:prstGeom prst="rect">
+            <a:avLst/>
+          </a:prstGeom>
+          <a:noFill/>
+        </p:spPr>
+        <p:txBody>
+          <a:bodyPr wrap="square" rtlCol="0">
+            <a:spAutoFit/>
+          </a:bodyPr>
+          <a:lstStyle/>
+          <a:p>
+            <a:pPr algn="ctr"/>
+            <a:r>
+              <a:rPr lang="en-US" sz="2000" dirty="0"/>
+              <a:t>b4_3</a:t>
+            </a:r>
+          </a:p>
+        </p:txBody>
+      </p:sp>
+      <p:sp>
+        <p:nvSpPr>
+          <p:cNvPr id="13" name="Oval 12">
+            <a:extLst>
+              <a:ext uri="{FF2B5EF4-FFF2-40B4-BE49-F238E27FC236}">
+                <a16:creationId xmlns:a16="http://schemas.microsoft.com/office/drawing/2014/main" id="{C0F8CB51-9680-54DD-D79B-5F5AE4FDD154}"/>
+              </a:ext>
+            </a:extLst>
+          </p:cNvPr>
+          <p:cNvSpPr/>
+          <p:nvPr/>
+        </p:nvSpPr>
+        <p:spPr>
+          <a:xfrm>
+            <a:off x="7546328" y="202070"/>
+            <a:ext cx="873735" cy="873735"/>
+          </a:xfrm>
+          <a:prstGeom prst="ellipse">
+            <a:avLst/>
+          </a:prstGeom>
+          <a:noFill/>
+          <a:ln w="38100">
+            <a:solidFill>
+              <a:schemeClr val="tx1"/>
+            </a:solidFill>
+          </a:ln>
+        </p:spPr>
+        <p:style>
+          <a:lnRef idx="2">
+            <a:schemeClr val="accent1">
+              <a:shade val="50000"/>
+            </a:schemeClr>
+          </a:lnRef>
+          <a:fillRef idx="1">
+            <a:schemeClr val="accent1"/>
+          </a:fillRef>
+          <a:effectRef idx="0">
+            <a:schemeClr val="accent1"/>
+          </a:effectRef>
+          <a:fontRef idx="minor">
+            <a:schemeClr val="lt1"/>
+          </a:fontRef>
+        </p:style>
+        <p:txBody>
+          <a:bodyPr rtlCol="0" anchor="ctr"/>
+          <a:lstStyle/>
+          <a:p>
+            <a:pPr algn="ctr"/>
+            <a:r>
+              <a:rPr lang="en-US" sz="2800" dirty="0">
+                <a:solidFill>
+                  <a:sysClr val="windowText" lastClr="000000"/>
+                </a:solidFill>
+              </a:rPr>
+              <a:t>f2</a:t>
+            </a:r>
+            <a:endParaRPr lang="en-US" sz="2400" dirty="0">
+              <a:solidFill>
+                <a:sysClr val="windowText" lastClr="000000"/>
+              </a:solidFill>
+            </a:endParaRPr>
+          </a:p>
+        </p:txBody>
+      </p:sp>
+      <p:cxnSp>
+        <p:nvCxnSpPr>
+          <p:cNvPr id="23" name="Straight Arrow Connector 22">
+            <a:extLst>
+              <a:ext uri="{FF2B5EF4-FFF2-40B4-BE49-F238E27FC236}">
+                <a16:creationId xmlns:a16="http://schemas.microsoft.com/office/drawing/2014/main" id="{DBE09BA1-9A16-8381-92F0-01B5FE5EF1FF}"/>
+              </a:ext>
+            </a:extLst>
+          </p:cNvPr>
+          <p:cNvCxnSpPr>
+            <a:cxnSpLocks/>
+            <a:stCxn id="13" idx="4"/>
+            <a:endCxn id="7" idx="0"/>
+          </p:cNvCxnSpPr>
+          <p:nvPr/>
+        </p:nvCxnSpPr>
+        <p:spPr>
+          <a:xfrm>
+            <a:off x="7983196" y="1075805"/>
+            <a:ext cx="1" cy="3012425"/>
+          </a:xfrm>
+          <a:prstGeom prst="straightConnector1">
+            <a:avLst/>
+          </a:prstGeom>
+          <a:ln w="38100">
+            <a:tailEnd type="triangle"/>
+          </a:ln>
+        </p:spPr>
+        <p:style>
+          <a:lnRef idx="1">
+            <a:schemeClr val="accent1"/>
+          </a:lnRef>
+          <a:fillRef idx="0">
+            <a:schemeClr val="accent1"/>
+          </a:fillRef>
+          <a:effectRef idx="0">
+            <a:schemeClr val="accent1"/>
+          </a:effectRef>
+          <a:fontRef idx="minor">
+            <a:schemeClr val="tx1"/>
+          </a:fontRef>
+        </p:style>
+      </p:cxnSp>
+      <p:cxnSp>
+        <p:nvCxnSpPr>
+          <p:cNvPr id="26" name="Straight Arrow Connector 25">
+            <a:extLst>
+              <a:ext uri="{FF2B5EF4-FFF2-40B4-BE49-F238E27FC236}">
+                <a16:creationId xmlns:a16="http://schemas.microsoft.com/office/drawing/2014/main" id="{1462F74C-1908-BAA6-265C-5AEA1F80DD80}"/>
+              </a:ext>
+            </a:extLst>
+          </p:cNvPr>
+          <p:cNvCxnSpPr>
+            <a:cxnSpLocks/>
+            <a:stCxn id="13" idx="4"/>
+            <a:endCxn id="8" idx="0"/>
+          </p:cNvCxnSpPr>
+          <p:nvPr/>
+        </p:nvCxnSpPr>
+        <p:spPr>
+          <a:xfrm>
+            <a:off x="7983196" y="1075805"/>
+            <a:ext cx="1887197" cy="3012425"/>
+          </a:xfrm>
+          <a:prstGeom prst="straightConnector1">
+            <a:avLst/>
+          </a:prstGeom>
+          <a:ln w="38100">
+            <a:tailEnd type="triangle"/>
+          </a:ln>
+        </p:spPr>
+        <p:style>
+          <a:lnRef idx="1">
+            <a:schemeClr val="accent1"/>
+          </a:lnRef>
+          <a:fillRef idx="0">
+            <a:schemeClr val="accent1"/>
+          </a:fillRef>
+          <a:effectRef idx="0">
+            <a:schemeClr val="accent1"/>
+          </a:effectRef>
+          <a:fontRef idx="minor">
+            <a:schemeClr val="tx1"/>
+          </a:fontRef>
+        </p:style>
+      </p:cxnSp>
+      <p:sp>
+        <p:nvSpPr>
+          <p:cNvPr id="34" name="TextBox 33">
+            <a:extLst>
+              <a:ext uri="{FF2B5EF4-FFF2-40B4-BE49-F238E27FC236}">
+                <a16:creationId xmlns:a16="http://schemas.microsoft.com/office/drawing/2014/main" id="{A3559D3C-674D-DDB0-1502-35858D517065}"/>
+              </a:ext>
+            </a:extLst>
+          </p:cNvPr>
+          <p:cNvSpPr txBox="1"/>
+          <p:nvPr/>
+        </p:nvSpPr>
+        <p:spPr>
+          <a:xfrm>
+            <a:off x="8092648" y="972102"/>
+            <a:ext cx="873735" cy="400110"/>
+          </a:xfrm>
+          <a:prstGeom prst="rect">
+            <a:avLst/>
+          </a:prstGeom>
+          <a:noFill/>
+        </p:spPr>
+        <p:txBody>
+          <a:bodyPr wrap="square" rtlCol="0">
+            <a:spAutoFit/>
+          </a:bodyPr>
+          <a:lstStyle/>
+          <a:p>
+            <a:r>
+              <a:rPr lang="en-US" sz="2000" dirty="0">
+                <a:solidFill>
+                  <a:schemeClr val="accent1"/>
+                </a:solidFill>
+              </a:rPr>
+              <a:t>a2</a:t>
+            </a:r>
+          </a:p>
+        </p:txBody>
+      </p:sp>
+    </p:spTree>
+    <p:extLst>
+      <p:ext uri="{BB962C8B-B14F-4D97-AF65-F5344CB8AC3E}">
+        <p14:creationId xmlns:p14="http://schemas.microsoft.com/office/powerpoint/2010/main" val="2547358880"/>
+      </p:ext>
+    </p:extLst>
+  </p:cSld>
+  <p:clrMapOvr>
+    <a:masterClrMapping/>
+  </p:clrMapOvr>
+</p:sld>
+</file>
+
+<file path=ppt/slides/slide7.xml><?xml version="1.0" encoding="utf-8"?>
+<p:sld xmlns:a="http://schemas.openxmlformats.org/drawingml/2006/main" xmlns:r="http://schemas.openxmlformats.org/officeDocument/2006/relationships" xmlns:p="http://schemas.openxmlformats.org/presentationml/2006/main">
+  <p:cSld>
+    <p:spTree>
+      <p:nvGrpSpPr>
+        <p:cNvPr id="1" name=""/>
+        <p:cNvGrpSpPr/>
+        <p:nvPr/>
+      </p:nvGrpSpPr>
+      <p:grpSpPr>
+        <a:xfrm>
+          <a:off x="0" y="0"/>
+          <a:ext cx="0" cy="0"/>
+          <a:chOff x="0" y="0"/>
+          <a:chExt cx="0" cy="0"/>
+        </a:xfrm>
+      </p:grpSpPr>
+      <p:sp>
+        <p:nvSpPr>
+          <p:cNvPr id="10" name="Oval 9">
+            <a:extLst>
+              <a:ext uri="{FF2B5EF4-FFF2-40B4-BE49-F238E27FC236}">
+                <a16:creationId xmlns:a16="http://schemas.microsoft.com/office/drawing/2014/main" id="{BF4011EB-C4AF-1B3E-775F-9EE5E034DA96}"/>
+              </a:ext>
+            </a:extLst>
+          </p:cNvPr>
+          <p:cNvSpPr/>
+          <p:nvPr/>
+        </p:nvSpPr>
+        <p:spPr>
+          <a:xfrm>
+            <a:off x="3662484" y="3908425"/>
+            <a:ext cx="1092641" cy="1092641"/>
+          </a:xfrm>
+          <a:prstGeom prst="ellipse">
+            <a:avLst/>
+          </a:prstGeom>
+          <a:noFill/>
+          <a:ln>
+            <a:noFill/>
+          </a:ln>
+        </p:spPr>
+        <p:style>
+          <a:lnRef idx="2">
+            <a:schemeClr val="accent1">
+              <a:shade val="50000"/>
+            </a:schemeClr>
+          </a:lnRef>
+          <a:fillRef idx="1">
+            <a:schemeClr val="accent1"/>
+          </a:fillRef>
+          <a:effectRef idx="0">
+            <a:schemeClr val="accent1"/>
+          </a:effectRef>
+          <a:fontRef idx="minor">
+            <a:schemeClr val="lt1"/>
+          </a:fontRef>
+        </p:style>
+        <p:txBody>
+          <a:bodyPr rtlCol="0" anchor="ctr"/>
+          <a:lstStyle/>
+          <a:p>
+            <a:pPr algn="ctr"/>
+            <a:endParaRPr lang="en-US"/>
+          </a:p>
+        </p:txBody>
+      </p:sp>
+      <p:sp>
+        <p:nvSpPr>
+          <p:cNvPr id="28" name="Oval 27">
+            <a:extLst>
+              <a:ext uri="{FF2B5EF4-FFF2-40B4-BE49-F238E27FC236}">
+                <a16:creationId xmlns:a16="http://schemas.microsoft.com/office/drawing/2014/main" id="{9AB9075A-1E37-CD09-1E56-2650E83E5707}"/>
+              </a:ext>
+            </a:extLst>
+          </p:cNvPr>
+          <p:cNvSpPr/>
+          <p:nvPr/>
+        </p:nvSpPr>
+        <p:spPr>
+          <a:xfrm>
+            <a:off x="5549680" y="3902856"/>
+            <a:ext cx="1092641" cy="1092641"/>
+          </a:xfrm>
+          <a:prstGeom prst="ellipse">
+            <a:avLst/>
+          </a:prstGeom>
+          <a:noFill/>
+          <a:ln>
+            <a:noFill/>
+          </a:ln>
+        </p:spPr>
+        <p:style>
+          <a:lnRef idx="2">
+            <a:schemeClr val="accent1">
+              <a:shade val="50000"/>
+            </a:schemeClr>
+          </a:lnRef>
+          <a:fillRef idx="1">
+            <a:schemeClr val="accent1"/>
+          </a:fillRef>
+          <a:effectRef idx="0">
+            <a:schemeClr val="accent1"/>
+          </a:effectRef>
+          <a:fontRef idx="minor">
+            <a:schemeClr val="lt1"/>
+          </a:fontRef>
+        </p:style>
+        <p:txBody>
+          <a:bodyPr rtlCol="0" anchor="ctr"/>
+          <a:lstStyle/>
+          <a:p>
+            <a:pPr algn="ctr"/>
+            <a:endParaRPr lang="en-US"/>
+          </a:p>
+        </p:txBody>
+      </p:sp>
+      <p:sp>
+        <p:nvSpPr>
+          <p:cNvPr id="29" name="Oval 28">
+            <a:extLst>
+              <a:ext uri="{FF2B5EF4-FFF2-40B4-BE49-F238E27FC236}">
+                <a16:creationId xmlns:a16="http://schemas.microsoft.com/office/drawing/2014/main" id="{8C288974-13A7-5664-F068-CB2A1B62012D}"/>
+              </a:ext>
+            </a:extLst>
+          </p:cNvPr>
+          <p:cNvSpPr/>
+          <p:nvPr/>
+        </p:nvSpPr>
+        <p:spPr>
+          <a:xfrm>
+            <a:off x="7436876" y="3902856"/>
+            <a:ext cx="1092641" cy="1092641"/>
+          </a:xfrm>
+          <a:prstGeom prst="ellipse">
+            <a:avLst/>
+          </a:prstGeom>
+          <a:noFill/>
+          <a:ln>
+            <a:noFill/>
+          </a:ln>
+        </p:spPr>
+        <p:style>
+          <a:lnRef idx="2">
+            <a:schemeClr val="accent1">
+              <a:shade val="50000"/>
+            </a:schemeClr>
+          </a:lnRef>
+          <a:fillRef idx="1">
+            <a:schemeClr val="accent1"/>
+          </a:fillRef>
+          <a:effectRef idx="0">
+            <a:schemeClr val="accent1"/>
+          </a:effectRef>
+          <a:fontRef idx="minor">
+            <a:schemeClr val="lt1"/>
+          </a:fontRef>
+        </p:style>
+        <p:txBody>
+          <a:bodyPr rtlCol="0" anchor="ctr"/>
+          <a:lstStyle/>
+          <a:p>
+            <a:pPr algn="ctr"/>
+            <a:endParaRPr lang="en-US"/>
+          </a:p>
+        </p:txBody>
+      </p:sp>
+      <p:sp>
+        <p:nvSpPr>
+          <p:cNvPr id="30" name="Oval 29">
+            <a:extLst>
+              <a:ext uri="{FF2B5EF4-FFF2-40B4-BE49-F238E27FC236}">
+                <a16:creationId xmlns:a16="http://schemas.microsoft.com/office/drawing/2014/main" id="{DEDA2729-7DE1-E4A7-5B28-9CAC17162275}"/>
+              </a:ext>
+            </a:extLst>
+          </p:cNvPr>
+          <p:cNvSpPr/>
+          <p:nvPr/>
+        </p:nvSpPr>
+        <p:spPr>
+          <a:xfrm>
+            <a:off x="9324072" y="3902855"/>
+            <a:ext cx="1092641" cy="1092641"/>
+          </a:xfrm>
+          <a:prstGeom prst="ellipse">
+            <a:avLst/>
+          </a:prstGeom>
+          <a:noFill/>
+          <a:ln>
+            <a:noFill/>
+          </a:ln>
+        </p:spPr>
+        <p:style>
+          <a:lnRef idx="2">
+            <a:schemeClr val="accent1">
+              <a:shade val="50000"/>
+            </a:schemeClr>
+          </a:lnRef>
+          <a:fillRef idx="1">
+            <a:schemeClr val="accent1"/>
+          </a:fillRef>
+          <a:effectRef idx="0">
+            <a:schemeClr val="accent1"/>
+          </a:effectRef>
+          <a:fontRef idx="minor">
+            <a:schemeClr val="lt1"/>
+          </a:fontRef>
+        </p:style>
+        <p:txBody>
+          <a:bodyPr rtlCol="0" anchor="ctr"/>
+          <a:lstStyle/>
+          <a:p>
+            <a:pPr algn="ctr"/>
+            <a:endParaRPr lang="en-US"/>
+          </a:p>
+        </p:txBody>
+      </p:sp>
+      <p:sp>
+        <p:nvSpPr>
+          <p:cNvPr id="31" name="Oval 30">
+            <a:extLst>
+              <a:ext uri="{FF2B5EF4-FFF2-40B4-BE49-F238E27FC236}">
+                <a16:creationId xmlns:a16="http://schemas.microsoft.com/office/drawing/2014/main" id="{D68BED49-0540-0AEE-078E-DEFB0A1F6ABD}"/>
+              </a:ext>
+            </a:extLst>
+          </p:cNvPr>
+          <p:cNvSpPr/>
+          <p:nvPr/>
+        </p:nvSpPr>
+        <p:spPr>
+          <a:xfrm>
+            <a:off x="1775288" y="3902854"/>
+            <a:ext cx="1092641" cy="1092641"/>
+          </a:xfrm>
+          <a:prstGeom prst="ellipse">
+            <a:avLst/>
+          </a:prstGeom>
+          <a:noFill/>
+          <a:ln>
+            <a:noFill/>
+          </a:ln>
+        </p:spPr>
+        <p:style>
+          <a:lnRef idx="2">
+            <a:schemeClr val="accent1">
+              <a:shade val="50000"/>
+            </a:schemeClr>
+          </a:lnRef>
+          <a:fillRef idx="1">
+            <a:schemeClr val="accent1"/>
+          </a:fillRef>
+          <a:effectRef idx="0">
+            <a:schemeClr val="accent1"/>
+          </a:effectRef>
+          <a:fontRef idx="minor">
+            <a:schemeClr val="lt1"/>
+          </a:fontRef>
+        </p:style>
+        <p:txBody>
+          <a:bodyPr rtlCol="0" anchor="ctr"/>
+          <a:lstStyle/>
+          <a:p>
+            <a:pPr algn="ctr"/>
+            <a:endParaRPr lang="en-US"/>
+          </a:p>
+        </p:txBody>
+      </p:sp>
+      <p:sp>
+        <p:nvSpPr>
+          <p:cNvPr id="4" name="Rectangle 3">
+            <a:extLst>
+              <a:ext uri="{FF2B5EF4-FFF2-40B4-BE49-F238E27FC236}">
+                <a16:creationId xmlns:a16="http://schemas.microsoft.com/office/drawing/2014/main" id="{34C38060-D897-056A-37F4-92FEF15BEF12}"/>
+              </a:ext>
+            </a:extLst>
+          </p:cNvPr>
+          <p:cNvSpPr/>
+          <p:nvPr/>
+        </p:nvSpPr>
+        <p:spPr>
+          <a:xfrm>
+            <a:off x="1960661" y="4088230"/>
+            <a:ext cx="721895" cy="721895"/>
+          </a:xfrm>
+          <a:prstGeom prst="rect">
+            <a:avLst/>
+          </a:prstGeom>
+          <a:solidFill>
+            <a:schemeClr val="bg1"/>
+          </a:solidFill>
+          <a:ln w="38100">
+            <a:solidFill>
+              <a:schemeClr val="tx1"/>
+            </a:solidFill>
+          </a:ln>
+        </p:spPr>
+        <p:style>
+          <a:lnRef idx="2">
+            <a:schemeClr val="accent1">
+              <a:shade val="50000"/>
+            </a:schemeClr>
+          </a:lnRef>
+          <a:fillRef idx="1">
+            <a:schemeClr val="accent1"/>
+          </a:fillRef>
+          <a:effectRef idx="0">
+            <a:schemeClr val="accent1"/>
+          </a:effectRef>
+          <a:fontRef idx="minor">
+            <a:schemeClr val="lt1"/>
+          </a:fontRef>
+        </p:style>
+        <p:txBody>
+          <a:bodyPr rtlCol="0" anchor="ctr"/>
+          <a:lstStyle/>
+          <a:p>
+            <a:pPr algn="ctr"/>
+            <a:r>
+              <a:rPr lang="en-US" sz="2800" dirty="0">
+                <a:solidFill>
+                  <a:sysClr val="windowText" lastClr="000000"/>
+                </a:solidFill>
+              </a:rPr>
+              <a:t>x1</a:t>
+            </a:r>
+          </a:p>
+        </p:txBody>
+      </p:sp>
+      <p:sp>
+        <p:nvSpPr>
+          <p:cNvPr id="5" name="Rectangle 4">
+            <a:extLst>
+              <a:ext uri="{FF2B5EF4-FFF2-40B4-BE49-F238E27FC236}">
+                <a16:creationId xmlns:a16="http://schemas.microsoft.com/office/drawing/2014/main" id="{E74C353B-173E-76F7-D850-8B61EBF5AA1A}"/>
+              </a:ext>
+            </a:extLst>
+          </p:cNvPr>
+          <p:cNvSpPr/>
+          <p:nvPr/>
+        </p:nvSpPr>
+        <p:spPr>
+          <a:xfrm>
+            <a:off x="3847857" y="4088230"/>
+            <a:ext cx="721895" cy="721895"/>
+          </a:xfrm>
+          <a:prstGeom prst="rect">
+            <a:avLst/>
+          </a:prstGeom>
+          <a:solidFill>
+            <a:schemeClr val="bg1"/>
+          </a:solidFill>
+          <a:ln w="38100">
+            <a:solidFill>
+              <a:schemeClr val="tx1"/>
+            </a:solidFill>
+          </a:ln>
+        </p:spPr>
+        <p:style>
+          <a:lnRef idx="2">
+            <a:schemeClr val="accent1">
+              <a:shade val="50000"/>
+            </a:schemeClr>
+          </a:lnRef>
+          <a:fillRef idx="1">
+            <a:schemeClr val="accent1"/>
+          </a:fillRef>
+          <a:effectRef idx="0">
+            <a:schemeClr val="accent1"/>
+          </a:effectRef>
+          <a:fontRef idx="minor">
+            <a:schemeClr val="lt1"/>
+          </a:fontRef>
+        </p:style>
+        <p:txBody>
+          <a:bodyPr rtlCol="0" anchor="ctr"/>
+          <a:lstStyle/>
+          <a:p>
+            <a:pPr algn="ctr"/>
+            <a:r>
+              <a:rPr lang="en-US" sz="2800" dirty="0">
+                <a:solidFill>
+                  <a:sysClr val="windowText" lastClr="000000"/>
+                </a:solidFill>
+              </a:rPr>
+              <a:t>x2</a:t>
+            </a:r>
+          </a:p>
+        </p:txBody>
+      </p:sp>
+      <p:sp>
+        <p:nvSpPr>
+          <p:cNvPr id="6" name="Rectangle 5">
+            <a:extLst>
+              <a:ext uri="{FF2B5EF4-FFF2-40B4-BE49-F238E27FC236}">
+                <a16:creationId xmlns:a16="http://schemas.microsoft.com/office/drawing/2014/main" id="{2637EFCF-F81B-C1E2-03D9-FADDC15501C1}"/>
+              </a:ext>
+            </a:extLst>
+          </p:cNvPr>
+          <p:cNvSpPr/>
+          <p:nvPr/>
+        </p:nvSpPr>
+        <p:spPr>
+          <a:xfrm>
+            <a:off x="5735053" y="4092728"/>
+            <a:ext cx="721895" cy="721895"/>
+          </a:xfrm>
+          <a:prstGeom prst="rect">
+            <a:avLst/>
+          </a:prstGeom>
+          <a:solidFill>
+            <a:schemeClr val="bg1"/>
+          </a:solidFill>
+          <a:ln w="38100">
+            <a:solidFill>
+              <a:schemeClr val="tx1"/>
+            </a:solidFill>
+          </a:ln>
+        </p:spPr>
+        <p:style>
+          <a:lnRef idx="2">
+            <a:schemeClr val="accent1">
+              <a:shade val="50000"/>
+            </a:schemeClr>
+          </a:lnRef>
+          <a:fillRef idx="1">
+            <a:schemeClr val="accent1"/>
+          </a:fillRef>
+          <a:effectRef idx="0">
+            <a:schemeClr val="accent1"/>
+          </a:effectRef>
+          <a:fontRef idx="minor">
+            <a:schemeClr val="lt1"/>
+          </a:fontRef>
+        </p:style>
+        <p:txBody>
+          <a:bodyPr rtlCol="0" anchor="ctr"/>
+          <a:lstStyle/>
+          <a:p>
+            <a:pPr algn="ctr"/>
+            <a:r>
+              <a:rPr lang="en-US" sz="2800" dirty="0">
+                <a:solidFill>
+                  <a:sysClr val="windowText" lastClr="000000"/>
+                </a:solidFill>
+              </a:rPr>
+              <a:t>x3</a:t>
+            </a:r>
+          </a:p>
+        </p:txBody>
+      </p:sp>
+      <p:sp>
+        <p:nvSpPr>
+          <p:cNvPr id="7" name="Rectangle 6">
+            <a:extLst>
+              <a:ext uri="{FF2B5EF4-FFF2-40B4-BE49-F238E27FC236}">
+                <a16:creationId xmlns:a16="http://schemas.microsoft.com/office/drawing/2014/main" id="{B50A1607-1C9A-E123-A5B5-24EB3B8DE911}"/>
+              </a:ext>
+            </a:extLst>
+          </p:cNvPr>
+          <p:cNvSpPr/>
+          <p:nvPr/>
+        </p:nvSpPr>
+        <p:spPr>
+          <a:xfrm>
+            <a:off x="7622249" y="4088230"/>
+            <a:ext cx="721895" cy="721895"/>
+          </a:xfrm>
+          <a:prstGeom prst="rect">
+            <a:avLst/>
+          </a:prstGeom>
+          <a:solidFill>
+            <a:schemeClr val="bg1"/>
+          </a:solidFill>
+          <a:ln w="38100">
+            <a:solidFill>
+              <a:schemeClr val="tx1"/>
+            </a:solidFill>
+          </a:ln>
+        </p:spPr>
+        <p:style>
+          <a:lnRef idx="2">
+            <a:schemeClr val="accent1">
+              <a:shade val="50000"/>
+            </a:schemeClr>
+          </a:lnRef>
+          <a:fillRef idx="1">
+            <a:schemeClr val="accent1"/>
+          </a:fillRef>
+          <a:effectRef idx="0">
+            <a:schemeClr val="accent1"/>
+          </a:effectRef>
+          <a:fontRef idx="minor">
+            <a:schemeClr val="lt1"/>
+          </a:fontRef>
+        </p:style>
+        <p:txBody>
+          <a:bodyPr rtlCol="0" anchor="ctr"/>
+          <a:lstStyle/>
+          <a:p>
+            <a:pPr algn="ctr"/>
+            <a:r>
+              <a:rPr lang="en-US" sz="2800" dirty="0">
+                <a:solidFill>
+                  <a:sysClr val="windowText" lastClr="000000"/>
+                </a:solidFill>
+              </a:rPr>
+              <a:t>x4</a:t>
+            </a:r>
+          </a:p>
+        </p:txBody>
+      </p:sp>
+      <p:sp>
+        <p:nvSpPr>
+          <p:cNvPr id="8" name="Rectangle 7">
+            <a:extLst>
+              <a:ext uri="{FF2B5EF4-FFF2-40B4-BE49-F238E27FC236}">
+                <a16:creationId xmlns:a16="http://schemas.microsoft.com/office/drawing/2014/main" id="{7905FBFD-6164-641F-FAFE-FD5DD5269403}"/>
+              </a:ext>
+            </a:extLst>
+          </p:cNvPr>
+          <p:cNvSpPr/>
+          <p:nvPr/>
+        </p:nvSpPr>
+        <p:spPr>
+          <a:xfrm>
+            <a:off x="9509445" y="4088230"/>
+            <a:ext cx="721895" cy="721895"/>
+          </a:xfrm>
+          <a:prstGeom prst="rect">
+            <a:avLst/>
+          </a:prstGeom>
+          <a:solidFill>
+            <a:schemeClr val="bg1"/>
+          </a:solidFill>
+          <a:ln w="38100">
+            <a:solidFill>
+              <a:schemeClr val="tx1"/>
+            </a:solidFill>
+          </a:ln>
+        </p:spPr>
+        <p:style>
+          <a:lnRef idx="2">
+            <a:schemeClr val="accent1">
+              <a:shade val="50000"/>
+            </a:schemeClr>
+          </a:lnRef>
+          <a:fillRef idx="1">
+            <a:schemeClr val="accent1"/>
+          </a:fillRef>
+          <a:effectRef idx="0">
+            <a:schemeClr val="accent1"/>
+          </a:effectRef>
+          <a:fontRef idx="minor">
+            <a:schemeClr val="lt1"/>
+          </a:fontRef>
+        </p:style>
+        <p:txBody>
+          <a:bodyPr rtlCol="0" anchor="ctr"/>
+          <a:lstStyle/>
+          <a:p>
+            <a:pPr algn="ctr"/>
+            <a:r>
+              <a:rPr lang="en-US" sz="2800" dirty="0">
+                <a:solidFill>
+                  <a:sysClr val="windowText" lastClr="000000"/>
+                </a:solidFill>
+              </a:rPr>
+              <a:t>x5</a:t>
+            </a:r>
+          </a:p>
+        </p:txBody>
+      </p:sp>
+      <p:cxnSp>
+        <p:nvCxnSpPr>
+          <p:cNvPr id="33" name="Connector: Curved 32">
+            <a:extLst>
+              <a:ext uri="{FF2B5EF4-FFF2-40B4-BE49-F238E27FC236}">
+                <a16:creationId xmlns:a16="http://schemas.microsoft.com/office/drawing/2014/main" id="{DF809413-675F-0FBB-9173-50AF5B68429D}"/>
+              </a:ext>
+            </a:extLst>
+          </p:cNvPr>
+          <p:cNvCxnSpPr>
+            <a:cxnSpLocks/>
+            <a:stCxn id="31" idx="7"/>
+            <a:endCxn id="10" idx="1"/>
+          </p:cNvCxnSpPr>
+          <p:nvPr/>
+        </p:nvCxnSpPr>
+        <p:spPr>
+          <a:xfrm rot="16200000" flipH="1">
+            <a:off x="3262420" y="3508362"/>
+            <a:ext cx="5571" cy="1114583"/>
+          </a:xfrm>
+          <a:prstGeom prst="curvedConnector3">
+            <a:avLst>
+              <a:gd name="adj1" fmla="val -6975660"/>
+            </a:avLst>
+          </a:prstGeom>
+          <a:ln w="38100">
+            <a:solidFill>
+              <a:schemeClr val="tx1"/>
+            </a:solidFill>
+            <a:tailEnd type="triangle"/>
+          </a:ln>
+        </p:spPr>
+        <p:style>
+          <a:lnRef idx="1">
+            <a:schemeClr val="accent1"/>
+          </a:lnRef>
+          <a:fillRef idx="0">
+            <a:schemeClr val="accent1"/>
+          </a:fillRef>
+          <a:effectRef idx="0">
+            <a:schemeClr val="accent1"/>
+          </a:effectRef>
+          <a:fontRef idx="minor">
+            <a:schemeClr val="tx1"/>
+          </a:fontRef>
+        </p:style>
+      </p:cxnSp>
+      <p:cxnSp>
+        <p:nvCxnSpPr>
+          <p:cNvPr id="35" name="Connector: Curved 34">
+            <a:extLst>
+              <a:ext uri="{FF2B5EF4-FFF2-40B4-BE49-F238E27FC236}">
+                <a16:creationId xmlns:a16="http://schemas.microsoft.com/office/drawing/2014/main" id="{CA7D87EA-D967-D629-E85F-BDFCCB29617D}"/>
+              </a:ext>
+            </a:extLst>
+          </p:cNvPr>
+          <p:cNvCxnSpPr>
+            <a:cxnSpLocks/>
+            <a:stCxn id="10" idx="3"/>
+            <a:endCxn id="31" idx="5"/>
+          </p:cNvCxnSpPr>
+          <p:nvPr/>
+        </p:nvCxnSpPr>
+        <p:spPr>
+          <a:xfrm rot="5400000" flipH="1">
+            <a:off x="3262421" y="4280976"/>
+            <a:ext cx="5571" cy="1114583"/>
+          </a:xfrm>
+          <a:prstGeom prst="curvedConnector3">
+            <a:avLst>
+              <a:gd name="adj1" fmla="val -6975660"/>
+            </a:avLst>
+          </a:prstGeom>
+          <a:ln w="38100">
+            <a:solidFill>
+              <a:schemeClr val="tx1"/>
+            </a:solidFill>
+            <a:tailEnd type="triangle"/>
+          </a:ln>
+        </p:spPr>
+        <p:style>
+          <a:lnRef idx="1">
+            <a:schemeClr val="accent1"/>
+          </a:lnRef>
+          <a:fillRef idx="0">
+            <a:schemeClr val="accent1"/>
+          </a:fillRef>
+          <a:effectRef idx="0">
+            <a:schemeClr val="accent1"/>
+          </a:effectRef>
+          <a:fontRef idx="minor">
+            <a:schemeClr val="tx1"/>
+          </a:fontRef>
+        </p:style>
+      </p:cxnSp>
+      <p:cxnSp>
+        <p:nvCxnSpPr>
+          <p:cNvPr id="38" name="Connector: Curved 37">
+            <a:extLst>
+              <a:ext uri="{FF2B5EF4-FFF2-40B4-BE49-F238E27FC236}">
+                <a16:creationId xmlns:a16="http://schemas.microsoft.com/office/drawing/2014/main" id="{458DF521-E5A9-DD09-F6FC-2D3237794648}"/>
+              </a:ext>
+            </a:extLst>
+          </p:cNvPr>
+          <p:cNvCxnSpPr>
+            <a:cxnSpLocks/>
+            <a:stCxn id="10" idx="7"/>
+            <a:endCxn id="28" idx="1"/>
+          </p:cNvCxnSpPr>
+          <p:nvPr/>
+        </p:nvCxnSpPr>
+        <p:spPr>
+          <a:xfrm rot="5400000" flipH="1" flipV="1">
+            <a:off x="5149618" y="3508364"/>
+            <a:ext cx="5569" cy="1114583"/>
+          </a:xfrm>
+          <a:prstGeom prst="curvedConnector3">
+            <a:avLst>
+              <a:gd name="adj1" fmla="val 7078165"/>
+            </a:avLst>
+          </a:prstGeom>
+          <a:ln w="38100">
+            <a:solidFill>
+              <a:schemeClr val="tx1"/>
+            </a:solidFill>
+            <a:tailEnd type="triangle"/>
+          </a:ln>
+        </p:spPr>
+        <p:style>
+          <a:lnRef idx="1">
+            <a:schemeClr val="accent1"/>
+          </a:lnRef>
+          <a:fillRef idx="0">
+            <a:schemeClr val="accent1"/>
+          </a:fillRef>
+          <a:effectRef idx="0">
+            <a:schemeClr val="accent1"/>
+          </a:effectRef>
+          <a:fontRef idx="minor">
+            <a:schemeClr val="tx1"/>
+          </a:fontRef>
+        </p:style>
+      </p:cxnSp>
+      <p:cxnSp>
+        <p:nvCxnSpPr>
+          <p:cNvPr id="41" name="Connector: Curved 40">
+            <a:extLst>
+              <a:ext uri="{FF2B5EF4-FFF2-40B4-BE49-F238E27FC236}">
+                <a16:creationId xmlns:a16="http://schemas.microsoft.com/office/drawing/2014/main" id="{F16A2469-23A1-2F85-B685-C1C46036224E}"/>
+              </a:ext>
+            </a:extLst>
+          </p:cNvPr>
+          <p:cNvCxnSpPr>
+            <a:cxnSpLocks/>
+            <a:stCxn id="28" idx="7"/>
+            <a:endCxn id="29" idx="1"/>
+          </p:cNvCxnSpPr>
+          <p:nvPr/>
+        </p:nvCxnSpPr>
+        <p:spPr>
+          <a:xfrm rot="5400000" flipH="1" flipV="1">
+            <a:off x="7039598" y="3505579"/>
+            <a:ext cx="12700" cy="1114583"/>
+          </a:xfrm>
+          <a:prstGeom prst="curvedConnector3">
+            <a:avLst>
+              <a:gd name="adj1" fmla="val 3059953"/>
+            </a:avLst>
+          </a:prstGeom>
+          <a:ln w="38100">
+            <a:solidFill>
+              <a:schemeClr val="tx1"/>
+            </a:solidFill>
+            <a:tailEnd type="triangle"/>
+          </a:ln>
+        </p:spPr>
+        <p:style>
+          <a:lnRef idx="1">
+            <a:schemeClr val="accent1"/>
+          </a:lnRef>
+          <a:fillRef idx="0">
+            <a:schemeClr val="accent1"/>
+          </a:fillRef>
+          <a:effectRef idx="0">
+            <a:schemeClr val="accent1"/>
+          </a:effectRef>
+          <a:fontRef idx="minor">
+            <a:schemeClr val="tx1"/>
+          </a:fontRef>
+        </p:style>
+      </p:cxnSp>
+      <p:cxnSp>
+        <p:nvCxnSpPr>
+          <p:cNvPr id="44" name="Connector: Curved 43">
+            <a:extLst>
+              <a:ext uri="{FF2B5EF4-FFF2-40B4-BE49-F238E27FC236}">
+                <a16:creationId xmlns:a16="http://schemas.microsoft.com/office/drawing/2014/main" id="{9B8417D0-31B0-36F8-FDAD-BBDF8B8310EE}"/>
+              </a:ext>
+            </a:extLst>
+          </p:cNvPr>
+          <p:cNvCxnSpPr>
+            <a:cxnSpLocks/>
+            <a:stCxn id="29" idx="7"/>
+            <a:endCxn id="30" idx="1"/>
+          </p:cNvCxnSpPr>
+          <p:nvPr/>
+        </p:nvCxnSpPr>
+        <p:spPr>
+          <a:xfrm rot="5400000" flipH="1" flipV="1">
+            <a:off x="8926794" y="3505579"/>
+            <a:ext cx="1" cy="1114583"/>
+          </a:xfrm>
+          <a:prstGeom prst="curvedConnector3">
+            <a:avLst>
+              <a:gd name="adj1" fmla="val 38861500000"/>
+            </a:avLst>
+          </a:prstGeom>
+          <a:ln w="38100">
+            <a:solidFill>
+              <a:schemeClr val="tx1"/>
+            </a:solidFill>
+            <a:tailEnd type="triangle"/>
+          </a:ln>
+        </p:spPr>
+        <p:style>
+          <a:lnRef idx="1">
+            <a:schemeClr val="accent1"/>
+          </a:lnRef>
+          <a:fillRef idx="0">
+            <a:schemeClr val="accent1"/>
+          </a:fillRef>
+          <a:effectRef idx="0">
+            <a:schemeClr val="accent1"/>
+          </a:effectRef>
+          <a:fontRef idx="minor">
+            <a:schemeClr val="tx1"/>
+          </a:fontRef>
+        </p:style>
+      </p:cxnSp>
+      <p:cxnSp>
+        <p:nvCxnSpPr>
+          <p:cNvPr id="47" name="Connector: Curved 46">
+            <a:extLst>
+              <a:ext uri="{FF2B5EF4-FFF2-40B4-BE49-F238E27FC236}">
+                <a16:creationId xmlns:a16="http://schemas.microsoft.com/office/drawing/2014/main" id="{8D588909-3357-633D-E626-E6F444F1AD55}"/>
+              </a:ext>
+            </a:extLst>
+          </p:cNvPr>
+          <p:cNvCxnSpPr>
+            <a:cxnSpLocks/>
+            <a:stCxn id="30" idx="3"/>
+            <a:endCxn id="29" idx="5"/>
+          </p:cNvCxnSpPr>
+          <p:nvPr/>
+        </p:nvCxnSpPr>
+        <p:spPr>
+          <a:xfrm rot="5400000">
+            <a:off x="8926795" y="4278191"/>
+            <a:ext cx="1" cy="1114583"/>
+          </a:xfrm>
+          <a:prstGeom prst="curvedConnector3">
+            <a:avLst>
+              <a:gd name="adj1" fmla="val 38861500000"/>
+            </a:avLst>
+          </a:prstGeom>
+          <a:ln w="38100">
+            <a:solidFill>
+              <a:schemeClr val="tx1"/>
+            </a:solidFill>
+            <a:tailEnd type="triangle"/>
+          </a:ln>
+        </p:spPr>
+        <p:style>
+          <a:lnRef idx="1">
+            <a:schemeClr val="accent1"/>
+          </a:lnRef>
+          <a:fillRef idx="0">
+            <a:schemeClr val="accent1"/>
+          </a:fillRef>
+          <a:effectRef idx="0">
+            <a:schemeClr val="accent1"/>
+          </a:effectRef>
+          <a:fontRef idx="minor">
+            <a:schemeClr val="tx1"/>
+          </a:fontRef>
+        </p:style>
+      </p:cxnSp>
+      <p:cxnSp>
+        <p:nvCxnSpPr>
+          <p:cNvPr id="50" name="Connector: Curved 49">
+            <a:extLst>
+              <a:ext uri="{FF2B5EF4-FFF2-40B4-BE49-F238E27FC236}">
+                <a16:creationId xmlns:a16="http://schemas.microsoft.com/office/drawing/2014/main" id="{B00969E8-B9F6-ABF8-109F-51B0AAF4CC83}"/>
+              </a:ext>
+            </a:extLst>
+          </p:cNvPr>
+          <p:cNvCxnSpPr>
+            <a:cxnSpLocks/>
+            <a:stCxn id="29" idx="3"/>
+            <a:endCxn id="28" idx="5"/>
+          </p:cNvCxnSpPr>
+          <p:nvPr/>
+        </p:nvCxnSpPr>
+        <p:spPr>
+          <a:xfrm rot="5400000">
+            <a:off x="7039599" y="4278192"/>
+            <a:ext cx="12700" cy="1114583"/>
+          </a:xfrm>
+          <a:prstGeom prst="curvedConnector3">
+            <a:avLst>
+              <a:gd name="adj1" fmla="val 3059953"/>
+            </a:avLst>
+          </a:prstGeom>
+          <a:ln w="38100">
+            <a:solidFill>
+              <a:schemeClr val="tx1"/>
+            </a:solidFill>
+            <a:tailEnd type="triangle"/>
+          </a:ln>
+        </p:spPr>
+        <p:style>
+          <a:lnRef idx="1">
+            <a:schemeClr val="accent1"/>
+          </a:lnRef>
+          <a:fillRef idx="0">
+            <a:schemeClr val="accent1"/>
+          </a:fillRef>
+          <a:effectRef idx="0">
+            <a:schemeClr val="accent1"/>
+          </a:effectRef>
+          <a:fontRef idx="minor">
+            <a:schemeClr val="tx1"/>
+          </a:fontRef>
+        </p:style>
+      </p:cxnSp>
+      <p:cxnSp>
+        <p:nvCxnSpPr>
+          <p:cNvPr id="53" name="Connector: Curved 52">
+            <a:extLst>
+              <a:ext uri="{FF2B5EF4-FFF2-40B4-BE49-F238E27FC236}">
+                <a16:creationId xmlns:a16="http://schemas.microsoft.com/office/drawing/2014/main" id="{6D28D961-561F-F03D-1189-3289B90EE1F9}"/>
+              </a:ext>
+            </a:extLst>
+          </p:cNvPr>
+          <p:cNvCxnSpPr>
+            <a:cxnSpLocks/>
+            <a:stCxn id="28" idx="3"/>
+            <a:endCxn id="10" idx="5"/>
+          </p:cNvCxnSpPr>
+          <p:nvPr/>
+        </p:nvCxnSpPr>
+        <p:spPr>
+          <a:xfrm rot="5400000">
+            <a:off x="5149619" y="4280976"/>
+            <a:ext cx="5569" cy="1114583"/>
+          </a:xfrm>
+          <a:prstGeom prst="curvedConnector3">
+            <a:avLst>
+              <a:gd name="adj1" fmla="val 7078165"/>
+            </a:avLst>
+          </a:prstGeom>
+          <a:ln w="38100">
+            <a:solidFill>
+              <a:schemeClr val="tx1"/>
+            </a:solidFill>
+            <a:tailEnd type="triangle"/>
+          </a:ln>
+        </p:spPr>
+        <p:style>
+          <a:lnRef idx="1">
+            <a:schemeClr val="accent1"/>
+          </a:lnRef>
+          <a:fillRef idx="0">
+            <a:schemeClr val="accent1"/>
+          </a:fillRef>
+          <a:effectRef idx="0">
+            <a:schemeClr val="accent1"/>
+          </a:effectRef>
+          <a:fontRef idx="minor">
+            <a:schemeClr val="tx1"/>
+          </a:fontRef>
+        </p:style>
+      </p:cxnSp>
+      <p:cxnSp>
+        <p:nvCxnSpPr>
+          <p:cNvPr id="56" name="Connector: Curved 55">
+            <a:extLst>
+              <a:ext uri="{FF2B5EF4-FFF2-40B4-BE49-F238E27FC236}">
+                <a16:creationId xmlns:a16="http://schemas.microsoft.com/office/drawing/2014/main" id="{86F07D54-A651-47E6-4914-8091183E1A75}"/>
+              </a:ext>
+            </a:extLst>
+          </p:cNvPr>
+          <p:cNvCxnSpPr>
+            <a:cxnSpLocks/>
+            <a:stCxn id="31" idx="7"/>
+            <a:endCxn id="6" idx="0"/>
+          </p:cNvCxnSpPr>
+          <p:nvPr/>
+        </p:nvCxnSpPr>
+        <p:spPr>
+          <a:xfrm rot="16200000" flipH="1">
+            <a:off x="4387028" y="2383755"/>
+            <a:ext cx="29860" cy="3388086"/>
+          </a:xfrm>
+          <a:prstGeom prst="curvedConnector3">
+            <a:avLst>
+              <a:gd name="adj1" fmla="val -2705003"/>
+            </a:avLst>
+          </a:prstGeom>
+          <a:ln w="38100">
+            <a:solidFill>
+              <a:schemeClr val="tx1"/>
+            </a:solidFill>
+            <a:tailEnd type="triangle"/>
+          </a:ln>
+        </p:spPr>
+        <p:style>
+          <a:lnRef idx="1">
+            <a:schemeClr val="accent1"/>
+          </a:lnRef>
+          <a:fillRef idx="0">
+            <a:schemeClr val="accent1"/>
+          </a:fillRef>
+          <a:effectRef idx="0">
+            <a:schemeClr val="accent1"/>
+          </a:effectRef>
+          <a:fontRef idx="minor">
+            <a:schemeClr val="tx1"/>
+          </a:fontRef>
+        </p:style>
+      </p:cxnSp>
+      <p:cxnSp>
+        <p:nvCxnSpPr>
+          <p:cNvPr id="66" name="Connector: Curved 65">
+            <a:extLst>
+              <a:ext uri="{FF2B5EF4-FFF2-40B4-BE49-F238E27FC236}">
+                <a16:creationId xmlns:a16="http://schemas.microsoft.com/office/drawing/2014/main" id="{46099630-CCA9-F8DB-9091-14C15B895742}"/>
+              </a:ext>
+            </a:extLst>
+          </p:cNvPr>
+          <p:cNvCxnSpPr>
+            <a:cxnSpLocks/>
+            <a:stCxn id="31" idx="7"/>
+            <a:endCxn id="7" idx="0"/>
+          </p:cNvCxnSpPr>
+          <p:nvPr/>
+        </p:nvCxnSpPr>
+        <p:spPr>
+          <a:xfrm rot="16200000" flipH="1">
+            <a:off x="5332875" y="1437908"/>
+            <a:ext cx="25362" cy="5275282"/>
+          </a:xfrm>
+          <a:prstGeom prst="curvedConnector3">
+            <a:avLst>
+              <a:gd name="adj1" fmla="val -3985940"/>
+            </a:avLst>
+          </a:prstGeom>
+          <a:ln w="38100">
+            <a:solidFill>
+              <a:schemeClr val="tx1"/>
+            </a:solidFill>
+            <a:tailEnd type="triangle"/>
+          </a:ln>
+        </p:spPr>
+        <p:style>
+          <a:lnRef idx="1">
+            <a:schemeClr val="accent1"/>
+          </a:lnRef>
+          <a:fillRef idx="0">
+            <a:schemeClr val="accent1"/>
+          </a:fillRef>
+          <a:effectRef idx="0">
+            <a:schemeClr val="accent1"/>
+          </a:effectRef>
+          <a:fontRef idx="minor">
+            <a:schemeClr val="tx1"/>
+          </a:fontRef>
+        </p:style>
+      </p:cxnSp>
+      <p:cxnSp>
+        <p:nvCxnSpPr>
+          <p:cNvPr id="74" name="Connector: Curved 73">
+            <a:extLst>
+              <a:ext uri="{FF2B5EF4-FFF2-40B4-BE49-F238E27FC236}">
+                <a16:creationId xmlns:a16="http://schemas.microsoft.com/office/drawing/2014/main" id="{4B7B3436-9C17-F098-2866-62574D6C73CA}"/>
+              </a:ext>
+            </a:extLst>
+          </p:cNvPr>
+          <p:cNvCxnSpPr>
+            <a:cxnSpLocks/>
+            <a:stCxn id="10" idx="7"/>
+            <a:endCxn id="7" idx="0"/>
+          </p:cNvCxnSpPr>
+          <p:nvPr/>
+        </p:nvCxnSpPr>
+        <p:spPr>
+          <a:xfrm rot="16200000" flipH="1">
+            <a:off x="6279258" y="2384291"/>
+            <a:ext cx="19791" cy="3388086"/>
+          </a:xfrm>
+          <a:prstGeom prst="curvedConnector3">
+            <a:avLst>
+              <a:gd name="adj1" fmla="val -3542186"/>
+            </a:avLst>
+          </a:prstGeom>
+          <a:ln w="38100">
+            <a:solidFill>
+              <a:schemeClr val="tx1"/>
+            </a:solidFill>
+            <a:tailEnd type="triangle"/>
+          </a:ln>
+        </p:spPr>
+        <p:style>
+          <a:lnRef idx="1">
+            <a:schemeClr val="accent1"/>
+          </a:lnRef>
+          <a:fillRef idx="0">
+            <a:schemeClr val="accent1"/>
+          </a:fillRef>
+          <a:effectRef idx="0">
+            <a:schemeClr val="accent1"/>
+          </a:effectRef>
+          <a:fontRef idx="minor">
+            <a:schemeClr val="tx1"/>
+          </a:fontRef>
+        </p:style>
+      </p:cxnSp>
+      <p:cxnSp>
+        <p:nvCxnSpPr>
+          <p:cNvPr id="78" name="Connector: Curved 77">
+            <a:extLst>
+              <a:ext uri="{FF2B5EF4-FFF2-40B4-BE49-F238E27FC236}">
+                <a16:creationId xmlns:a16="http://schemas.microsoft.com/office/drawing/2014/main" id="{5C1E1C04-7AE9-0729-524E-2D9799C02300}"/>
+              </a:ext>
+            </a:extLst>
+          </p:cNvPr>
+          <p:cNvCxnSpPr>
+            <a:cxnSpLocks/>
+            <a:stCxn id="10" idx="7"/>
+            <a:endCxn id="8" idx="0"/>
+          </p:cNvCxnSpPr>
+          <p:nvPr/>
+        </p:nvCxnSpPr>
+        <p:spPr>
+          <a:xfrm rot="16200000" flipH="1">
+            <a:off x="7222856" y="1440693"/>
+            <a:ext cx="19791" cy="5275282"/>
+          </a:xfrm>
+          <a:prstGeom prst="curvedConnector3">
+            <a:avLst>
+              <a:gd name="adj1" fmla="val -4196736"/>
+            </a:avLst>
+          </a:prstGeom>
+          <a:ln w="38100">
+            <a:solidFill>
+              <a:schemeClr val="tx1"/>
+            </a:solidFill>
+            <a:tailEnd type="triangle"/>
+          </a:ln>
+        </p:spPr>
+        <p:style>
+          <a:lnRef idx="1">
+            <a:schemeClr val="accent1"/>
+          </a:lnRef>
+          <a:fillRef idx="0">
+            <a:schemeClr val="accent1"/>
+          </a:fillRef>
+          <a:effectRef idx="0">
+            <a:schemeClr val="accent1"/>
+          </a:effectRef>
+          <a:fontRef idx="minor">
+            <a:schemeClr val="tx1"/>
+          </a:fontRef>
+        </p:style>
+      </p:cxnSp>
+      <p:cxnSp>
+        <p:nvCxnSpPr>
+          <p:cNvPr id="82" name="Connector: Curved 81">
+            <a:extLst>
+              <a:ext uri="{FF2B5EF4-FFF2-40B4-BE49-F238E27FC236}">
+                <a16:creationId xmlns:a16="http://schemas.microsoft.com/office/drawing/2014/main" id="{25A56C61-E883-6EB7-B02E-CF932F70C544}"/>
+              </a:ext>
+            </a:extLst>
+          </p:cNvPr>
+          <p:cNvCxnSpPr>
+            <a:cxnSpLocks/>
+            <a:stCxn id="28" idx="7"/>
+            <a:endCxn id="8" idx="0"/>
+          </p:cNvCxnSpPr>
+          <p:nvPr/>
+        </p:nvCxnSpPr>
+        <p:spPr>
+          <a:xfrm rot="16200000" flipH="1">
+            <a:off x="8163670" y="2381507"/>
+            <a:ext cx="25360" cy="3388086"/>
+          </a:xfrm>
+          <a:prstGeom prst="curvedConnector3">
+            <a:avLst>
+              <a:gd name="adj1" fmla="val -2674188"/>
+            </a:avLst>
+          </a:prstGeom>
+          <a:ln w="38100">
+            <a:solidFill>
+              <a:schemeClr val="tx1"/>
+            </a:solidFill>
+            <a:tailEnd type="triangle"/>
+          </a:ln>
+        </p:spPr>
+        <p:style>
+          <a:lnRef idx="1">
+            <a:schemeClr val="accent1"/>
+          </a:lnRef>
+          <a:fillRef idx="0">
+            <a:schemeClr val="accent1"/>
+          </a:fillRef>
+          <a:effectRef idx="0">
+            <a:schemeClr val="accent1"/>
+          </a:effectRef>
+          <a:fontRef idx="minor">
+            <a:schemeClr val="tx1"/>
+          </a:fontRef>
+        </p:style>
+      </p:cxnSp>
+      <p:cxnSp>
+        <p:nvCxnSpPr>
+          <p:cNvPr id="86" name="Connector: Curved 85">
+            <a:extLst>
+              <a:ext uri="{FF2B5EF4-FFF2-40B4-BE49-F238E27FC236}">
+                <a16:creationId xmlns:a16="http://schemas.microsoft.com/office/drawing/2014/main" id="{17CE72DD-2E93-B895-FB03-D3CD3F5876BD}"/>
+              </a:ext>
+            </a:extLst>
+          </p:cNvPr>
+          <p:cNvCxnSpPr>
+            <a:cxnSpLocks/>
+            <a:stCxn id="30" idx="3"/>
+            <a:endCxn id="6" idx="2"/>
+          </p:cNvCxnSpPr>
+          <p:nvPr/>
+        </p:nvCxnSpPr>
+        <p:spPr>
+          <a:xfrm rot="5400000" flipH="1">
+            <a:off x="7779614" y="3131011"/>
+            <a:ext cx="20859" cy="3388085"/>
+          </a:xfrm>
+          <a:prstGeom prst="curvedConnector3">
+            <a:avLst>
+              <a:gd name="adj1" fmla="val -3726133"/>
+            </a:avLst>
+          </a:prstGeom>
+          <a:ln w="38100">
+            <a:solidFill>
+              <a:schemeClr val="tx1"/>
+            </a:solidFill>
+            <a:tailEnd type="triangle"/>
+          </a:ln>
+        </p:spPr>
+        <p:style>
+          <a:lnRef idx="1">
+            <a:schemeClr val="accent1"/>
+          </a:lnRef>
+          <a:fillRef idx="0">
+            <a:schemeClr val="accent1"/>
+          </a:fillRef>
+          <a:effectRef idx="0">
+            <a:schemeClr val="accent1"/>
+          </a:effectRef>
+          <a:fontRef idx="minor">
+            <a:schemeClr val="tx1"/>
+          </a:fontRef>
+        </p:style>
+      </p:cxnSp>
+      <p:cxnSp>
+        <p:nvCxnSpPr>
+          <p:cNvPr id="90" name="Connector: Curved 89">
+            <a:extLst>
+              <a:ext uri="{FF2B5EF4-FFF2-40B4-BE49-F238E27FC236}">
+                <a16:creationId xmlns:a16="http://schemas.microsoft.com/office/drawing/2014/main" id="{1418982F-B164-4B77-0692-3AF945B7E1C8}"/>
+              </a:ext>
+            </a:extLst>
+          </p:cNvPr>
+          <p:cNvCxnSpPr>
+            <a:cxnSpLocks/>
+            <a:stCxn id="30" idx="3"/>
+            <a:endCxn id="5" idx="2"/>
+          </p:cNvCxnSpPr>
+          <p:nvPr/>
+        </p:nvCxnSpPr>
+        <p:spPr>
+          <a:xfrm rot="5400000" flipH="1">
+            <a:off x="6833767" y="2185164"/>
+            <a:ext cx="25357" cy="5275281"/>
+          </a:xfrm>
+          <a:prstGeom prst="curvedConnector3">
+            <a:avLst>
+              <a:gd name="adj1" fmla="val -3906590"/>
+            </a:avLst>
+          </a:prstGeom>
+          <a:ln w="38100">
+            <a:solidFill>
+              <a:schemeClr val="tx1"/>
+            </a:solidFill>
+            <a:tailEnd type="triangle"/>
+          </a:ln>
+        </p:spPr>
+        <p:style>
+          <a:lnRef idx="1">
+            <a:schemeClr val="accent1"/>
+          </a:lnRef>
+          <a:fillRef idx="0">
+            <a:schemeClr val="accent1"/>
+          </a:fillRef>
+          <a:effectRef idx="0">
+            <a:schemeClr val="accent1"/>
+          </a:effectRef>
+          <a:fontRef idx="minor">
+            <a:schemeClr val="tx1"/>
+          </a:fontRef>
+        </p:style>
+      </p:cxnSp>
+      <p:cxnSp>
+        <p:nvCxnSpPr>
+          <p:cNvPr id="98" name="Connector: Curved 97">
+            <a:extLst>
+              <a:ext uri="{FF2B5EF4-FFF2-40B4-BE49-F238E27FC236}">
+                <a16:creationId xmlns:a16="http://schemas.microsoft.com/office/drawing/2014/main" id="{B80EE89D-B949-0994-899A-1C69861E1E06}"/>
+              </a:ext>
+            </a:extLst>
+          </p:cNvPr>
+          <p:cNvCxnSpPr>
+            <a:cxnSpLocks/>
+            <a:stCxn id="29" idx="3"/>
+            <a:endCxn id="5" idx="2"/>
+          </p:cNvCxnSpPr>
+          <p:nvPr/>
+        </p:nvCxnSpPr>
+        <p:spPr>
+          <a:xfrm rot="5400000" flipH="1">
+            <a:off x="5890169" y="3128762"/>
+            <a:ext cx="25358" cy="3388085"/>
+          </a:xfrm>
+          <a:prstGeom prst="curvedConnector3">
+            <a:avLst>
+              <a:gd name="adj1" fmla="val -2824655"/>
+            </a:avLst>
+          </a:prstGeom>
+          <a:ln w="38100">
+            <a:solidFill>
+              <a:schemeClr val="tx1"/>
+            </a:solidFill>
+            <a:tailEnd type="triangle"/>
+          </a:ln>
+        </p:spPr>
+        <p:style>
+          <a:lnRef idx="1">
+            <a:schemeClr val="accent1"/>
+          </a:lnRef>
+          <a:fillRef idx="0">
+            <a:schemeClr val="accent1"/>
+          </a:fillRef>
+          <a:effectRef idx="0">
+            <a:schemeClr val="accent1"/>
+          </a:effectRef>
+          <a:fontRef idx="minor">
+            <a:schemeClr val="tx1"/>
+          </a:fontRef>
+        </p:style>
+      </p:cxnSp>
+      <p:cxnSp>
+        <p:nvCxnSpPr>
+          <p:cNvPr id="102" name="Connector: Curved 101">
+            <a:extLst>
+              <a:ext uri="{FF2B5EF4-FFF2-40B4-BE49-F238E27FC236}">
+                <a16:creationId xmlns:a16="http://schemas.microsoft.com/office/drawing/2014/main" id="{0D581EB6-73CB-D74E-8B9D-3C2952EEDDC4}"/>
+              </a:ext>
+            </a:extLst>
+          </p:cNvPr>
+          <p:cNvCxnSpPr>
+            <a:cxnSpLocks/>
+            <a:stCxn id="29" idx="3"/>
+            <a:endCxn id="4" idx="2"/>
+          </p:cNvCxnSpPr>
+          <p:nvPr/>
+        </p:nvCxnSpPr>
+        <p:spPr>
+          <a:xfrm rot="5400000" flipH="1">
+            <a:off x="4946571" y="2185164"/>
+            <a:ext cx="25358" cy="5275281"/>
+          </a:xfrm>
+          <a:prstGeom prst="curvedConnector3">
+            <a:avLst>
+              <a:gd name="adj1" fmla="val -3515798"/>
+            </a:avLst>
+          </a:prstGeom>
+          <a:ln w="38100">
+            <a:solidFill>
+              <a:schemeClr val="tx1"/>
+            </a:solidFill>
+            <a:tailEnd type="triangle"/>
+          </a:ln>
+        </p:spPr>
+        <p:style>
+          <a:lnRef idx="1">
+            <a:schemeClr val="accent1"/>
+          </a:lnRef>
+          <a:fillRef idx="0">
+            <a:schemeClr val="accent1"/>
+          </a:fillRef>
+          <a:effectRef idx="0">
+            <a:schemeClr val="accent1"/>
+          </a:effectRef>
+          <a:fontRef idx="minor">
+            <a:schemeClr val="tx1"/>
+          </a:fontRef>
+        </p:style>
+      </p:cxnSp>
+      <p:cxnSp>
+        <p:nvCxnSpPr>
+          <p:cNvPr id="106" name="Connector: Curved 105">
+            <a:extLst>
+              <a:ext uri="{FF2B5EF4-FFF2-40B4-BE49-F238E27FC236}">
+                <a16:creationId xmlns:a16="http://schemas.microsoft.com/office/drawing/2014/main" id="{E6425842-BBD6-4082-F0C8-2A88DC14BF7A}"/>
+              </a:ext>
+            </a:extLst>
+          </p:cNvPr>
+          <p:cNvCxnSpPr>
+            <a:cxnSpLocks/>
+            <a:stCxn id="28" idx="3"/>
+            <a:endCxn id="4" idx="2"/>
+          </p:cNvCxnSpPr>
+          <p:nvPr/>
+        </p:nvCxnSpPr>
+        <p:spPr>
+          <a:xfrm rot="5400000" flipH="1">
+            <a:off x="4002973" y="3128762"/>
+            <a:ext cx="25358" cy="3388085"/>
+          </a:xfrm>
+          <a:prstGeom prst="curvedConnector3">
+            <a:avLst>
+              <a:gd name="adj1" fmla="val -2764548"/>
+            </a:avLst>
+          </a:prstGeom>
+          <a:ln w="38100">
+            <a:solidFill>
+              <a:schemeClr val="tx1"/>
+            </a:solidFill>
+            <a:tailEnd type="triangle"/>
+          </a:ln>
+        </p:spPr>
+        <p:style>
+          <a:lnRef idx="1">
+            <a:schemeClr val="accent1"/>
+          </a:lnRef>
+          <a:fillRef idx="0">
+            <a:schemeClr val="accent1"/>
+          </a:fillRef>
+          <a:effectRef idx="0">
+            <a:schemeClr val="accent1"/>
+          </a:effectRef>
+          <a:fontRef idx="minor">
+            <a:schemeClr val="tx1"/>
+          </a:fontRef>
+        </p:style>
+      </p:cxnSp>
+      <p:sp>
+        <p:nvSpPr>
+          <p:cNvPr id="114" name="Oval 113">
+            <a:extLst>
+              <a:ext uri="{FF2B5EF4-FFF2-40B4-BE49-F238E27FC236}">
+                <a16:creationId xmlns:a16="http://schemas.microsoft.com/office/drawing/2014/main" id="{664DE38F-926B-089D-346D-3B662918B59A}"/>
+              </a:ext>
+            </a:extLst>
+          </p:cNvPr>
+          <p:cNvSpPr/>
+          <p:nvPr/>
+        </p:nvSpPr>
+        <p:spPr>
+          <a:xfrm>
+            <a:off x="3771936" y="202070"/>
+            <a:ext cx="873735" cy="873735"/>
+          </a:xfrm>
+          <a:prstGeom prst="ellipse">
+            <a:avLst/>
+          </a:prstGeom>
+          <a:noFill/>
+          <a:ln w="38100">
+            <a:solidFill>
+              <a:schemeClr val="tx1"/>
+            </a:solidFill>
+          </a:ln>
+        </p:spPr>
+        <p:style>
+          <a:lnRef idx="2">
+            <a:schemeClr val="accent1">
+              <a:shade val="50000"/>
+            </a:schemeClr>
+          </a:lnRef>
+          <a:fillRef idx="1">
+            <a:schemeClr val="accent1"/>
+          </a:fillRef>
+          <a:effectRef idx="0">
+            <a:schemeClr val="accent1"/>
+          </a:effectRef>
+          <a:fontRef idx="minor">
+            <a:schemeClr val="lt1"/>
+          </a:fontRef>
+        </p:style>
+        <p:txBody>
+          <a:bodyPr rtlCol="0" anchor="ctr"/>
+          <a:lstStyle/>
+          <a:p>
+            <a:pPr algn="ctr"/>
+            <a:r>
+              <a:rPr lang="en-US" sz="2800" dirty="0">
+                <a:solidFill>
+                  <a:sysClr val="windowText" lastClr="000000"/>
+                </a:solidFill>
+              </a:rPr>
+              <a:t>f1</a:t>
+            </a:r>
+            <a:endParaRPr lang="en-US" sz="2400" dirty="0">
+              <a:solidFill>
+                <a:sysClr val="windowText" lastClr="000000"/>
+              </a:solidFill>
+            </a:endParaRPr>
+          </a:p>
+        </p:txBody>
+      </p:sp>
+      <p:cxnSp>
+        <p:nvCxnSpPr>
+          <p:cNvPr id="118" name="Straight Arrow Connector 117">
+            <a:extLst>
+              <a:ext uri="{FF2B5EF4-FFF2-40B4-BE49-F238E27FC236}">
+                <a16:creationId xmlns:a16="http://schemas.microsoft.com/office/drawing/2014/main" id="{5A8DC04C-A8E1-05A4-1B94-B245BBA55AE1}"/>
+              </a:ext>
+            </a:extLst>
+          </p:cNvPr>
+          <p:cNvCxnSpPr>
+            <a:stCxn id="114" idx="4"/>
+            <a:endCxn id="4" idx="0"/>
+          </p:cNvCxnSpPr>
+          <p:nvPr/>
+        </p:nvCxnSpPr>
+        <p:spPr>
+          <a:xfrm flipH="1">
+            <a:off x="2321609" y="1075805"/>
+            <a:ext cx="1887195" cy="3012425"/>
+          </a:xfrm>
+          <a:prstGeom prst="straightConnector1">
+            <a:avLst/>
+          </a:prstGeom>
+          <a:ln w="38100">
+            <a:tailEnd type="triangle"/>
+          </a:ln>
+        </p:spPr>
+        <p:style>
+          <a:lnRef idx="1">
+            <a:schemeClr val="accent1"/>
+          </a:lnRef>
+          <a:fillRef idx="0">
+            <a:schemeClr val="accent1"/>
+          </a:fillRef>
+          <a:effectRef idx="0">
+            <a:schemeClr val="accent1"/>
+          </a:effectRef>
+          <a:fontRef idx="minor">
+            <a:schemeClr val="tx1"/>
+          </a:fontRef>
+        </p:style>
+      </p:cxnSp>
+      <p:cxnSp>
+        <p:nvCxnSpPr>
+          <p:cNvPr id="119" name="Straight Arrow Connector 118">
+            <a:extLst>
+              <a:ext uri="{FF2B5EF4-FFF2-40B4-BE49-F238E27FC236}">
+                <a16:creationId xmlns:a16="http://schemas.microsoft.com/office/drawing/2014/main" id="{FB94C517-6071-B4E6-00CB-62D5A2A2D906}"/>
+              </a:ext>
+            </a:extLst>
+          </p:cNvPr>
+          <p:cNvCxnSpPr>
+            <a:cxnSpLocks/>
+            <a:stCxn id="114" idx="4"/>
+            <a:endCxn id="5" idx="0"/>
+          </p:cNvCxnSpPr>
+          <p:nvPr/>
+        </p:nvCxnSpPr>
+        <p:spPr>
+          <a:xfrm>
+            <a:off x="4208804" y="1075805"/>
+            <a:ext cx="1" cy="3012425"/>
+          </a:xfrm>
+          <a:prstGeom prst="straightConnector1">
+            <a:avLst/>
+          </a:prstGeom>
+          <a:ln w="38100">
+            <a:tailEnd type="triangle"/>
+          </a:ln>
+        </p:spPr>
+        <p:style>
+          <a:lnRef idx="1">
+            <a:schemeClr val="accent1"/>
+          </a:lnRef>
+          <a:fillRef idx="0">
+            <a:schemeClr val="accent1"/>
+          </a:fillRef>
+          <a:effectRef idx="0">
+            <a:schemeClr val="accent1"/>
+          </a:effectRef>
+          <a:fontRef idx="minor">
+            <a:schemeClr val="tx1"/>
+          </a:fontRef>
+        </p:style>
+      </p:cxnSp>
+      <p:cxnSp>
+        <p:nvCxnSpPr>
+          <p:cNvPr id="122" name="Straight Arrow Connector 121">
+            <a:extLst>
+              <a:ext uri="{FF2B5EF4-FFF2-40B4-BE49-F238E27FC236}">
+                <a16:creationId xmlns:a16="http://schemas.microsoft.com/office/drawing/2014/main" id="{5BDE53B5-9159-919C-E364-6FF03BFA6D1C}"/>
+              </a:ext>
+            </a:extLst>
+          </p:cNvPr>
+          <p:cNvCxnSpPr>
+            <a:cxnSpLocks/>
+            <a:stCxn id="114" idx="4"/>
+            <a:endCxn id="6" idx="0"/>
+          </p:cNvCxnSpPr>
+          <p:nvPr/>
+        </p:nvCxnSpPr>
+        <p:spPr>
+          <a:xfrm>
+            <a:off x="4208804" y="1075805"/>
+            <a:ext cx="1887197" cy="3016923"/>
+          </a:xfrm>
+          <a:prstGeom prst="straightConnector1">
+            <a:avLst/>
+          </a:prstGeom>
+          <a:ln w="38100">
+            <a:tailEnd type="triangle"/>
+          </a:ln>
+        </p:spPr>
+        <p:style>
+          <a:lnRef idx="1">
+            <a:schemeClr val="accent1"/>
+          </a:lnRef>
+          <a:fillRef idx="0">
+            <a:schemeClr val="accent1"/>
+          </a:fillRef>
+          <a:effectRef idx="0">
+            <a:schemeClr val="accent1"/>
+          </a:effectRef>
+          <a:fontRef idx="minor">
+            <a:schemeClr val="tx1"/>
+          </a:fontRef>
+        </p:style>
+      </p:cxnSp>
+      <p:sp>
+        <p:nvSpPr>
+          <p:cNvPr id="131" name="TextBox 130">
+            <a:extLst>
+              <a:ext uri="{FF2B5EF4-FFF2-40B4-BE49-F238E27FC236}">
+                <a16:creationId xmlns:a16="http://schemas.microsoft.com/office/drawing/2014/main" id="{F24D1587-440B-5F45-F74C-67B4EE1369CB}"/>
+              </a:ext>
+            </a:extLst>
+          </p:cNvPr>
+          <p:cNvSpPr txBox="1"/>
+          <p:nvPr/>
+        </p:nvSpPr>
+        <p:spPr>
+          <a:xfrm>
+            <a:off x="3553503" y="2061881"/>
+            <a:ext cx="873735" cy="400110"/>
+          </a:xfrm>
+          <a:prstGeom prst="rect">
+            <a:avLst/>
+          </a:prstGeom>
+          <a:noFill/>
+        </p:spPr>
+        <p:txBody>
+          <a:bodyPr wrap="square" rtlCol="0">
+            <a:spAutoFit/>
+          </a:bodyPr>
+          <a:lstStyle/>
+          <a:p>
+            <a:r>
+              <a:rPr lang="en-US" sz="2000" dirty="0">
+                <a:solidFill>
+                  <a:schemeClr val="accent1"/>
+                </a:solidFill>
+              </a:rPr>
+              <a:t>a1_2</a:t>
+            </a:r>
+          </a:p>
+        </p:txBody>
+      </p:sp>
+      <p:sp>
+        <p:nvSpPr>
+          <p:cNvPr id="137" name="TextBox 136">
+            <a:extLst>
+              <a:ext uri="{FF2B5EF4-FFF2-40B4-BE49-F238E27FC236}">
+                <a16:creationId xmlns:a16="http://schemas.microsoft.com/office/drawing/2014/main" id="{BF972997-02B8-9908-D9D1-8F3E66C11CBC}"/>
+              </a:ext>
+            </a:extLst>
+          </p:cNvPr>
+          <p:cNvSpPr txBox="1"/>
+          <p:nvPr/>
+        </p:nvSpPr>
+        <p:spPr>
+          <a:xfrm>
+            <a:off x="2825903" y="3713476"/>
+            <a:ext cx="873735" cy="400110"/>
+          </a:xfrm>
+          <a:prstGeom prst="rect">
+            <a:avLst/>
+          </a:prstGeom>
+          <a:noFill/>
+        </p:spPr>
+        <p:txBody>
+          <a:bodyPr wrap="square" rtlCol="0">
+            <a:spAutoFit/>
+          </a:bodyPr>
+          <a:lstStyle/>
+          <a:p>
+            <a:pPr algn="ctr"/>
+            <a:r>
+              <a:rPr lang="en-US" sz="2000" dirty="0"/>
+              <a:t>b1_2</a:t>
+            </a:r>
+          </a:p>
+        </p:txBody>
+      </p:sp>
+      <p:sp>
+        <p:nvSpPr>
+          <p:cNvPr id="138" name="TextBox 137">
+            <a:extLst>
+              <a:ext uri="{FF2B5EF4-FFF2-40B4-BE49-F238E27FC236}">
+                <a16:creationId xmlns:a16="http://schemas.microsoft.com/office/drawing/2014/main" id="{88812DE4-B333-D358-507F-B507F7ABEAE7}"/>
+              </a:ext>
+            </a:extLst>
+          </p:cNvPr>
+          <p:cNvSpPr txBox="1"/>
+          <p:nvPr/>
+        </p:nvSpPr>
+        <p:spPr>
+          <a:xfrm>
+            <a:off x="2806195" y="4790334"/>
+            <a:ext cx="873735" cy="400110"/>
+          </a:xfrm>
+          <a:prstGeom prst="rect">
+            <a:avLst/>
+          </a:prstGeom>
+          <a:noFill/>
+        </p:spPr>
+        <p:txBody>
+          <a:bodyPr wrap="square" rtlCol="0">
+            <a:spAutoFit/>
+          </a:bodyPr>
+          <a:lstStyle/>
+          <a:p>
+            <a:pPr algn="ctr"/>
+            <a:r>
+              <a:rPr lang="en-US" sz="2000" dirty="0"/>
+              <a:t>b2_1</a:t>
+            </a:r>
+          </a:p>
+        </p:txBody>
+      </p:sp>
+      <p:sp>
+        <p:nvSpPr>
+          <p:cNvPr id="142" name="TextBox 141">
+            <a:extLst>
+              <a:ext uri="{FF2B5EF4-FFF2-40B4-BE49-F238E27FC236}">
+                <a16:creationId xmlns:a16="http://schemas.microsoft.com/office/drawing/2014/main" id="{87520C67-4D91-4105-C20A-A756D0D22953}"/>
+              </a:ext>
+            </a:extLst>
+          </p:cNvPr>
+          <p:cNvSpPr txBox="1"/>
+          <p:nvPr/>
+        </p:nvSpPr>
+        <p:spPr>
+          <a:xfrm>
+            <a:off x="4721017" y="3713476"/>
+            <a:ext cx="873735" cy="400110"/>
+          </a:xfrm>
+          <a:prstGeom prst="rect">
+            <a:avLst/>
+          </a:prstGeom>
+          <a:noFill/>
+        </p:spPr>
+        <p:txBody>
+          <a:bodyPr wrap="square" rtlCol="0">
+            <a:spAutoFit/>
+          </a:bodyPr>
+          <a:lstStyle/>
+          <a:p>
+            <a:pPr algn="ctr"/>
+            <a:r>
+              <a:rPr lang="en-US" sz="2000" dirty="0"/>
+              <a:t>b2_3</a:t>
+            </a:r>
+          </a:p>
+        </p:txBody>
+      </p:sp>
+      <p:sp>
+        <p:nvSpPr>
+          <p:cNvPr id="143" name="TextBox 142">
+            <a:extLst>
+              <a:ext uri="{FF2B5EF4-FFF2-40B4-BE49-F238E27FC236}">
+                <a16:creationId xmlns:a16="http://schemas.microsoft.com/office/drawing/2014/main" id="{BB72B346-2FDE-2624-683F-57FE53E3A330}"/>
+              </a:ext>
+            </a:extLst>
+          </p:cNvPr>
+          <p:cNvSpPr txBox="1"/>
+          <p:nvPr/>
+        </p:nvSpPr>
+        <p:spPr>
+          <a:xfrm>
+            <a:off x="4701309" y="4790334"/>
+            <a:ext cx="873735" cy="400110"/>
+          </a:xfrm>
+          <a:prstGeom prst="rect">
+            <a:avLst/>
+          </a:prstGeom>
+          <a:noFill/>
+        </p:spPr>
+        <p:txBody>
+          <a:bodyPr wrap="square" rtlCol="0">
+            <a:spAutoFit/>
+          </a:bodyPr>
+          <a:lstStyle/>
+          <a:p>
+            <a:pPr algn="ctr"/>
+            <a:r>
+              <a:rPr lang="en-US" sz="2000" dirty="0"/>
+              <a:t>b3_2</a:t>
+            </a:r>
+          </a:p>
+        </p:txBody>
+      </p:sp>
+      <p:sp>
+        <p:nvSpPr>
+          <p:cNvPr id="144" name="TextBox 143">
+            <a:extLst>
+              <a:ext uri="{FF2B5EF4-FFF2-40B4-BE49-F238E27FC236}">
+                <a16:creationId xmlns:a16="http://schemas.microsoft.com/office/drawing/2014/main" id="{BCD37C0B-580B-2417-FEFD-B01F5F143336}"/>
+              </a:ext>
+            </a:extLst>
+          </p:cNvPr>
+          <p:cNvSpPr txBox="1"/>
+          <p:nvPr/>
+        </p:nvSpPr>
+        <p:spPr>
+          <a:xfrm>
+            <a:off x="6616443" y="3714299"/>
+            <a:ext cx="873735" cy="400110"/>
+          </a:xfrm>
+          <a:prstGeom prst="rect">
+            <a:avLst/>
+          </a:prstGeom>
+          <a:noFill/>
+        </p:spPr>
+        <p:txBody>
+          <a:bodyPr wrap="square" rtlCol="0">
+            <a:spAutoFit/>
+          </a:bodyPr>
+          <a:lstStyle/>
+          <a:p>
+            <a:pPr algn="ctr"/>
+            <a:r>
+              <a:rPr lang="en-US" sz="2000" dirty="0"/>
+              <a:t>b3_4</a:t>
+            </a:r>
+          </a:p>
+        </p:txBody>
+      </p:sp>
+      <p:sp>
+        <p:nvSpPr>
+          <p:cNvPr id="145" name="TextBox 144">
+            <a:extLst>
+              <a:ext uri="{FF2B5EF4-FFF2-40B4-BE49-F238E27FC236}">
+                <a16:creationId xmlns:a16="http://schemas.microsoft.com/office/drawing/2014/main" id="{003D3898-DFF3-5838-1BBD-ACF1BF00263B}"/>
+              </a:ext>
+            </a:extLst>
+          </p:cNvPr>
+          <p:cNvSpPr txBox="1"/>
+          <p:nvPr/>
+        </p:nvSpPr>
+        <p:spPr>
+          <a:xfrm>
+            <a:off x="6596735" y="4791157"/>
+            <a:ext cx="873735" cy="400110"/>
+          </a:xfrm>
+          <a:prstGeom prst="rect">
+            <a:avLst/>
+          </a:prstGeom>
+          <a:noFill/>
+        </p:spPr>
+        <p:txBody>
+          <a:bodyPr wrap="square" rtlCol="0">
+            <a:spAutoFit/>
+          </a:bodyPr>
+          <a:lstStyle/>
+          <a:p>
+            <a:pPr algn="ctr"/>
+            <a:r>
+              <a:rPr lang="en-US" sz="2000" dirty="0"/>
+              <a:t>b4_3</a:t>
+            </a:r>
+          </a:p>
+        </p:txBody>
+      </p:sp>
+      <p:sp>
+        <p:nvSpPr>
+          <p:cNvPr id="146" name="TextBox 145">
+            <a:extLst>
+              <a:ext uri="{FF2B5EF4-FFF2-40B4-BE49-F238E27FC236}">
+                <a16:creationId xmlns:a16="http://schemas.microsoft.com/office/drawing/2014/main" id="{96B2076E-551B-1F8C-C4F4-5094E7B9CECE}"/>
+              </a:ext>
+            </a:extLst>
+          </p:cNvPr>
+          <p:cNvSpPr txBox="1"/>
+          <p:nvPr/>
+        </p:nvSpPr>
+        <p:spPr>
+          <a:xfrm>
+            <a:off x="8483931" y="3711232"/>
+            <a:ext cx="873735" cy="400110"/>
+          </a:xfrm>
+          <a:prstGeom prst="rect">
+            <a:avLst/>
+          </a:prstGeom>
+          <a:noFill/>
+        </p:spPr>
+        <p:txBody>
+          <a:bodyPr wrap="square" rtlCol="0">
+            <a:spAutoFit/>
+          </a:bodyPr>
+          <a:lstStyle/>
+          <a:p>
+            <a:pPr algn="ctr"/>
+            <a:r>
+              <a:rPr lang="en-US" sz="2000" dirty="0"/>
+              <a:t>b3_4</a:t>
+            </a:r>
+          </a:p>
+        </p:txBody>
+      </p:sp>
+      <p:sp>
+        <p:nvSpPr>
+          <p:cNvPr id="147" name="TextBox 146">
+            <a:extLst>
+              <a:ext uri="{FF2B5EF4-FFF2-40B4-BE49-F238E27FC236}">
+                <a16:creationId xmlns:a16="http://schemas.microsoft.com/office/drawing/2014/main" id="{E61D4950-ECB0-D60F-2819-FDA51D76C7EC}"/>
+              </a:ext>
+            </a:extLst>
+          </p:cNvPr>
+          <p:cNvSpPr txBox="1"/>
+          <p:nvPr/>
+        </p:nvSpPr>
+        <p:spPr>
+          <a:xfrm>
+            <a:off x="8464223" y="4788090"/>
+            <a:ext cx="873735" cy="400110"/>
+          </a:xfrm>
+          <a:prstGeom prst="rect">
+            <a:avLst/>
+          </a:prstGeom>
+          <a:noFill/>
+        </p:spPr>
+        <p:txBody>
+          <a:bodyPr wrap="square" rtlCol="0">
+            <a:spAutoFit/>
+          </a:bodyPr>
+          <a:lstStyle/>
+          <a:p>
+            <a:pPr algn="ctr"/>
+            <a:r>
+              <a:rPr lang="en-US" sz="2000" dirty="0"/>
+              <a:t>b4_3</a:t>
+            </a:r>
+          </a:p>
+        </p:txBody>
+      </p:sp>
+      <p:sp>
+        <p:nvSpPr>
+          <p:cNvPr id="13" name="Oval 12">
+            <a:extLst>
+              <a:ext uri="{FF2B5EF4-FFF2-40B4-BE49-F238E27FC236}">
+                <a16:creationId xmlns:a16="http://schemas.microsoft.com/office/drawing/2014/main" id="{C0F8CB51-9680-54DD-D79B-5F5AE4FDD154}"/>
+              </a:ext>
+            </a:extLst>
+          </p:cNvPr>
+          <p:cNvSpPr/>
+          <p:nvPr/>
+        </p:nvSpPr>
+        <p:spPr>
+          <a:xfrm>
+            <a:off x="7546328" y="202070"/>
+            <a:ext cx="873735" cy="873735"/>
+          </a:xfrm>
+          <a:prstGeom prst="ellipse">
+            <a:avLst/>
+          </a:prstGeom>
+          <a:noFill/>
+          <a:ln w="38100">
+            <a:solidFill>
+              <a:schemeClr val="tx1"/>
+            </a:solidFill>
+          </a:ln>
+        </p:spPr>
+        <p:style>
+          <a:lnRef idx="2">
+            <a:schemeClr val="accent1">
+              <a:shade val="50000"/>
+            </a:schemeClr>
+          </a:lnRef>
+          <a:fillRef idx="1">
+            <a:schemeClr val="accent1"/>
+          </a:fillRef>
+          <a:effectRef idx="0">
+            <a:schemeClr val="accent1"/>
+          </a:effectRef>
+          <a:fontRef idx="minor">
+            <a:schemeClr val="lt1"/>
+          </a:fontRef>
+        </p:style>
+        <p:txBody>
+          <a:bodyPr rtlCol="0" anchor="ctr"/>
+          <a:lstStyle/>
+          <a:p>
+            <a:pPr algn="ctr"/>
+            <a:r>
+              <a:rPr lang="en-US" sz="2800" dirty="0">
+                <a:solidFill>
+                  <a:sysClr val="windowText" lastClr="000000"/>
+                </a:solidFill>
+              </a:rPr>
+              <a:t>f2</a:t>
+            </a:r>
+            <a:endParaRPr lang="en-US" sz="2400" dirty="0">
+              <a:solidFill>
+                <a:sysClr val="windowText" lastClr="000000"/>
+              </a:solidFill>
+            </a:endParaRPr>
+          </a:p>
+        </p:txBody>
+      </p:sp>
+      <p:cxnSp>
+        <p:nvCxnSpPr>
+          <p:cNvPr id="23" name="Straight Arrow Connector 22">
+            <a:extLst>
+              <a:ext uri="{FF2B5EF4-FFF2-40B4-BE49-F238E27FC236}">
+                <a16:creationId xmlns:a16="http://schemas.microsoft.com/office/drawing/2014/main" id="{DBE09BA1-9A16-8381-92F0-01B5FE5EF1FF}"/>
+              </a:ext>
+            </a:extLst>
+          </p:cNvPr>
+          <p:cNvCxnSpPr>
+            <a:cxnSpLocks/>
+            <a:stCxn id="13" idx="4"/>
+            <a:endCxn id="7" idx="0"/>
+          </p:cNvCxnSpPr>
+          <p:nvPr/>
+        </p:nvCxnSpPr>
+        <p:spPr>
+          <a:xfrm>
+            <a:off x="7983196" y="1075805"/>
+            <a:ext cx="1" cy="3012425"/>
+          </a:xfrm>
+          <a:prstGeom prst="straightConnector1">
+            <a:avLst/>
+          </a:prstGeom>
+          <a:ln w="38100">
+            <a:tailEnd type="triangle"/>
+          </a:ln>
+        </p:spPr>
+        <p:style>
+          <a:lnRef idx="1">
+            <a:schemeClr val="accent1"/>
+          </a:lnRef>
+          <a:fillRef idx="0">
+            <a:schemeClr val="accent1"/>
+          </a:fillRef>
+          <a:effectRef idx="0">
+            <a:schemeClr val="accent1"/>
+          </a:effectRef>
+          <a:fontRef idx="minor">
+            <a:schemeClr val="tx1"/>
+          </a:fontRef>
+        </p:style>
+      </p:cxnSp>
+      <p:cxnSp>
+        <p:nvCxnSpPr>
+          <p:cNvPr id="26" name="Straight Arrow Connector 25">
+            <a:extLst>
+              <a:ext uri="{FF2B5EF4-FFF2-40B4-BE49-F238E27FC236}">
+                <a16:creationId xmlns:a16="http://schemas.microsoft.com/office/drawing/2014/main" id="{1462F74C-1908-BAA6-265C-5AEA1F80DD80}"/>
+              </a:ext>
+            </a:extLst>
+          </p:cNvPr>
+          <p:cNvCxnSpPr>
+            <a:cxnSpLocks/>
+            <a:stCxn id="13" idx="4"/>
+            <a:endCxn id="8" idx="0"/>
+          </p:cNvCxnSpPr>
+          <p:nvPr/>
+        </p:nvCxnSpPr>
+        <p:spPr>
+          <a:xfrm>
+            <a:off x="7983196" y="1075805"/>
+            <a:ext cx="1887197" cy="3012425"/>
+          </a:xfrm>
+          <a:prstGeom prst="straightConnector1">
+            <a:avLst/>
+          </a:prstGeom>
+          <a:ln w="38100">
+            <a:tailEnd type="triangle"/>
+          </a:ln>
+        </p:spPr>
+        <p:style>
+          <a:lnRef idx="1">
+            <a:schemeClr val="accent1"/>
+          </a:lnRef>
+          <a:fillRef idx="0">
+            <a:schemeClr val="accent1"/>
+          </a:fillRef>
+          <a:effectRef idx="0">
+            <a:schemeClr val="accent1"/>
+          </a:effectRef>
+          <a:fontRef idx="minor">
+            <a:schemeClr val="tx1"/>
+          </a:fontRef>
+        </p:style>
+      </p:cxnSp>
+      <p:sp>
+        <p:nvSpPr>
+          <p:cNvPr id="2" name="TextBox 1">
+            <a:extLst>
+              <a:ext uri="{FF2B5EF4-FFF2-40B4-BE49-F238E27FC236}">
+                <a16:creationId xmlns:a16="http://schemas.microsoft.com/office/drawing/2014/main" id="{A96FD3EE-0DED-3215-EF14-87010E5552D5}"/>
+              </a:ext>
+            </a:extLst>
+          </p:cNvPr>
+          <p:cNvSpPr txBox="1"/>
+          <p:nvPr/>
+        </p:nvSpPr>
+        <p:spPr>
+          <a:xfrm>
+            <a:off x="2963853" y="1687131"/>
+            <a:ext cx="873735" cy="400110"/>
+          </a:xfrm>
+          <a:prstGeom prst="rect">
+            <a:avLst/>
+          </a:prstGeom>
+          <a:noFill/>
+        </p:spPr>
+        <p:txBody>
+          <a:bodyPr wrap="square" rtlCol="0">
+            <a:spAutoFit/>
+          </a:bodyPr>
+          <a:lstStyle/>
+          <a:p>
+            <a:r>
+              <a:rPr lang="en-US" sz="2000" dirty="0">
+                <a:solidFill>
+                  <a:schemeClr val="accent1"/>
+                </a:solidFill>
+              </a:rPr>
+              <a:t>a1_1</a:t>
+            </a:r>
+          </a:p>
+        </p:txBody>
+      </p:sp>
+      <p:sp>
+        <p:nvSpPr>
+          <p:cNvPr id="3" name="TextBox 2">
+            <a:extLst>
+              <a:ext uri="{FF2B5EF4-FFF2-40B4-BE49-F238E27FC236}">
+                <a16:creationId xmlns:a16="http://schemas.microsoft.com/office/drawing/2014/main" id="{47349D19-0ECB-11B8-A37C-055F2BED4755}"/>
+              </a:ext>
+            </a:extLst>
+          </p:cNvPr>
+          <p:cNvSpPr txBox="1"/>
+          <p:nvPr/>
+        </p:nvSpPr>
+        <p:spPr>
+          <a:xfrm>
+            <a:off x="4851048" y="1794476"/>
+            <a:ext cx="873735" cy="400110"/>
+          </a:xfrm>
+          <a:prstGeom prst="rect">
+            <a:avLst/>
+          </a:prstGeom>
+          <a:noFill/>
+        </p:spPr>
+        <p:txBody>
+          <a:bodyPr wrap="square" rtlCol="0">
+            <a:spAutoFit/>
+          </a:bodyPr>
+          <a:lstStyle/>
+          <a:p>
+            <a:r>
+              <a:rPr lang="en-US" sz="2000" dirty="0">
+                <a:solidFill>
+                  <a:schemeClr val="accent1"/>
+                </a:solidFill>
+              </a:rPr>
+              <a:t>a1_3</a:t>
+            </a:r>
+          </a:p>
+        </p:txBody>
+      </p:sp>
+      <p:sp>
+        <p:nvSpPr>
+          <p:cNvPr id="9" name="TextBox 8">
+            <a:extLst>
+              <a:ext uri="{FF2B5EF4-FFF2-40B4-BE49-F238E27FC236}">
+                <a16:creationId xmlns:a16="http://schemas.microsoft.com/office/drawing/2014/main" id="{C21535EB-51BB-0462-1325-DE757C398098}"/>
+              </a:ext>
+            </a:extLst>
+          </p:cNvPr>
+          <p:cNvSpPr txBox="1"/>
+          <p:nvPr/>
+        </p:nvSpPr>
+        <p:spPr>
+          <a:xfrm>
+            <a:off x="7246366" y="1752553"/>
+            <a:ext cx="873735" cy="400110"/>
+          </a:xfrm>
+          <a:prstGeom prst="rect">
+            <a:avLst/>
+          </a:prstGeom>
+          <a:noFill/>
+        </p:spPr>
+        <p:txBody>
+          <a:bodyPr wrap="square" rtlCol="0">
+            <a:spAutoFit/>
+          </a:bodyPr>
+          <a:lstStyle/>
+          <a:p>
+            <a:r>
+              <a:rPr lang="en-US" sz="2000" dirty="0">
+                <a:solidFill>
+                  <a:schemeClr val="accent1"/>
+                </a:solidFill>
+              </a:rPr>
+              <a:t>a2_4</a:t>
+            </a:r>
+          </a:p>
+        </p:txBody>
+      </p:sp>
+      <p:sp>
+        <p:nvSpPr>
+          <p:cNvPr id="11" name="TextBox 10">
+            <a:extLst>
+              <a:ext uri="{FF2B5EF4-FFF2-40B4-BE49-F238E27FC236}">
+                <a16:creationId xmlns:a16="http://schemas.microsoft.com/office/drawing/2014/main" id="{43FFDE9D-9F47-F558-47B0-96DE371B8101}"/>
+              </a:ext>
+            </a:extLst>
+          </p:cNvPr>
+          <p:cNvSpPr txBox="1"/>
+          <p:nvPr/>
+        </p:nvSpPr>
+        <p:spPr>
+          <a:xfrm>
+            <a:off x="7932635" y="1939675"/>
+            <a:ext cx="873735" cy="400110"/>
+          </a:xfrm>
+          <a:prstGeom prst="rect">
+            <a:avLst/>
+          </a:prstGeom>
+          <a:noFill/>
+        </p:spPr>
+        <p:txBody>
+          <a:bodyPr wrap="square" rtlCol="0">
+            <a:spAutoFit/>
+          </a:bodyPr>
+          <a:lstStyle/>
+          <a:p>
+            <a:r>
+              <a:rPr lang="en-US" sz="2000" dirty="0">
+                <a:solidFill>
+                  <a:schemeClr val="accent1"/>
+                </a:solidFill>
+              </a:rPr>
+              <a:t>a2_5</a:t>
+            </a:r>
+          </a:p>
+        </p:txBody>
+      </p:sp>
+    </p:spTree>
+    <p:extLst>
+      <p:ext uri="{BB962C8B-B14F-4D97-AF65-F5344CB8AC3E}">
+        <p14:creationId xmlns:p14="http://schemas.microsoft.com/office/powerpoint/2010/main" val="1782241504"/>
+      </p:ext>
+    </p:extLst>
+  </p:cSld>
+  <p:clrMapOvr>
+    <a:masterClrMapping/>
+  </p:clrMapOvr>
+</p:sld>
+</file>
+
 <file path=ppt/theme/theme1.xml><?xml version="1.0" encoding="utf-8"?>
 <a:theme xmlns:a="http://schemas.openxmlformats.org/drawingml/2006/main" name="Office Theme">
   <a:themeElements>
